--- a/img/pin_map.pptx
+++ b/img/pin_map.pptx
@@ -210,7 +210,7 @@
           <a:p>
             <a:fld id="{4EB02BDD-3154-492D-BE59-59C507D5296B}" type="datetimeFigureOut">
               <a:rPr lang="zh-CN" altLang="en-US" smtClean="0"/>
-              <a:t>2018/10/8</a:t>
+              <a:t>2018/10/9</a:t>
             </a:fld>
             <a:endParaRPr lang="zh-CN" altLang="en-US"/>
           </a:p>
@@ -794,7 +794,7 @@
           <a:p>
             <a:fld id="{6BAEC7DB-416E-4648-AE31-15D6F0A9A9FB}" type="datetimeFigureOut">
               <a:rPr lang="en-US" smtClean="0"/>
-              <a:t>10/8/2018</a:t>
+              <a:t>10/9/2018</a:t>
             </a:fld>
             <a:endParaRPr lang="en-US"/>
           </a:p>
@@ -994,7 +994,7 @@
           <a:p>
             <a:fld id="{6BAEC7DB-416E-4648-AE31-15D6F0A9A9FB}" type="datetimeFigureOut">
               <a:rPr lang="en-US" smtClean="0"/>
-              <a:t>10/8/2018</a:t>
+              <a:t>10/9/2018</a:t>
             </a:fld>
             <a:endParaRPr lang="en-US"/>
           </a:p>
@@ -1204,7 +1204,7 @@
           <a:p>
             <a:fld id="{6BAEC7DB-416E-4648-AE31-15D6F0A9A9FB}" type="datetimeFigureOut">
               <a:rPr lang="en-US" smtClean="0"/>
-              <a:t>10/8/2018</a:t>
+              <a:t>10/9/2018</a:t>
             </a:fld>
             <a:endParaRPr lang="en-US"/>
           </a:p>
@@ -1404,7 +1404,7 @@
           <a:p>
             <a:fld id="{6BAEC7DB-416E-4648-AE31-15D6F0A9A9FB}" type="datetimeFigureOut">
               <a:rPr lang="en-US" smtClean="0"/>
-              <a:t>10/8/2018</a:t>
+              <a:t>10/9/2018</a:t>
             </a:fld>
             <a:endParaRPr lang="en-US"/>
           </a:p>
@@ -1680,7 +1680,7 @@
           <a:p>
             <a:fld id="{6BAEC7DB-416E-4648-AE31-15D6F0A9A9FB}" type="datetimeFigureOut">
               <a:rPr lang="en-US" smtClean="0"/>
-              <a:t>10/8/2018</a:t>
+              <a:t>10/9/2018</a:t>
             </a:fld>
             <a:endParaRPr lang="en-US"/>
           </a:p>
@@ -1948,7 +1948,7 @@
           <a:p>
             <a:fld id="{6BAEC7DB-416E-4648-AE31-15D6F0A9A9FB}" type="datetimeFigureOut">
               <a:rPr lang="en-US" smtClean="0"/>
-              <a:t>10/8/2018</a:t>
+              <a:t>10/9/2018</a:t>
             </a:fld>
             <a:endParaRPr lang="en-US"/>
           </a:p>
@@ -2363,7 +2363,7 @@
           <a:p>
             <a:fld id="{6BAEC7DB-416E-4648-AE31-15D6F0A9A9FB}" type="datetimeFigureOut">
               <a:rPr lang="en-US" smtClean="0"/>
-              <a:t>10/8/2018</a:t>
+              <a:t>10/9/2018</a:t>
             </a:fld>
             <a:endParaRPr lang="en-US"/>
           </a:p>
@@ -2505,7 +2505,7 @@
           <a:p>
             <a:fld id="{6BAEC7DB-416E-4648-AE31-15D6F0A9A9FB}" type="datetimeFigureOut">
               <a:rPr lang="en-US" smtClean="0"/>
-              <a:t>10/8/2018</a:t>
+              <a:t>10/9/2018</a:t>
             </a:fld>
             <a:endParaRPr lang="en-US"/>
           </a:p>
@@ -2618,7 +2618,7 @@
           <a:p>
             <a:fld id="{6BAEC7DB-416E-4648-AE31-15D6F0A9A9FB}" type="datetimeFigureOut">
               <a:rPr lang="en-US" smtClean="0"/>
-              <a:t>10/8/2018</a:t>
+              <a:t>10/9/2018</a:t>
             </a:fld>
             <a:endParaRPr lang="en-US"/>
           </a:p>
@@ -2931,7 +2931,7 @@
           <a:p>
             <a:fld id="{6BAEC7DB-416E-4648-AE31-15D6F0A9A9FB}" type="datetimeFigureOut">
               <a:rPr lang="en-US" smtClean="0"/>
-              <a:t>10/8/2018</a:t>
+              <a:t>10/9/2018</a:t>
             </a:fld>
             <a:endParaRPr lang="en-US"/>
           </a:p>
@@ -3220,7 +3220,7 @@
           <a:p>
             <a:fld id="{6BAEC7DB-416E-4648-AE31-15D6F0A9A9FB}" type="datetimeFigureOut">
               <a:rPr lang="en-US" smtClean="0"/>
-              <a:t>10/8/2018</a:t>
+              <a:t>10/9/2018</a:t>
             </a:fld>
             <a:endParaRPr lang="en-US"/>
           </a:p>
@@ -3463,7 +3463,7 @@
           <a:p>
             <a:fld id="{6BAEC7DB-416E-4648-AE31-15D6F0A9A9FB}" type="datetimeFigureOut">
               <a:rPr lang="en-US" smtClean="0"/>
-              <a:t>10/8/2018</a:t>
+              <a:t>10/9/2018</a:t>
             </a:fld>
             <a:endParaRPr lang="en-US"/>
           </a:p>
@@ -4121,7 +4121,7 @@
         </p:nvSpPr>
         <p:spPr>
           <a:xfrm>
-            <a:off x="1670772" y="4359117"/>
+            <a:off x="1725090" y="4359117"/>
             <a:ext cx="4663386" cy="2205732"/>
           </a:xfrm>
           <a:prstGeom prst="rect">
@@ -4452,7 +4452,7 @@
         </p:blipFill>
         <p:spPr>
           <a:xfrm>
-            <a:off x="1467626" y="4753943"/>
+            <a:off x="1521944" y="4753943"/>
             <a:ext cx="266700" cy="266700"/>
           </a:xfrm>
           <a:prstGeom prst="rect">
@@ -4488,7 +4488,7 @@
         </p:blipFill>
         <p:spPr>
           <a:xfrm>
-            <a:off x="1467626" y="4437638"/>
+            <a:off x="1521944" y="4437638"/>
             <a:ext cx="266700" cy="266700"/>
           </a:xfrm>
           <a:prstGeom prst="rect">
@@ -4524,7 +4524,7 @@
         </p:blipFill>
         <p:spPr>
           <a:xfrm>
-            <a:off x="1467626" y="5386556"/>
+            <a:off x="1521944" y="5386556"/>
             <a:ext cx="266700" cy="266700"/>
           </a:xfrm>
           <a:prstGeom prst="rect">
@@ -4560,7 +4560,7 @@
         </p:blipFill>
         <p:spPr>
           <a:xfrm>
-            <a:off x="1467626" y="5070250"/>
+            <a:off x="1521944" y="5070250"/>
             <a:ext cx="266700" cy="266700"/>
           </a:xfrm>
           <a:prstGeom prst="rect">
@@ -4823,8 +4823,8 @@
         </p:nvCxnSpPr>
         <p:spPr>
           <a:xfrm>
-            <a:off x="9112552" y="2824662"/>
-            <a:ext cx="907858" cy="0"/>
+            <a:off x="9127610" y="2844812"/>
+            <a:ext cx="873673" cy="6847"/>
           </a:xfrm>
           <a:prstGeom prst="line">
             <a:avLst/>
@@ -4865,13 +4865,14 @@
           </p:cNvPr>
           <p:cNvCxnSpPr>
             <a:cxnSpLocks/>
+            <a:endCxn id="113" idx="1"/>
           </p:cNvCxnSpPr>
           <p:nvPr/>
         </p:nvCxnSpPr>
         <p:spPr>
           <a:xfrm>
             <a:off x="9108786" y="2607516"/>
-            <a:ext cx="1310692" cy="19975"/>
+            <a:ext cx="1310692" cy="11952"/>
           </a:xfrm>
           <a:prstGeom prst="line">
             <a:avLst/>
@@ -5011,8 +5012,8 @@
         </p:nvCxnSpPr>
         <p:spPr>
           <a:xfrm flipV="1">
-            <a:off x="10020410" y="1823918"/>
-            <a:ext cx="476250" cy="312264"/>
+            <a:off x="10016189" y="1769600"/>
+            <a:ext cx="480471" cy="371756"/>
           </a:xfrm>
           <a:prstGeom prst="line">
             <a:avLst/>
@@ -5057,8 +5058,8 @@
         </p:nvCxnSpPr>
         <p:spPr>
           <a:xfrm>
-            <a:off x="10029081" y="3098102"/>
-            <a:ext cx="459116" cy="369268"/>
+            <a:off x="10016138" y="3082756"/>
+            <a:ext cx="472059" cy="330296"/>
           </a:xfrm>
           <a:prstGeom prst="line">
             <a:avLst/>
@@ -5161,7 +5162,7 @@
         </p:blipFill>
         <p:spPr>
           <a:xfrm>
-            <a:off x="8878922" y="615801"/>
+            <a:off x="8885272" y="679301"/>
             <a:ext cx="476250" cy="476250"/>
           </a:xfrm>
           <a:prstGeom prst="rect">
@@ -5197,7 +5198,7 @@
         </p:blipFill>
         <p:spPr>
           <a:xfrm>
-            <a:off x="10419478" y="1490895"/>
+            <a:off x="10419478" y="1436577"/>
             <a:ext cx="476250" cy="476250"/>
           </a:xfrm>
           <a:prstGeom prst="rect">
@@ -5233,7 +5234,7 @@
         </p:blipFill>
         <p:spPr>
           <a:xfrm>
-            <a:off x="10419478" y="1966421"/>
+            <a:off x="10419478" y="1912103"/>
             <a:ext cx="472059" cy="472059"/>
           </a:xfrm>
           <a:prstGeom prst="rect">
@@ -5269,7 +5270,7 @@
         </p:blipFill>
         <p:spPr>
           <a:xfrm>
-            <a:off x="10419478" y="2437756"/>
+            <a:off x="10419478" y="2383438"/>
             <a:ext cx="472059" cy="472059"/>
           </a:xfrm>
           <a:prstGeom prst="rect">
@@ -5305,7 +5306,7 @@
         </p:blipFill>
         <p:spPr>
           <a:xfrm>
-            <a:off x="10419478" y="2909091"/>
+            <a:off x="10419478" y="2854773"/>
             <a:ext cx="472059" cy="472059"/>
           </a:xfrm>
           <a:prstGeom prst="rect">
@@ -5341,7 +5342,7 @@
         </p:blipFill>
         <p:spPr>
           <a:xfrm>
-            <a:off x="10419478" y="3380426"/>
+            <a:off x="10419478" y="3326108"/>
             <a:ext cx="472059" cy="472059"/>
           </a:xfrm>
           <a:prstGeom prst="rect">
@@ -5359,61 +5360,15 @@
             </a:extLst>
           </p:cNvPr>
           <p:cNvCxnSpPr>
+            <a:cxnSpLocks/>
             <a:endCxn id="112" idx="1"/>
           </p:cNvCxnSpPr>
           <p:nvPr/>
         </p:nvCxnSpPr>
         <p:spPr>
           <a:xfrm flipV="1">
-            <a:off x="10020410" y="2202451"/>
-            <a:ext cx="399068" cy="186303"/>
-          </a:xfrm>
-          <a:prstGeom prst="line">
-            <a:avLst/>
-          </a:prstGeom>
-          <a:ln w="19050">
-            <a:solidFill>
-              <a:schemeClr val="bg1">
-                <a:lumMod val="65000"/>
-              </a:schemeClr>
-            </a:solidFill>
-            <a:prstDash val="dash"/>
-          </a:ln>
-        </p:spPr>
-        <p:style>
-          <a:lnRef idx="1">
-            <a:schemeClr val="accent1"/>
-          </a:lnRef>
-          <a:fillRef idx="0">
-            <a:schemeClr val="accent1"/>
-          </a:fillRef>
-          <a:effectRef idx="0">
-            <a:schemeClr val="accent1"/>
-          </a:effectRef>
-          <a:fontRef idx="minor">
-            <a:schemeClr val="tx1"/>
-          </a:fontRef>
-        </p:style>
-      </p:cxnSp>
-      <p:cxnSp>
-        <p:nvCxnSpPr>
-          <p:cNvPr id="142" name="直接连接符 141">
-            <a:extLst>
-              <a:ext uri="{FF2B5EF4-FFF2-40B4-BE49-F238E27FC236}">
-                <a16:creationId xmlns:a16="http://schemas.microsoft.com/office/drawing/2014/main" id="{40036AB3-B125-4D3D-8F37-7F8A731A73E6}"/>
-              </a:ext>
-            </a:extLst>
-          </p:cNvPr>
-          <p:cNvCxnSpPr>
-            <a:cxnSpLocks/>
-            <a:endCxn id="114" idx="1"/>
-          </p:cNvCxnSpPr>
-          <p:nvPr/>
-        </p:nvCxnSpPr>
-        <p:spPr>
-          <a:xfrm>
-            <a:off x="10020410" y="2822872"/>
-            <a:ext cx="399068" cy="322249"/>
+            <a:off x="10016189" y="2148133"/>
+            <a:ext cx="403289" cy="235305"/>
           </a:xfrm>
           <a:prstGeom prst="line">
             <a:avLst/>
@@ -5470,8 +5425,8 @@
         </p:blipFill>
         <p:spPr>
           <a:xfrm>
-            <a:off x="6604030" y="5039127"/>
-            <a:ext cx="266700" cy="266700"/>
+            <a:off x="5961236" y="5039127"/>
+            <a:ext cx="308783" cy="266700"/>
           </a:xfrm>
           <a:prstGeom prst="rect">
             <a:avLst/>
@@ -5506,8 +5461,8 @@
         </p:blipFill>
         <p:spPr>
           <a:xfrm>
-            <a:off x="6604030" y="5346192"/>
-            <a:ext cx="266700" cy="266700"/>
+            <a:off x="5961236" y="5346192"/>
+            <a:ext cx="308783" cy="266700"/>
           </a:xfrm>
           <a:prstGeom prst="rect">
             <a:avLst/>
@@ -5542,8 +5497,8 @@
         </p:blipFill>
         <p:spPr>
           <a:xfrm>
-            <a:off x="6604030" y="5653256"/>
-            <a:ext cx="266700" cy="266700"/>
+            <a:off x="5961236" y="5653256"/>
+            <a:ext cx="308783" cy="266700"/>
           </a:xfrm>
           <a:prstGeom prst="rect">
             <a:avLst/>
@@ -5578,8 +5533,8 @@
         </p:blipFill>
         <p:spPr>
           <a:xfrm>
-            <a:off x="6604030" y="4732062"/>
-            <a:ext cx="266700" cy="266700"/>
+            <a:off x="5961236" y="4732062"/>
+            <a:ext cx="308783" cy="266700"/>
           </a:xfrm>
           <a:prstGeom prst="rect">
             <a:avLst/>
@@ -5614,8 +5569,8 @@
         </p:blipFill>
         <p:spPr>
           <a:xfrm>
-            <a:off x="6604030" y="5960320"/>
-            <a:ext cx="266700" cy="266700"/>
+            <a:off x="5961236" y="5960320"/>
+            <a:ext cx="308783" cy="266700"/>
           </a:xfrm>
           <a:prstGeom prst="rect">
             <a:avLst/>
@@ -5650,8 +5605,8 @@
         </p:blipFill>
         <p:spPr>
           <a:xfrm>
-            <a:off x="6604030" y="4424997"/>
-            <a:ext cx="266700" cy="266700"/>
+            <a:off x="5961236" y="4424997"/>
+            <a:ext cx="308783" cy="266700"/>
           </a:xfrm>
           <a:prstGeom prst="rect">
             <a:avLst/>
@@ -6252,8 +6207,8 @@
         </p:nvSpPr>
         <p:spPr>
           <a:xfrm>
-            <a:off x="6870729" y="4359117"/>
-            <a:ext cx="5060013" cy="2526333"/>
+            <a:off x="6182670" y="4331958"/>
+            <a:ext cx="6009329" cy="2662267"/>
           </a:xfrm>
           <a:prstGeom prst="rect">
             <a:avLst/>
@@ -6334,7 +6289,11 @@
               <a:t>onnect to the XRES pin, </a:t>
             </a:r>
             <a:r>
-              <a:rPr lang="pt-BR"/>
+              <a:rPr lang="pt-BR" sz="1600">
+                <a:latin typeface="Leelawadee UI" panose="020B0502040204020203" pitchFamily="34" charset="-34"/>
+                <a:ea typeface="Microsoft JhengHei Light" panose="020B0304030504040204" pitchFamily="34" charset="-120"/>
+                <a:cs typeface="Leelawadee UI" panose="020B0502040204020203" pitchFamily="34" charset="-34"/>
+              </a:rPr>
               <a:t>external reset I/O pin</a:t>
             </a:r>
             <a:endParaRPr lang="en-US" sz="1600" dirty="0">
@@ -6355,7 +6314,7 @@
                 <a:ea typeface="Microsoft JhengHei Light" panose="020B0304030504040204" pitchFamily="34" charset="-120"/>
                 <a:cs typeface="Leelawadee UI" panose="020B0502040204020203" pitchFamily="34" charset="-34"/>
               </a:rPr>
-              <a:t>SDA</a:t>
+              <a:t>SCL: </a:t>
             </a:r>
             <a:r>
               <a:rPr lang="en-US" sz="1600" dirty="0">
@@ -6363,7 +6322,7 @@
                 <a:ea typeface="Microsoft JhengHei Light" panose="020B0304030504040204" pitchFamily="34" charset="-120"/>
                 <a:cs typeface="Leelawadee UI" panose="020B0502040204020203" pitchFamily="34" charset="-34"/>
               </a:rPr>
-              <a:t>: I</a:t>
+              <a:t>I</a:t>
             </a:r>
             <a:r>
               <a:rPr lang="en-US" sz="1600" baseline="30000" dirty="0">
@@ -6379,8 +6338,21 @@
                 <a:ea typeface="Microsoft JhengHei Light" panose="020B0304030504040204" pitchFamily="34" charset="-120"/>
                 <a:cs typeface="Leelawadee UI" panose="020B0502040204020203" pitchFamily="34" charset="-34"/>
               </a:rPr>
-              <a:t>C serial data </a:t>
-            </a:r>
+              <a:t>C </a:t>
+            </a:r>
+            <a:r>
+              <a:rPr lang="en-US" sz="1600">
+                <a:latin typeface="Leelawadee UI" panose="020B0502040204020203" pitchFamily="34" charset="-34"/>
+                <a:ea typeface="Microsoft JhengHei Light" panose="020B0304030504040204" pitchFamily="34" charset="-120"/>
+                <a:cs typeface="Leelawadee UI" panose="020B0502040204020203" pitchFamily="34" charset="-34"/>
+              </a:rPr>
+              <a:t>serial clock, work as SWDCLK when burn the firmware </a:t>
+            </a:r>
+            <a:endParaRPr lang="en-US" sz="1600" dirty="0">
+              <a:latin typeface="Leelawadee UI" panose="020B0502040204020203" pitchFamily="34" charset="-34"/>
+              <a:ea typeface="Microsoft JhengHei Light" panose="020B0304030504040204" pitchFamily="34" charset="-120"/>
+              <a:cs typeface="Leelawadee UI" panose="020B0502040204020203" pitchFamily="34" charset="-34"/>
+            </a:endParaRPr>
           </a:p>
           <a:p>
             <a:pPr>
@@ -6389,12 +6361,20 @@
               </a:lnSpc>
             </a:pPr>
             <a:r>
+              <a:rPr lang="en-US" sz="1600">
+                <a:latin typeface="Leelawadee UI" panose="020B0502040204020203" pitchFamily="34" charset="-34"/>
+                <a:ea typeface="Microsoft JhengHei Light" panose="020B0304030504040204" pitchFamily="34" charset="-120"/>
+                <a:cs typeface="Leelawadee UI" panose="020B0502040204020203" pitchFamily="34" charset="-34"/>
+              </a:rPr>
+              <a:t>SDA: </a:t>
+            </a:r>
+            <a:r>
               <a:rPr lang="en-US" sz="1600" dirty="0">
                 <a:latin typeface="Leelawadee UI" panose="020B0502040204020203" pitchFamily="34" charset="-34"/>
                 <a:ea typeface="Microsoft JhengHei Light" panose="020B0304030504040204" pitchFamily="34" charset="-120"/>
                 <a:cs typeface="Leelawadee UI" panose="020B0502040204020203" pitchFamily="34" charset="-34"/>
               </a:rPr>
-              <a:t>SCL: I</a:t>
+              <a:t>I</a:t>
             </a:r>
             <a:r>
               <a:rPr lang="en-US" sz="1600" baseline="30000" dirty="0">
@@ -6413,12 +6393,12 @@
               <a:t>C </a:t>
             </a:r>
             <a:r>
-              <a:rPr lang="en-US" altLang="zh-CN" sz="1600" dirty="0">
+              <a:rPr lang="en-US" altLang="zh-CN" sz="1600">
                 <a:latin typeface="Leelawadee UI" panose="020B0502040204020203" pitchFamily="34" charset="-34"/>
                 <a:ea typeface="Microsoft JhengHei Light" panose="020B0304030504040204" pitchFamily="34" charset="-120"/>
                 <a:cs typeface="Leelawadee UI" panose="020B0502040204020203" pitchFamily="34" charset="-34"/>
               </a:rPr>
-              <a:t>serial clock</a:t>
+              <a:t>serial clock, work as SWDDATA when burn the firmware</a:t>
             </a:r>
             <a:endParaRPr lang="en-US" sz="1600" dirty="0">
               <a:latin typeface="Leelawadee UI" panose="020B0502040204020203" pitchFamily="34" charset="-34"/>
@@ -6427,11 +6407,23 @@
             </a:endParaRPr>
           </a:p>
           <a:p>
-            <a:endParaRPr lang="en-US" sz="1200" dirty="0">
-              <a:solidFill>
-                <a:srgbClr val="D4D4D4"/>
-              </a:solidFill>
-              <a:latin typeface="Consolas" panose="020B0609020204030204" pitchFamily="49" charset="0"/>
+            <a:pPr>
+              <a:lnSpc>
+                <a:spcPts val="2500"/>
+              </a:lnSpc>
+            </a:pPr>
+            <a:r>
+              <a:rPr lang="en-US" sz="1600">
+                <a:latin typeface="Leelawadee UI" panose="020B0502040204020203" pitchFamily="34" charset="-34"/>
+                <a:ea typeface="Microsoft JhengHei Light" panose="020B0304030504040204" pitchFamily="34" charset="-120"/>
+                <a:cs typeface="Leelawadee UI" panose="020B0502040204020203" pitchFamily="34" charset="-34"/>
+              </a:rPr>
+              <a:t>INT: Default High, turn to low when button or slider triggered</a:t>
+            </a:r>
+            <a:endParaRPr lang="en-US" sz="1600" dirty="0">
+              <a:latin typeface="Leelawadee UI" panose="020B0502040204020203" pitchFamily="34" charset="-34"/>
+              <a:ea typeface="Microsoft JhengHei Light" panose="020B0304030504040204" pitchFamily="34" charset="-120"/>
+              <a:cs typeface="Leelawadee UI" panose="020B0502040204020203" pitchFamily="34" charset="-34"/>
             </a:endParaRPr>
           </a:p>
           <a:p>
@@ -6451,6 +6443,53 @@
           </a:p>
         </p:txBody>
       </p:sp>
+      <p:cxnSp>
+        <p:nvCxnSpPr>
+          <p:cNvPr id="11" name="直接连接符 10">
+            <a:extLst>
+              <a:ext uri="{FF2B5EF4-FFF2-40B4-BE49-F238E27FC236}">
+                <a16:creationId xmlns:a16="http://schemas.microsoft.com/office/drawing/2014/main" id="{BBCE8B29-4DEF-4C91-B082-1F142D9D4147}"/>
+              </a:ext>
+            </a:extLst>
+          </p:cNvPr>
+          <p:cNvCxnSpPr>
+            <a:cxnSpLocks/>
+          </p:cNvCxnSpPr>
+          <p:nvPr/>
+        </p:nvCxnSpPr>
+        <p:spPr>
+          <a:xfrm flipH="1" flipV="1">
+            <a:off x="10001284" y="2842415"/>
+            <a:ext cx="444281" cy="246365"/>
+          </a:xfrm>
+          <a:prstGeom prst="line">
+            <a:avLst/>
+          </a:prstGeom>
+          <a:ln w="19050" cap="flat" cmpd="sng" algn="ctr">
+            <a:solidFill>
+              <a:schemeClr val="accent3"/>
+            </a:solidFill>
+            <a:prstDash val="dash"/>
+            <a:round/>
+            <a:headEnd type="none" w="med" len="med"/>
+            <a:tailEnd type="none" w="med" len="med"/>
+          </a:ln>
+        </p:spPr>
+        <p:style>
+          <a:lnRef idx="0">
+            <a:scrgbClr r="0" g="0" b="0"/>
+          </a:lnRef>
+          <a:fillRef idx="0">
+            <a:scrgbClr r="0" g="0" b="0"/>
+          </a:fillRef>
+          <a:effectRef idx="0">
+            <a:scrgbClr r="0" g="0" b="0"/>
+          </a:effectRef>
+          <a:fontRef idx="minor">
+            <a:schemeClr val="tx1"/>
+          </a:fontRef>
+        </p:style>
+      </p:cxnSp>
     </p:spTree>
     <p:extLst>
       <p:ext uri="{BB962C8B-B14F-4D97-AF65-F5344CB8AC3E}">
@@ -6509,7 +6548,7 @@
         </p:blipFill>
         <p:spPr>
           <a:xfrm rot="10800000">
-            <a:off x="2513731" y="1167725"/>
+            <a:off x="2530123" y="1122457"/>
             <a:ext cx="7309393" cy="5482045"/>
           </a:xfrm>
           <a:prstGeom prst="rect">
@@ -6669,8 +6708,8 @@
         </p:nvSpPr>
         <p:spPr>
           <a:xfrm>
-            <a:off x="3551717" y="1264827"/>
-            <a:ext cx="646331" cy="369332"/>
+            <a:off x="3475517" y="1214027"/>
+            <a:ext cx="1071575" cy="400110"/>
           </a:xfrm>
           <a:prstGeom prst="rect">
             <a:avLst/>
@@ -6684,12 +6723,26 @@
           <a:lstStyle/>
           <a:p>
             <a:r>
-              <a:rPr lang="zh-CN" altLang="en-US" dirty="0">
+              <a:rPr lang="en-US" altLang="zh-CN" sz="2000" b="1">
+                <a:solidFill>
+                  <a:schemeClr val="bg1">
+                    <a:lumMod val="65000"/>
+                  </a:schemeClr>
+                </a:solidFill>
                 <a:latin typeface="微软雅黑" panose="020B0503020204020204" pitchFamily="34" charset="-122"/>
                 <a:ea typeface="微软雅黑" panose="020B0503020204020204" pitchFamily="34" charset="-122"/>
               </a:rPr>
-              <a:t>按钮</a:t>
-            </a:r>
+              <a:t>Button</a:t>
+            </a:r>
+            <a:endParaRPr lang="zh-CN" altLang="en-US" sz="2000" b="1" dirty="0">
+              <a:solidFill>
+                <a:schemeClr val="bg1">
+                  <a:lumMod val="65000"/>
+                </a:schemeClr>
+              </a:solidFill>
+              <a:latin typeface="微软雅黑" panose="020B0503020204020204" pitchFamily="34" charset="-122"/>
+              <a:ea typeface="微软雅黑" panose="020B0503020204020204" pitchFamily="34" charset="-122"/>
+            </a:endParaRPr>
           </a:p>
         </p:txBody>
       </p:sp>
@@ -6811,8 +6864,8 @@
         </p:nvSpPr>
         <p:spPr>
           <a:xfrm>
-            <a:off x="5866599" y="1264827"/>
-            <a:ext cx="646331" cy="369332"/>
+            <a:off x="5790399" y="1214027"/>
+            <a:ext cx="917239" cy="400110"/>
           </a:xfrm>
           <a:prstGeom prst="rect">
             <a:avLst/>
@@ -6826,12 +6879,26 @@
           <a:lstStyle/>
           <a:p>
             <a:r>
-              <a:rPr lang="zh-CN" altLang="en-US" dirty="0">
+              <a:rPr lang="en-US" altLang="zh-CN" sz="2000" b="1">
+                <a:solidFill>
+                  <a:schemeClr val="bg1">
+                    <a:lumMod val="65000"/>
+                  </a:schemeClr>
+                </a:solidFill>
                 <a:latin typeface="微软雅黑" panose="020B0503020204020204" pitchFamily="34" charset="-122"/>
                 <a:ea typeface="微软雅黑" panose="020B0503020204020204" pitchFamily="34" charset="-122"/>
               </a:rPr>
-              <a:t>滑块</a:t>
-            </a:r>
+              <a:t>Slider</a:t>
+            </a:r>
+            <a:endParaRPr lang="zh-CN" altLang="en-US" sz="2000" b="1" dirty="0">
+              <a:solidFill>
+                <a:schemeClr val="bg1">
+                  <a:lumMod val="65000"/>
+                </a:schemeClr>
+              </a:solidFill>
+              <a:latin typeface="微软雅黑" panose="020B0503020204020204" pitchFamily="34" charset="-122"/>
+              <a:ea typeface="微软雅黑" panose="020B0503020204020204" pitchFamily="34" charset="-122"/>
+            </a:endParaRPr>
           </a:p>
         </p:txBody>
       </p:sp>
@@ -6849,8 +6916,8 @@
         </p:nvSpPr>
         <p:spPr>
           <a:xfrm>
-            <a:off x="8095048" y="1264827"/>
-            <a:ext cx="646331" cy="369332"/>
+            <a:off x="8018848" y="1214027"/>
+            <a:ext cx="1071575" cy="400110"/>
           </a:xfrm>
           <a:prstGeom prst="rect">
             <a:avLst/>
@@ -6864,12 +6931,26 @@
           <a:lstStyle/>
           <a:p>
             <a:r>
-              <a:rPr lang="zh-CN" altLang="en-US" dirty="0">
+              <a:rPr lang="en-US" altLang="zh-CN" sz="2000" b="1">
+                <a:solidFill>
+                  <a:schemeClr val="bg1">
+                    <a:lumMod val="65000"/>
+                  </a:schemeClr>
+                </a:solidFill>
                 <a:latin typeface="微软雅黑" panose="020B0503020204020204" pitchFamily="34" charset="-122"/>
                 <a:ea typeface="微软雅黑" panose="020B0503020204020204" pitchFamily="34" charset="-122"/>
               </a:rPr>
-              <a:t>按钮</a:t>
-            </a:r>
+              <a:t>Button</a:t>
+            </a:r>
+            <a:endParaRPr lang="zh-CN" altLang="en-US" sz="2000" b="1" dirty="0">
+              <a:solidFill>
+                <a:schemeClr val="bg1">
+                  <a:lumMod val="65000"/>
+                </a:schemeClr>
+              </a:solidFill>
+              <a:latin typeface="微软雅黑" panose="020B0503020204020204" pitchFamily="34" charset="-122"/>
+              <a:ea typeface="微软雅黑" panose="020B0503020204020204" pitchFamily="34" charset="-122"/>
+            </a:endParaRPr>
           </a:p>
         </p:txBody>
       </p:sp>

--- a/img/pin_map.pptx
+++ b/img/pin_map.pptx
@@ -5,11 +5,13 @@
     <p:sldMasterId id="2147483648" r:id="rId1"/>
   </p:sldMasterIdLst>
   <p:notesMasterIdLst>
-    <p:notesMasterId r:id="rId4"/>
+    <p:notesMasterId r:id="rId6"/>
   </p:notesMasterIdLst>
   <p:sldIdLst>
     <p:sldId id="256" r:id="rId2"/>
     <p:sldId id="258" r:id="rId3"/>
+    <p:sldId id="259" r:id="rId4"/>
+    <p:sldId id="260" r:id="rId5"/>
   </p:sldIdLst>
   <p:sldSz cx="12192000" cy="6858000"/>
   <p:notesSz cx="6858000" cy="9144000"/>
@@ -636,6 +638,174 @@
     <p:extLst>
       <p:ext uri="{BB962C8B-B14F-4D97-AF65-F5344CB8AC3E}">
         <p14:creationId xmlns:p14="http://schemas.microsoft.com/office/powerpoint/2010/main" val="369898986"/>
+      </p:ext>
+    </p:extLst>
+  </p:cSld>
+  <p:clrMapOvr>
+    <a:masterClrMapping/>
+  </p:clrMapOvr>
+</p:notes>
+</file>
+
+<file path=ppt/notesSlides/notesSlide3.xml><?xml version="1.0" encoding="utf-8"?>
+<p:notes xmlns:a="http://schemas.openxmlformats.org/drawingml/2006/main" xmlns:r="http://schemas.openxmlformats.org/officeDocument/2006/relationships" xmlns:p="http://schemas.openxmlformats.org/presentationml/2006/main">
+  <p:cSld>
+    <p:spTree>
+      <p:nvGrpSpPr>
+        <p:cNvPr id="1" name=""/>
+        <p:cNvGrpSpPr/>
+        <p:nvPr/>
+      </p:nvGrpSpPr>
+      <p:grpSpPr>
+        <a:xfrm>
+          <a:off x="0" y="0"/>
+          <a:ext cx="0" cy="0"/>
+          <a:chOff x="0" y="0"/>
+          <a:chExt cx="0" cy="0"/>
+        </a:xfrm>
+      </p:grpSpPr>
+      <p:sp>
+        <p:nvSpPr>
+          <p:cNvPr id="2" name="幻灯片图像占位符 1"/>
+          <p:cNvSpPr>
+            <a:spLocks noGrp="1" noRot="1" noChangeAspect="1"/>
+          </p:cNvSpPr>
+          <p:nvPr>
+            <p:ph type="sldImg"/>
+          </p:nvPr>
+        </p:nvSpPr>
+        <p:spPr/>
+      </p:sp>
+      <p:sp>
+        <p:nvSpPr>
+          <p:cNvPr id="3" name="备注占位符 2"/>
+          <p:cNvSpPr>
+            <a:spLocks noGrp="1"/>
+          </p:cNvSpPr>
+          <p:nvPr>
+            <p:ph type="body" idx="1"/>
+          </p:nvPr>
+        </p:nvSpPr>
+        <p:spPr/>
+        <p:txBody>
+          <a:bodyPr/>
+          <a:lstStyle/>
+          <a:p>
+            <a:endParaRPr lang="zh-CN" altLang="en-US" dirty="0"/>
+          </a:p>
+        </p:txBody>
+      </p:sp>
+      <p:sp>
+        <p:nvSpPr>
+          <p:cNvPr id="4" name="灯片编号占位符 3"/>
+          <p:cNvSpPr>
+            <a:spLocks noGrp="1"/>
+          </p:cNvSpPr>
+          <p:nvPr>
+            <p:ph type="sldNum" sz="quarter" idx="5"/>
+          </p:nvPr>
+        </p:nvSpPr>
+        <p:spPr/>
+        <p:txBody>
+          <a:bodyPr/>
+          <a:lstStyle/>
+          <a:p>
+            <a:fld id="{5344892A-FA14-40F7-8C4B-950F9956C19F}" type="slidenum">
+              <a:rPr lang="zh-CN" altLang="en-US" smtClean="0"/>
+              <a:t>3</a:t>
+            </a:fld>
+            <a:endParaRPr lang="zh-CN" altLang="en-US"/>
+          </a:p>
+        </p:txBody>
+      </p:sp>
+    </p:spTree>
+    <p:extLst>
+      <p:ext uri="{BB962C8B-B14F-4D97-AF65-F5344CB8AC3E}">
+        <p14:creationId xmlns:p14="http://schemas.microsoft.com/office/powerpoint/2010/main" val="4112727142"/>
+      </p:ext>
+    </p:extLst>
+  </p:cSld>
+  <p:clrMapOvr>
+    <a:masterClrMapping/>
+  </p:clrMapOvr>
+</p:notes>
+</file>
+
+<file path=ppt/notesSlides/notesSlide4.xml><?xml version="1.0" encoding="utf-8"?>
+<p:notes xmlns:a="http://schemas.openxmlformats.org/drawingml/2006/main" xmlns:r="http://schemas.openxmlformats.org/officeDocument/2006/relationships" xmlns:p="http://schemas.openxmlformats.org/presentationml/2006/main">
+  <p:cSld>
+    <p:spTree>
+      <p:nvGrpSpPr>
+        <p:cNvPr id="1" name=""/>
+        <p:cNvGrpSpPr/>
+        <p:nvPr/>
+      </p:nvGrpSpPr>
+      <p:grpSpPr>
+        <a:xfrm>
+          <a:off x="0" y="0"/>
+          <a:ext cx="0" cy="0"/>
+          <a:chOff x="0" y="0"/>
+          <a:chExt cx="0" cy="0"/>
+        </a:xfrm>
+      </p:grpSpPr>
+      <p:sp>
+        <p:nvSpPr>
+          <p:cNvPr id="2" name="幻灯片图像占位符 1"/>
+          <p:cNvSpPr>
+            <a:spLocks noGrp="1" noRot="1" noChangeAspect="1"/>
+          </p:cNvSpPr>
+          <p:nvPr>
+            <p:ph type="sldImg"/>
+          </p:nvPr>
+        </p:nvSpPr>
+        <p:spPr/>
+      </p:sp>
+      <p:sp>
+        <p:nvSpPr>
+          <p:cNvPr id="3" name="备注占位符 2"/>
+          <p:cNvSpPr>
+            <a:spLocks noGrp="1"/>
+          </p:cNvSpPr>
+          <p:nvPr>
+            <p:ph type="body" idx="1"/>
+          </p:nvPr>
+        </p:nvSpPr>
+        <p:spPr/>
+        <p:txBody>
+          <a:bodyPr/>
+          <a:lstStyle/>
+          <a:p>
+            <a:endParaRPr lang="zh-CN" altLang="en-US" dirty="0"/>
+          </a:p>
+        </p:txBody>
+      </p:sp>
+      <p:sp>
+        <p:nvSpPr>
+          <p:cNvPr id="4" name="灯片编号占位符 3"/>
+          <p:cNvSpPr>
+            <a:spLocks noGrp="1"/>
+          </p:cNvSpPr>
+          <p:nvPr>
+            <p:ph type="sldNum" sz="quarter" idx="5"/>
+          </p:nvPr>
+        </p:nvSpPr>
+        <p:spPr/>
+        <p:txBody>
+          <a:bodyPr/>
+          <a:lstStyle/>
+          <a:p>
+            <a:fld id="{5344892A-FA14-40F7-8C4B-950F9956C19F}" type="slidenum">
+              <a:rPr lang="zh-CN" altLang="en-US" smtClean="0"/>
+              <a:t>4</a:t>
+            </a:fld>
+            <a:endParaRPr lang="zh-CN" altLang="en-US"/>
+          </a:p>
+        </p:txBody>
+      </p:sp>
+    </p:spTree>
+    <p:extLst>
+      <p:ext uri="{BB962C8B-B14F-4D97-AF65-F5344CB8AC3E}">
+        <p14:creationId xmlns:p14="http://schemas.microsoft.com/office/powerpoint/2010/main" val="3592179970"/>
       </p:ext>
     </p:extLst>
   </p:cSld>
@@ -8887,6 +9057,5220 @@
 </p:sld>
 </file>
 
+<file path=ppt/slides/slide3.xml><?xml version="1.0" encoding="utf-8"?>
+<p:sld xmlns:a="http://schemas.openxmlformats.org/drawingml/2006/main" xmlns:r="http://schemas.openxmlformats.org/officeDocument/2006/relationships" xmlns:p="http://schemas.openxmlformats.org/presentationml/2006/main">
+  <p:cSld>
+    <p:spTree>
+      <p:nvGrpSpPr>
+        <p:cNvPr id="1" name=""/>
+        <p:cNvGrpSpPr/>
+        <p:nvPr/>
+      </p:nvGrpSpPr>
+      <p:grpSpPr>
+        <a:xfrm>
+          <a:off x="0" y="0"/>
+          <a:ext cx="0" cy="0"/>
+          <a:chOff x="0" y="0"/>
+          <a:chExt cx="0" cy="0"/>
+        </a:xfrm>
+      </p:grpSpPr>
+      <p:pic>
+        <p:nvPicPr>
+          <p:cNvPr id="4" name="图片 3">
+            <a:extLst>
+              <a:ext uri="{FF2B5EF4-FFF2-40B4-BE49-F238E27FC236}">
+                <a16:creationId xmlns:a16="http://schemas.microsoft.com/office/drawing/2014/main" id="{BAA784D1-074D-410B-870C-C801FFAE0263}"/>
+              </a:ext>
+            </a:extLst>
+          </p:cNvPr>
+          <p:cNvPicPr>
+            <a:picLocks noChangeAspect="1"/>
+          </p:cNvPicPr>
+          <p:nvPr/>
+        </p:nvPicPr>
+        <p:blipFill>
+          <a:blip r:embed="rId3">
+            <a:extLst>
+              <a:ext uri="{28A0092B-C50C-407E-A947-70E740481C1C}">
+                <a14:useLocalDpi xmlns:a14="http://schemas.microsoft.com/office/drawing/2010/main" val="0"/>
+              </a:ext>
+            </a:extLst>
+          </a:blip>
+          <a:stretch>
+            <a:fillRect/>
+          </a:stretch>
+        </p:blipFill>
+        <p:spPr>
+          <a:xfrm>
+            <a:off x="2814092" y="80168"/>
+            <a:ext cx="7206318" cy="5404738"/>
+          </a:xfrm>
+          <a:prstGeom prst="rect">
+            <a:avLst/>
+          </a:prstGeom>
+          <a:ln w="19050">
+            <a:noFill/>
+          </a:ln>
+        </p:spPr>
+      </p:pic>
+      <p:cxnSp>
+        <p:nvCxnSpPr>
+          <p:cNvPr id="59" name="直接连接符 58">
+            <a:extLst>
+              <a:ext uri="{FF2B5EF4-FFF2-40B4-BE49-F238E27FC236}">
+                <a16:creationId xmlns:a16="http://schemas.microsoft.com/office/drawing/2014/main" id="{554D8D14-D48D-45F6-89A6-634C964B8AE8}"/>
+              </a:ext>
+            </a:extLst>
+          </p:cNvPr>
+          <p:cNvCxnSpPr>
+            <a:cxnSpLocks/>
+          </p:cNvCxnSpPr>
+          <p:nvPr/>
+        </p:nvCxnSpPr>
+        <p:spPr>
+          <a:xfrm>
+            <a:off x="2818313" y="2246784"/>
+            <a:ext cx="1215630" cy="0"/>
+          </a:xfrm>
+          <a:prstGeom prst="line">
+            <a:avLst/>
+          </a:prstGeom>
+          <a:ln w="19050" cap="flat" cmpd="sng" algn="ctr">
+            <a:solidFill>
+              <a:schemeClr val="accent3"/>
+            </a:solidFill>
+            <a:prstDash val="dash"/>
+            <a:round/>
+            <a:headEnd type="none" w="med" len="med"/>
+            <a:tailEnd type="none" w="med" len="med"/>
+          </a:ln>
+        </p:spPr>
+        <p:style>
+          <a:lnRef idx="0">
+            <a:scrgbClr r="0" g="0" b="0"/>
+          </a:lnRef>
+          <a:fillRef idx="0">
+            <a:scrgbClr r="0" g="0" b="0"/>
+          </a:fillRef>
+          <a:effectRef idx="0">
+            <a:scrgbClr r="0" g="0" b="0"/>
+          </a:effectRef>
+          <a:fontRef idx="minor">
+            <a:schemeClr val="tx1"/>
+          </a:fontRef>
+        </p:style>
+      </p:cxnSp>
+      <p:cxnSp>
+        <p:nvCxnSpPr>
+          <p:cNvPr id="62" name="直接连接符 61">
+            <a:extLst>
+              <a:ext uri="{FF2B5EF4-FFF2-40B4-BE49-F238E27FC236}">
+                <a16:creationId xmlns:a16="http://schemas.microsoft.com/office/drawing/2014/main" id="{71513585-2402-4773-B202-B5A94B9B4E68}"/>
+              </a:ext>
+            </a:extLst>
+          </p:cNvPr>
+          <p:cNvCxnSpPr>
+            <a:cxnSpLocks/>
+          </p:cNvCxnSpPr>
+          <p:nvPr/>
+        </p:nvCxnSpPr>
+        <p:spPr>
+          <a:xfrm>
+            <a:off x="2818313" y="2949186"/>
+            <a:ext cx="1215630" cy="0"/>
+          </a:xfrm>
+          <a:prstGeom prst="line">
+            <a:avLst/>
+          </a:prstGeom>
+          <a:ln w="19050" cap="flat" cmpd="sng" algn="ctr">
+            <a:solidFill>
+              <a:schemeClr val="accent3"/>
+            </a:solidFill>
+            <a:prstDash val="dash"/>
+            <a:round/>
+            <a:headEnd type="none" w="med" len="med"/>
+            <a:tailEnd type="none" w="med" len="med"/>
+          </a:ln>
+        </p:spPr>
+        <p:style>
+          <a:lnRef idx="0">
+            <a:scrgbClr r="0" g="0" b="0"/>
+          </a:lnRef>
+          <a:fillRef idx="0">
+            <a:scrgbClr r="0" g="0" b="0"/>
+          </a:fillRef>
+          <a:effectRef idx="0">
+            <a:scrgbClr r="0" g="0" b="0"/>
+          </a:effectRef>
+          <a:fontRef idx="minor">
+            <a:schemeClr val="tx1"/>
+          </a:fontRef>
+        </p:style>
+      </p:cxnSp>
+      <p:cxnSp>
+        <p:nvCxnSpPr>
+          <p:cNvPr id="64" name="直接连接符 63">
+            <a:extLst>
+              <a:ext uri="{FF2B5EF4-FFF2-40B4-BE49-F238E27FC236}">
+                <a16:creationId xmlns:a16="http://schemas.microsoft.com/office/drawing/2014/main" id="{F11B205F-0707-4A55-ACA4-3B1022C2AD5E}"/>
+              </a:ext>
+            </a:extLst>
+          </p:cNvPr>
+          <p:cNvCxnSpPr>
+            <a:cxnSpLocks/>
+          </p:cNvCxnSpPr>
+          <p:nvPr/>
+        </p:nvCxnSpPr>
+        <p:spPr>
+          <a:xfrm>
+            <a:off x="2818313" y="2730703"/>
+            <a:ext cx="1205080" cy="0"/>
+          </a:xfrm>
+          <a:prstGeom prst="line">
+            <a:avLst/>
+          </a:prstGeom>
+          <a:ln w="19050" cap="flat" cmpd="sng" algn="ctr">
+            <a:solidFill>
+              <a:schemeClr val="accent3"/>
+            </a:solidFill>
+            <a:prstDash val="dash"/>
+            <a:round/>
+            <a:headEnd type="none" w="med" len="med"/>
+            <a:tailEnd type="none" w="med" len="med"/>
+          </a:ln>
+        </p:spPr>
+        <p:style>
+          <a:lnRef idx="0">
+            <a:scrgbClr r="0" g="0" b="0"/>
+          </a:lnRef>
+          <a:fillRef idx="0">
+            <a:scrgbClr r="0" g="0" b="0"/>
+          </a:fillRef>
+          <a:effectRef idx="0">
+            <a:scrgbClr r="0" g="0" b="0"/>
+          </a:effectRef>
+          <a:fontRef idx="minor">
+            <a:schemeClr val="tx1"/>
+          </a:fontRef>
+        </p:style>
+      </p:cxnSp>
+      <p:cxnSp>
+        <p:nvCxnSpPr>
+          <p:cNvPr id="69" name="直接连接符 68">
+            <a:extLst>
+              <a:ext uri="{FF2B5EF4-FFF2-40B4-BE49-F238E27FC236}">
+                <a16:creationId xmlns:a16="http://schemas.microsoft.com/office/drawing/2014/main" id="{C23963EC-181B-4C8C-91B5-30994438B94F}"/>
+              </a:ext>
+            </a:extLst>
+          </p:cNvPr>
+          <p:cNvCxnSpPr>
+            <a:cxnSpLocks/>
+          </p:cNvCxnSpPr>
+          <p:nvPr/>
+        </p:nvCxnSpPr>
+        <p:spPr>
+          <a:xfrm>
+            <a:off x="2818313" y="2508412"/>
+            <a:ext cx="1184152" cy="0"/>
+          </a:xfrm>
+          <a:prstGeom prst="line">
+            <a:avLst/>
+          </a:prstGeom>
+          <a:ln w="19050" cap="flat" cmpd="sng" algn="ctr">
+            <a:solidFill>
+              <a:schemeClr val="accent3"/>
+            </a:solidFill>
+            <a:prstDash val="dash"/>
+            <a:round/>
+            <a:headEnd type="none" w="med" len="med"/>
+            <a:tailEnd type="none" w="med" len="med"/>
+          </a:ln>
+        </p:spPr>
+        <p:style>
+          <a:lnRef idx="0">
+            <a:scrgbClr r="0" g="0" b="0"/>
+          </a:lnRef>
+          <a:fillRef idx="0">
+            <a:scrgbClr r="0" g="0" b="0"/>
+          </a:fillRef>
+          <a:effectRef idx="0">
+            <a:scrgbClr r="0" g="0" b="0"/>
+          </a:effectRef>
+          <a:fontRef idx="minor">
+            <a:schemeClr val="tx1"/>
+          </a:fontRef>
+        </p:style>
+      </p:cxnSp>
+      <p:sp>
+        <p:nvSpPr>
+          <p:cNvPr id="5" name="文本框 4">
+            <a:extLst>
+              <a:ext uri="{FF2B5EF4-FFF2-40B4-BE49-F238E27FC236}">
+                <a16:creationId xmlns:a16="http://schemas.microsoft.com/office/drawing/2014/main" id="{D01C0A0C-C039-423C-A515-A9BDBADCF5E6}"/>
+              </a:ext>
+            </a:extLst>
+          </p:cNvPr>
+          <p:cNvSpPr txBox="1"/>
+          <p:nvPr/>
+        </p:nvSpPr>
+        <p:spPr>
+          <a:xfrm>
+            <a:off x="1670772" y="4348837"/>
+            <a:ext cx="4663386" cy="2021066"/>
+          </a:xfrm>
+          <a:prstGeom prst="rect">
+            <a:avLst/>
+          </a:prstGeom>
+          <a:noFill/>
+        </p:spPr>
+        <p:txBody>
+          <a:bodyPr wrap="square" rtlCol="0">
+            <a:spAutoFit/>
+          </a:bodyPr>
+          <a:lstStyle/>
+          <a:p>
+            <a:pPr>
+              <a:lnSpc>
+                <a:spcPts val="2500"/>
+              </a:lnSpc>
+            </a:pPr>
+            <a:r>
+              <a:rPr lang="en-US" sz="1600" dirty="0">
+                <a:latin typeface="Leelawadee UI" panose="020B0502040204020203" pitchFamily="34" charset="-34"/>
+                <a:ea typeface="Microsoft JhengHei Light" panose="020B0304030504040204" pitchFamily="34" charset="-120"/>
+                <a:cs typeface="Leelawadee UI" panose="020B0502040204020203" pitchFamily="34" charset="-34"/>
+              </a:rPr>
+              <a:t>GND</a:t>
+            </a:r>
+            <a:r>
+              <a:rPr lang="en-US" sz="1600">
+                <a:latin typeface="Leelawadee UI" panose="020B0502040204020203" pitchFamily="34" charset="-34"/>
+                <a:ea typeface="Microsoft JhengHei Light" panose="020B0304030504040204" pitchFamily="34" charset="-120"/>
+                <a:cs typeface="Leelawadee UI" panose="020B0502040204020203" pitchFamily="34" charset="-34"/>
+              </a:rPr>
+              <a:t>: </a:t>
+            </a:r>
+            <a:r>
+              <a:rPr lang="zh-CN" altLang="en-US" sz="1600">
+                <a:latin typeface="华文楷体" panose="02010600040101010101" pitchFamily="2" charset="-122"/>
+                <a:ea typeface="华文楷体" panose="02010600040101010101" pitchFamily="2" charset="-122"/>
+                <a:cs typeface="Leelawadee UI" panose="020B0502040204020203" pitchFamily="34" charset="-34"/>
+              </a:rPr>
+              <a:t>将此模块连接到系统 </a:t>
+            </a:r>
+            <a:r>
+              <a:rPr lang="en-US" sz="1600">
+                <a:latin typeface="Leelawadee UI" panose="020B0502040204020203" pitchFamily="34" charset="-34"/>
+                <a:ea typeface="Microsoft JhengHei Light" panose="020B0304030504040204" pitchFamily="34" charset="-120"/>
+                <a:cs typeface="Leelawadee UI" panose="020B0502040204020203" pitchFamily="34" charset="-34"/>
+              </a:rPr>
+              <a:t>GND </a:t>
+            </a:r>
+            <a:endParaRPr lang="en-US" sz="1600" dirty="0">
+              <a:latin typeface="Leelawadee UI" panose="020B0502040204020203" pitchFamily="34" charset="-34"/>
+              <a:ea typeface="Microsoft JhengHei Light" panose="020B0304030504040204" pitchFamily="34" charset="-120"/>
+              <a:cs typeface="Leelawadee UI" panose="020B0502040204020203" pitchFamily="34" charset="-34"/>
+            </a:endParaRPr>
+          </a:p>
+          <a:p>
+            <a:pPr>
+              <a:lnSpc>
+                <a:spcPts val="2500"/>
+              </a:lnSpc>
+            </a:pPr>
+            <a:r>
+              <a:rPr lang="en-US" sz="1600" dirty="0">
+                <a:latin typeface="Leelawadee UI" panose="020B0502040204020203" pitchFamily="34" charset="-34"/>
+                <a:ea typeface="Microsoft JhengHei Light" panose="020B0304030504040204" pitchFamily="34" charset="-120"/>
+                <a:cs typeface="Leelawadee UI" panose="020B0502040204020203" pitchFamily="34" charset="-34"/>
+              </a:rPr>
+              <a:t>VCC</a:t>
+            </a:r>
+            <a:r>
+              <a:rPr lang="en-US" sz="1600">
+                <a:latin typeface="Leelawadee UI" panose="020B0502040204020203" pitchFamily="34" charset="-34"/>
+                <a:ea typeface="Microsoft JhengHei Light" panose="020B0304030504040204" pitchFamily="34" charset="-120"/>
+                <a:cs typeface="Leelawadee UI" panose="020B0502040204020203" pitchFamily="34" charset="-34"/>
+              </a:rPr>
+              <a:t>: </a:t>
+            </a:r>
+            <a:r>
+              <a:rPr lang="zh-CN" altLang="en-US" sz="1600">
+                <a:latin typeface="华文楷体" panose="02010600040101010101" pitchFamily="2" charset="-122"/>
+                <a:ea typeface="华文楷体" panose="02010600040101010101" pitchFamily="2" charset="-122"/>
+                <a:cs typeface="Leelawadee UI" panose="020B0502040204020203" pitchFamily="34" charset="-34"/>
+              </a:rPr>
+              <a:t>您可使用 </a:t>
+            </a:r>
+            <a:r>
+              <a:rPr lang="en-US" sz="1600">
+                <a:latin typeface="Leelawadee UI" panose="020B0502040204020203" pitchFamily="34" charset="-34"/>
+                <a:ea typeface="Microsoft JhengHei Light" panose="020B0304030504040204" pitchFamily="34" charset="-120"/>
+                <a:cs typeface="Leelawadee UI" panose="020B0502040204020203" pitchFamily="34" charset="-34"/>
+              </a:rPr>
+              <a:t>5V </a:t>
+            </a:r>
+            <a:r>
+              <a:rPr lang="zh-CN" altLang="en-US" sz="1600">
+                <a:latin typeface="华文楷体" panose="02010600040101010101" pitchFamily="2" charset="-122"/>
+                <a:ea typeface="华文楷体" panose="02010600040101010101" pitchFamily="2" charset="-122"/>
+                <a:cs typeface="Leelawadee UI" panose="020B0502040204020203" pitchFamily="34" charset="-34"/>
+              </a:rPr>
+              <a:t>或</a:t>
+            </a:r>
+            <a:r>
+              <a:rPr lang="en-US" sz="1600">
+                <a:latin typeface="Leelawadee UI" panose="020B0502040204020203" pitchFamily="34" charset="-34"/>
+                <a:ea typeface="Microsoft JhengHei Light" panose="020B0304030504040204" pitchFamily="34" charset="-120"/>
+                <a:cs typeface="Leelawadee UI" panose="020B0502040204020203" pitchFamily="34" charset="-34"/>
+              </a:rPr>
+              <a:t> 3.3V </a:t>
+            </a:r>
+            <a:r>
+              <a:rPr lang="zh-CN" altLang="en-US" sz="1600">
+                <a:latin typeface="Leelawadee UI" panose="020B0502040204020203" pitchFamily="34" charset="-34"/>
+                <a:ea typeface="Microsoft JhengHei Light" panose="020B0304030504040204" pitchFamily="34" charset="-120"/>
+                <a:cs typeface="Leelawadee UI" panose="020B0502040204020203" pitchFamily="34" charset="-34"/>
+              </a:rPr>
+              <a:t>电压</a:t>
+            </a:r>
+            <a:endParaRPr lang="en-US" sz="1600">
+              <a:latin typeface="Leelawadee UI" panose="020B0502040204020203" pitchFamily="34" charset="-34"/>
+              <a:ea typeface="Microsoft JhengHei Light" panose="020B0304030504040204" pitchFamily="34" charset="-120"/>
+              <a:cs typeface="Leelawadee UI" panose="020B0502040204020203" pitchFamily="34" charset="-34"/>
+            </a:endParaRPr>
+          </a:p>
+          <a:p>
+            <a:pPr>
+              <a:lnSpc>
+                <a:spcPts val="2500"/>
+              </a:lnSpc>
+            </a:pPr>
+            <a:r>
+              <a:rPr lang="en-US" sz="1600">
+                <a:latin typeface="Leelawadee UI" panose="020B0502040204020203" pitchFamily="34" charset="-34"/>
+                <a:ea typeface="Microsoft JhengHei Light" panose="020B0304030504040204" pitchFamily="34" charset="-120"/>
+                <a:cs typeface="Leelawadee UI" panose="020B0502040204020203" pitchFamily="34" charset="-34"/>
+              </a:rPr>
+              <a:t>SDA</a:t>
+            </a:r>
+            <a:r>
+              <a:rPr lang="en-US" sz="1600" dirty="0">
+                <a:latin typeface="Leelawadee UI" panose="020B0502040204020203" pitchFamily="34" charset="-34"/>
+                <a:ea typeface="Microsoft JhengHei Light" panose="020B0304030504040204" pitchFamily="34" charset="-120"/>
+                <a:cs typeface="Leelawadee UI" panose="020B0502040204020203" pitchFamily="34" charset="-34"/>
+              </a:rPr>
+              <a:t>: </a:t>
+            </a:r>
+            <a:r>
+              <a:rPr lang="en-US" sz="1600">
+                <a:latin typeface="Leelawadee UI" panose="020B0502040204020203" pitchFamily="34" charset="-34"/>
+                <a:ea typeface="Microsoft JhengHei Light" panose="020B0304030504040204" pitchFamily="34" charset="-120"/>
+                <a:cs typeface="Leelawadee UI" panose="020B0502040204020203" pitchFamily="34" charset="-34"/>
+              </a:rPr>
+              <a:t>I</a:t>
+            </a:r>
+            <a:r>
+              <a:rPr lang="en-US" sz="1600" baseline="30000">
+                <a:latin typeface="Leelawadee UI" panose="020B0502040204020203" pitchFamily="34" charset="-34"/>
+                <a:ea typeface="Microsoft JhengHei Light" panose="020B0304030504040204" pitchFamily="34" charset="-120"/>
+                <a:cs typeface="Leelawadee UI" panose="020B0502040204020203" pitchFamily="34" charset="-34"/>
+              </a:rPr>
+              <a:t>2</a:t>
+            </a:r>
+            <a:r>
+              <a:rPr lang="en-US" sz="1600">
+                <a:latin typeface="Leelawadee UI" panose="020B0502040204020203" pitchFamily="34" charset="-34"/>
+                <a:ea typeface="Microsoft JhengHei Light" panose="020B0304030504040204" pitchFamily="34" charset="-120"/>
+                <a:cs typeface="Leelawadee UI" panose="020B0502040204020203" pitchFamily="34" charset="-34"/>
+              </a:rPr>
+              <a:t>C </a:t>
+            </a:r>
+            <a:r>
+              <a:rPr lang="zh-CN" altLang="en-US" sz="1600">
+                <a:latin typeface="华文楷体" panose="02010600040101010101" pitchFamily="2" charset="-122"/>
+                <a:ea typeface="华文楷体" panose="02010600040101010101" pitchFamily="2" charset="-122"/>
+                <a:cs typeface="Leelawadee UI" panose="020B0502040204020203" pitchFamily="34" charset="-34"/>
+              </a:rPr>
+              <a:t>串行数据</a:t>
+            </a:r>
+            <a:endParaRPr lang="en-US" sz="1600" dirty="0">
+              <a:latin typeface="华文楷体" panose="02010600040101010101" pitchFamily="2" charset="-122"/>
+              <a:ea typeface="华文楷体" panose="02010600040101010101" pitchFamily="2" charset="-122"/>
+              <a:cs typeface="Leelawadee UI" panose="020B0502040204020203" pitchFamily="34" charset="-34"/>
+            </a:endParaRPr>
+          </a:p>
+          <a:p>
+            <a:pPr>
+              <a:lnSpc>
+                <a:spcPts val="2500"/>
+              </a:lnSpc>
+            </a:pPr>
+            <a:r>
+              <a:rPr lang="en-US" sz="1600" dirty="0">
+                <a:latin typeface="Leelawadee UI" panose="020B0502040204020203" pitchFamily="34" charset="-34"/>
+                <a:ea typeface="Microsoft JhengHei Light" panose="020B0304030504040204" pitchFamily="34" charset="-120"/>
+                <a:cs typeface="Leelawadee UI" panose="020B0502040204020203" pitchFamily="34" charset="-34"/>
+              </a:rPr>
+              <a:t>SCL: </a:t>
+            </a:r>
+            <a:r>
+              <a:rPr lang="en-US" sz="1600">
+                <a:latin typeface="Leelawadee UI" panose="020B0502040204020203" pitchFamily="34" charset="-34"/>
+                <a:ea typeface="Microsoft JhengHei Light" panose="020B0304030504040204" pitchFamily="34" charset="-120"/>
+                <a:cs typeface="Leelawadee UI" panose="020B0502040204020203" pitchFamily="34" charset="-34"/>
+              </a:rPr>
+              <a:t>I</a:t>
+            </a:r>
+            <a:r>
+              <a:rPr lang="en-US" sz="1600" baseline="30000">
+                <a:latin typeface="Leelawadee UI" panose="020B0502040204020203" pitchFamily="34" charset="-34"/>
+                <a:ea typeface="Microsoft JhengHei Light" panose="020B0304030504040204" pitchFamily="34" charset="-120"/>
+                <a:cs typeface="Leelawadee UI" panose="020B0502040204020203" pitchFamily="34" charset="-34"/>
+              </a:rPr>
+              <a:t>2</a:t>
+            </a:r>
+            <a:r>
+              <a:rPr lang="en-US" sz="1600">
+                <a:latin typeface="Leelawadee UI" panose="020B0502040204020203" pitchFamily="34" charset="-34"/>
+                <a:ea typeface="Microsoft JhengHei Light" panose="020B0304030504040204" pitchFamily="34" charset="-120"/>
+                <a:cs typeface="Leelawadee UI" panose="020B0502040204020203" pitchFamily="34" charset="-34"/>
+              </a:rPr>
+              <a:t>C </a:t>
+            </a:r>
+            <a:r>
+              <a:rPr lang="zh-CN" altLang="en-US" sz="1600">
+                <a:latin typeface="华文楷体" panose="02010600040101010101" pitchFamily="2" charset="-122"/>
+                <a:ea typeface="华文楷体" panose="02010600040101010101" pitchFamily="2" charset="-122"/>
+                <a:cs typeface="Leelawadee UI" panose="020B0502040204020203" pitchFamily="34" charset="-34"/>
+              </a:rPr>
+              <a:t>串行时钟</a:t>
+            </a:r>
+            <a:endParaRPr lang="en-US" sz="1600" dirty="0">
+              <a:latin typeface="华文楷体" panose="02010600040101010101" pitchFamily="2" charset="-122"/>
+              <a:ea typeface="华文楷体" panose="02010600040101010101" pitchFamily="2" charset="-122"/>
+              <a:cs typeface="Leelawadee UI" panose="020B0502040204020203" pitchFamily="34" charset="-34"/>
+            </a:endParaRPr>
+          </a:p>
+          <a:p>
+            <a:endParaRPr lang="en-US" sz="1200" dirty="0">
+              <a:latin typeface="Times New Roman" panose="02020603050405020304" pitchFamily="18" charset="0"/>
+              <a:cs typeface="Times New Roman" panose="02020603050405020304" pitchFamily="18" charset="0"/>
+            </a:endParaRPr>
+          </a:p>
+          <a:p>
+            <a:endParaRPr lang="en-US" sz="1200" dirty="0">
+              <a:latin typeface="Times New Roman" panose="02020603050405020304" pitchFamily="18" charset="0"/>
+              <a:cs typeface="Times New Roman" panose="02020603050405020304" pitchFamily="18" charset="0"/>
+            </a:endParaRPr>
+          </a:p>
+          <a:p>
+            <a:endParaRPr lang="en-US" dirty="0"/>
+          </a:p>
+        </p:txBody>
+      </p:sp>
+      <p:pic>
+        <p:nvPicPr>
+          <p:cNvPr id="48" name="图片 47">
+            <a:extLst>
+              <a:ext uri="{FF2B5EF4-FFF2-40B4-BE49-F238E27FC236}">
+                <a16:creationId xmlns:a16="http://schemas.microsoft.com/office/drawing/2014/main" id="{6A1EF724-C083-4718-B12B-ADE4CD6E6593}"/>
+              </a:ext>
+            </a:extLst>
+          </p:cNvPr>
+          <p:cNvPicPr>
+            <a:picLocks noChangeAspect="1"/>
+          </p:cNvPicPr>
+          <p:nvPr/>
+        </p:nvPicPr>
+        <p:blipFill>
+          <a:blip r:embed="rId4">
+            <a:extLst>
+              <a:ext uri="{28A0092B-C50C-407E-A947-70E740481C1C}">
+                <a14:useLocalDpi xmlns:a14="http://schemas.microsoft.com/office/drawing/2010/main" val="0"/>
+              </a:ext>
+            </a:extLst>
+          </a:blip>
+          <a:stretch>
+            <a:fillRect/>
+          </a:stretch>
+        </p:blipFill>
+        <p:spPr>
+          <a:xfrm>
+            <a:off x="1861592" y="2079425"/>
+            <a:ext cx="476250" cy="476250"/>
+          </a:xfrm>
+          <a:prstGeom prst="rect">
+            <a:avLst/>
+          </a:prstGeom>
+        </p:spPr>
+      </p:pic>
+      <p:pic>
+        <p:nvPicPr>
+          <p:cNvPr id="51" name="图片 50">
+            <a:extLst>
+              <a:ext uri="{FF2B5EF4-FFF2-40B4-BE49-F238E27FC236}">
+                <a16:creationId xmlns:a16="http://schemas.microsoft.com/office/drawing/2014/main" id="{B4A0FEB6-8C80-4A2D-A4DA-3DD6CF6BF267}"/>
+              </a:ext>
+            </a:extLst>
+          </p:cNvPr>
+          <p:cNvPicPr>
+            <a:picLocks noChangeAspect="1"/>
+          </p:cNvPicPr>
+          <p:nvPr/>
+        </p:nvPicPr>
+        <p:blipFill>
+          <a:blip r:embed="rId5">
+            <a:extLst>
+              <a:ext uri="{28A0092B-C50C-407E-A947-70E740481C1C}">
+                <a14:useLocalDpi xmlns:a14="http://schemas.microsoft.com/office/drawing/2010/main" val="0"/>
+              </a:ext>
+            </a:extLst>
+          </a:blip>
+          <a:stretch>
+            <a:fillRect/>
+          </a:stretch>
+        </p:blipFill>
+        <p:spPr>
+          <a:xfrm>
+            <a:off x="1861592" y="1518735"/>
+            <a:ext cx="476250" cy="476250"/>
+          </a:xfrm>
+          <a:prstGeom prst="rect">
+            <a:avLst/>
+          </a:prstGeom>
+        </p:spPr>
+      </p:pic>
+      <p:pic>
+        <p:nvPicPr>
+          <p:cNvPr id="53" name="图片 52">
+            <a:extLst>
+              <a:ext uri="{FF2B5EF4-FFF2-40B4-BE49-F238E27FC236}">
+                <a16:creationId xmlns:a16="http://schemas.microsoft.com/office/drawing/2014/main" id="{F5F78553-6083-4B94-9258-235169F8D486}"/>
+              </a:ext>
+            </a:extLst>
+          </p:cNvPr>
+          <p:cNvPicPr>
+            <a:picLocks noChangeAspect="1"/>
+          </p:cNvPicPr>
+          <p:nvPr/>
+        </p:nvPicPr>
+        <p:blipFill>
+          <a:blip r:embed="rId6">
+            <a:extLst>
+              <a:ext uri="{28A0092B-C50C-407E-A947-70E740481C1C}">
+                <a14:useLocalDpi xmlns:a14="http://schemas.microsoft.com/office/drawing/2010/main" val="0"/>
+              </a:ext>
+            </a:extLst>
+          </a:blip>
+          <a:stretch>
+            <a:fillRect/>
+          </a:stretch>
+        </p:blipFill>
+        <p:spPr>
+          <a:xfrm>
+            <a:off x="1861592" y="3167348"/>
+            <a:ext cx="476250" cy="476250"/>
+          </a:xfrm>
+          <a:prstGeom prst="rect">
+            <a:avLst/>
+          </a:prstGeom>
+        </p:spPr>
+      </p:pic>
+      <p:pic>
+        <p:nvPicPr>
+          <p:cNvPr id="55" name="图片 54">
+            <a:extLst>
+              <a:ext uri="{FF2B5EF4-FFF2-40B4-BE49-F238E27FC236}">
+                <a16:creationId xmlns:a16="http://schemas.microsoft.com/office/drawing/2014/main" id="{78F94C4E-FBEE-4618-B471-EC4E70DB63F7}"/>
+              </a:ext>
+            </a:extLst>
+          </p:cNvPr>
+          <p:cNvPicPr>
+            <a:picLocks noChangeAspect="1"/>
+          </p:cNvPicPr>
+          <p:nvPr/>
+        </p:nvPicPr>
+        <p:blipFill>
+          <a:blip r:embed="rId7">
+            <a:extLst>
+              <a:ext uri="{28A0092B-C50C-407E-A947-70E740481C1C}">
+                <a14:useLocalDpi xmlns:a14="http://schemas.microsoft.com/office/drawing/2010/main" val="0"/>
+              </a:ext>
+            </a:extLst>
+          </a:blip>
+          <a:stretch>
+            <a:fillRect/>
+          </a:stretch>
+        </p:blipFill>
+        <p:spPr>
+          <a:xfrm>
+            <a:off x="1861592" y="2623386"/>
+            <a:ext cx="476250" cy="476250"/>
+          </a:xfrm>
+          <a:prstGeom prst="rect">
+            <a:avLst/>
+          </a:prstGeom>
+        </p:spPr>
+      </p:pic>
+      <p:pic>
+        <p:nvPicPr>
+          <p:cNvPr id="63" name="图片 62">
+            <a:extLst>
+              <a:ext uri="{FF2B5EF4-FFF2-40B4-BE49-F238E27FC236}">
+                <a16:creationId xmlns:a16="http://schemas.microsoft.com/office/drawing/2014/main" id="{A383C15E-94CC-4AB9-857B-0F901B5558E8}"/>
+              </a:ext>
+            </a:extLst>
+          </p:cNvPr>
+          <p:cNvPicPr>
+            <a:picLocks noChangeAspect="1"/>
+          </p:cNvPicPr>
+          <p:nvPr/>
+        </p:nvPicPr>
+        <p:blipFill>
+          <a:blip r:embed="rId4">
+            <a:extLst>
+              <a:ext uri="{28A0092B-C50C-407E-A947-70E740481C1C}">
+                <a14:useLocalDpi xmlns:a14="http://schemas.microsoft.com/office/drawing/2010/main" val="0"/>
+              </a:ext>
+            </a:extLst>
+          </a:blip>
+          <a:stretch>
+            <a:fillRect/>
+          </a:stretch>
+        </p:blipFill>
+        <p:spPr>
+          <a:xfrm>
+            <a:off x="1521944" y="4753943"/>
+            <a:ext cx="266700" cy="266700"/>
+          </a:xfrm>
+          <a:prstGeom prst="rect">
+            <a:avLst/>
+          </a:prstGeom>
+        </p:spPr>
+      </p:pic>
+      <p:pic>
+        <p:nvPicPr>
+          <p:cNvPr id="65" name="图片 64">
+            <a:extLst>
+              <a:ext uri="{FF2B5EF4-FFF2-40B4-BE49-F238E27FC236}">
+                <a16:creationId xmlns:a16="http://schemas.microsoft.com/office/drawing/2014/main" id="{F2711110-C802-4745-8C7A-EE197611809A}"/>
+              </a:ext>
+            </a:extLst>
+          </p:cNvPr>
+          <p:cNvPicPr>
+            <a:picLocks noChangeAspect="1"/>
+          </p:cNvPicPr>
+          <p:nvPr/>
+        </p:nvPicPr>
+        <p:blipFill>
+          <a:blip r:embed="rId5">
+            <a:extLst>
+              <a:ext uri="{28A0092B-C50C-407E-A947-70E740481C1C}">
+                <a14:useLocalDpi xmlns:a14="http://schemas.microsoft.com/office/drawing/2010/main" val="0"/>
+              </a:ext>
+            </a:extLst>
+          </a:blip>
+          <a:stretch>
+            <a:fillRect/>
+          </a:stretch>
+        </p:blipFill>
+        <p:spPr>
+          <a:xfrm>
+            <a:off x="1521944" y="4437638"/>
+            <a:ext cx="266700" cy="266700"/>
+          </a:xfrm>
+          <a:prstGeom prst="rect">
+            <a:avLst/>
+          </a:prstGeom>
+        </p:spPr>
+      </p:pic>
+      <p:pic>
+        <p:nvPicPr>
+          <p:cNvPr id="66" name="图片 65">
+            <a:extLst>
+              <a:ext uri="{FF2B5EF4-FFF2-40B4-BE49-F238E27FC236}">
+                <a16:creationId xmlns:a16="http://schemas.microsoft.com/office/drawing/2014/main" id="{6D42253D-4577-468B-9D40-058E91BD3363}"/>
+              </a:ext>
+            </a:extLst>
+          </p:cNvPr>
+          <p:cNvPicPr>
+            <a:picLocks noChangeAspect="1"/>
+          </p:cNvPicPr>
+          <p:nvPr/>
+        </p:nvPicPr>
+        <p:blipFill>
+          <a:blip r:embed="rId6">
+            <a:extLst>
+              <a:ext uri="{28A0092B-C50C-407E-A947-70E740481C1C}">
+                <a14:useLocalDpi xmlns:a14="http://schemas.microsoft.com/office/drawing/2010/main" val="0"/>
+              </a:ext>
+            </a:extLst>
+          </a:blip>
+          <a:stretch>
+            <a:fillRect/>
+          </a:stretch>
+        </p:blipFill>
+        <p:spPr>
+          <a:xfrm>
+            <a:off x="1521944" y="5386556"/>
+            <a:ext cx="266700" cy="266700"/>
+          </a:xfrm>
+          <a:prstGeom prst="rect">
+            <a:avLst/>
+          </a:prstGeom>
+        </p:spPr>
+      </p:pic>
+      <p:pic>
+        <p:nvPicPr>
+          <p:cNvPr id="67" name="图片 66">
+            <a:extLst>
+              <a:ext uri="{FF2B5EF4-FFF2-40B4-BE49-F238E27FC236}">
+                <a16:creationId xmlns:a16="http://schemas.microsoft.com/office/drawing/2014/main" id="{1A425AE3-AA60-415F-BD5E-43BFD600013A}"/>
+              </a:ext>
+            </a:extLst>
+          </p:cNvPr>
+          <p:cNvPicPr>
+            <a:picLocks noChangeAspect="1"/>
+          </p:cNvPicPr>
+          <p:nvPr/>
+        </p:nvPicPr>
+        <p:blipFill>
+          <a:blip r:embed="rId7">
+            <a:extLst>
+              <a:ext uri="{28A0092B-C50C-407E-A947-70E740481C1C}">
+                <a14:useLocalDpi xmlns:a14="http://schemas.microsoft.com/office/drawing/2010/main" val="0"/>
+              </a:ext>
+            </a:extLst>
+          </a:blip>
+          <a:stretch>
+            <a:fillRect/>
+          </a:stretch>
+        </p:blipFill>
+        <p:spPr>
+          <a:xfrm>
+            <a:off x="1521944" y="5070250"/>
+            <a:ext cx="266700" cy="266700"/>
+          </a:xfrm>
+          <a:prstGeom prst="rect">
+            <a:avLst/>
+          </a:prstGeom>
+        </p:spPr>
+      </p:pic>
+      <p:cxnSp>
+        <p:nvCxnSpPr>
+          <p:cNvPr id="16" name="直接连接符 15">
+            <a:extLst>
+              <a:ext uri="{FF2B5EF4-FFF2-40B4-BE49-F238E27FC236}">
+                <a16:creationId xmlns:a16="http://schemas.microsoft.com/office/drawing/2014/main" id="{17CC63B1-5726-45F1-9AB7-723CCAD72AB7}"/>
+              </a:ext>
+            </a:extLst>
+          </p:cNvPr>
+          <p:cNvCxnSpPr>
+            <a:cxnSpLocks/>
+            <a:endCxn id="51" idx="3"/>
+          </p:cNvCxnSpPr>
+          <p:nvPr/>
+        </p:nvCxnSpPr>
+        <p:spPr>
+          <a:xfrm flipH="1" flipV="1">
+            <a:off x="2337842" y="1756860"/>
+            <a:ext cx="480471" cy="470058"/>
+          </a:xfrm>
+          <a:prstGeom prst="line">
+            <a:avLst/>
+          </a:prstGeom>
+          <a:ln w="19050" cap="flat" cmpd="sng" algn="ctr">
+            <a:solidFill>
+              <a:schemeClr val="accent3"/>
+            </a:solidFill>
+            <a:prstDash val="dash"/>
+            <a:round/>
+            <a:headEnd type="none" w="med" len="med"/>
+            <a:tailEnd type="none" w="med" len="med"/>
+          </a:ln>
+        </p:spPr>
+        <p:style>
+          <a:lnRef idx="0">
+            <a:scrgbClr r="0" g="0" b="0"/>
+          </a:lnRef>
+          <a:fillRef idx="0">
+            <a:scrgbClr r="0" g="0" b="0"/>
+          </a:fillRef>
+          <a:effectRef idx="0">
+            <a:scrgbClr r="0" g="0" b="0"/>
+          </a:effectRef>
+          <a:fontRef idx="minor">
+            <a:schemeClr val="tx1"/>
+          </a:fontRef>
+        </p:style>
+      </p:cxnSp>
+      <p:cxnSp>
+        <p:nvCxnSpPr>
+          <p:cNvPr id="31" name="直接连接符 30">
+            <a:extLst>
+              <a:ext uri="{FF2B5EF4-FFF2-40B4-BE49-F238E27FC236}">
+                <a16:creationId xmlns:a16="http://schemas.microsoft.com/office/drawing/2014/main" id="{7DA2CF77-80F1-4B3B-8995-73B39D33A77F}"/>
+              </a:ext>
+            </a:extLst>
+          </p:cNvPr>
+          <p:cNvCxnSpPr>
+            <a:cxnSpLocks/>
+            <a:endCxn id="48" idx="3"/>
+          </p:cNvCxnSpPr>
+          <p:nvPr/>
+        </p:nvCxnSpPr>
+        <p:spPr>
+          <a:xfrm flipH="1" flipV="1">
+            <a:off x="2337842" y="2317550"/>
+            <a:ext cx="480471" cy="183351"/>
+          </a:xfrm>
+          <a:prstGeom prst="line">
+            <a:avLst/>
+          </a:prstGeom>
+          <a:ln w="19050" cap="flat" cmpd="sng" algn="ctr">
+            <a:solidFill>
+              <a:schemeClr val="accent3"/>
+            </a:solidFill>
+            <a:prstDash val="dash"/>
+            <a:round/>
+            <a:headEnd type="none" w="med" len="med"/>
+            <a:tailEnd type="none" w="med" len="med"/>
+          </a:ln>
+        </p:spPr>
+        <p:style>
+          <a:lnRef idx="0">
+            <a:scrgbClr r="0" g="0" b="0"/>
+          </a:lnRef>
+          <a:fillRef idx="0">
+            <a:scrgbClr r="0" g="0" b="0"/>
+          </a:fillRef>
+          <a:effectRef idx="0">
+            <a:scrgbClr r="0" g="0" b="0"/>
+          </a:effectRef>
+          <a:fontRef idx="minor">
+            <a:schemeClr val="tx1"/>
+          </a:fontRef>
+        </p:style>
+      </p:cxnSp>
+      <p:cxnSp>
+        <p:nvCxnSpPr>
+          <p:cNvPr id="33" name="直接连接符 32">
+            <a:extLst>
+              <a:ext uri="{FF2B5EF4-FFF2-40B4-BE49-F238E27FC236}">
+                <a16:creationId xmlns:a16="http://schemas.microsoft.com/office/drawing/2014/main" id="{1AECC788-E957-40A3-97DC-33FA2136B73A}"/>
+              </a:ext>
+            </a:extLst>
+          </p:cNvPr>
+          <p:cNvCxnSpPr>
+            <a:cxnSpLocks/>
+            <a:endCxn id="55" idx="3"/>
+          </p:cNvCxnSpPr>
+          <p:nvPr/>
+        </p:nvCxnSpPr>
+        <p:spPr>
+          <a:xfrm flipH="1">
+            <a:off x="2337842" y="2737709"/>
+            <a:ext cx="480471" cy="123802"/>
+          </a:xfrm>
+          <a:prstGeom prst="line">
+            <a:avLst/>
+          </a:prstGeom>
+          <a:ln w="19050" cap="flat" cmpd="sng" algn="ctr">
+            <a:solidFill>
+              <a:schemeClr val="accent3"/>
+            </a:solidFill>
+            <a:prstDash val="dash"/>
+            <a:round/>
+            <a:headEnd type="none" w="med" len="med"/>
+            <a:tailEnd type="none" w="med" len="med"/>
+          </a:ln>
+        </p:spPr>
+        <p:style>
+          <a:lnRef idx="0">
+            <a:scrgbClr r="0" g="0" b="0"/>
+          </a:lnRef>
+          <a:fillRef idx="0">
+            <a:scrgbClr r="0" g="0" b="0"/>
+          </a:fillRef>
+          <a:effectRef idx="0">
+            <a:scrgbClr r="0" g="0" b="0"/>
+          </a:effectRef>
+          <a:fontRef idx="minor">
+            <a:schemeClr val="tx1"/>
+          </a:fontRef>
+        </p:style>
+      </p:cxnSp>
+      <p:cxnSp>
+        <p:nvCxnSpPr>
+          <p:cNvPr id="44" name="直接连接符 43">
+            <a:extLst>
+              <a:ext uri="{FF2B5EF4-FFF2-40B4-BE49-F238E27FC236}">
+                <a16:creationId xmlns:a16="http://schemas.microsoft.com/office/drawing/2014/main" id="{580F4B0D-5BB4-45C6-AB64-D08BE9F6014B}"/>
+              </a:ext>
+            </a:extLst>
+          </p:cNvPr>
+          <p:cNvCxnSpPr>
+            <a:cxnSpLocks/>
+            <a:endCxn id="53" idx="3"/>
+          </p:cNvCxnSpPr>
+          <p:nvPr/>
+        </p:nvCxnSpPr>
+        <p:spPr>
+          <a:xfrm flipH="1">
+            <a:off x="2337842" y="2969473"/>
+            <a:ext cx="480472" cy="436000"/>
+          </a:xfrm>
+          <a:prstGeom prst="line">
+            <a:avLst/>
+          </a:prstGeom>
+          <a:ln w="19050" cap="flat" cmpd="sng" algn="ctr">
+            <a:solidFill>
+              <a:schemeClr val="accent3"/>
+            </a:solidFill>
+            <a:prstDash val="dash"/>
+            <a:round/>
+            <a:headEnd type="none" w="med" len="med"/>
+            <a:tailEnd type="none" w="med" len="med"/>
+          </a:ln>
+        </p:spPr>
+        <p:style>
+          <a:lnRef idx="0">
+            <a:scrgbClr r="0" g="0" b="0"/>
+          </a:lnRef>
+          <a:fillRef idx="0">
+            <a:scrgbClr r="0" g="0" b="0"/>
+          </a:fillRef>
+          <a:effectRef idx="0">
+            <a:scrgbClr r="0" g="0" b="0"/>
+          </a:effectRef>
+          <a:fontRef idx="minor">
+            <a:schemeClr val="tx1"/>
+          </a:fontRef>
+        </p:style>
+      </p:cxnSp>
+      <p:cxnSp>
+        <p:nvCxnSpPr>
+          <p:cNvPr id="32" name="直接连接符 31">
+            <a:extLst>
+              <a:ext uri="{FF2B5EF4-FFF2-40B4-BE49-F238E27FC236}">
+                <a16:creationId xmlns:a16="http://schemas.microsoft.com/office/drawing/2014/main" id="{95FC7C4F-CB11-4574-8B6A-BC22CC9FAD82}"/>
+              </a:ext>
+            </a:extLst>
+          </p:cNvPr>
+          <p:cNvCxnSpPr>
+            <a:cxnSpLocks/>
+          </p:cNvCxnSpPr>
+          <p:nvPr/>
+        </p:nvCxnSpPr>
+        <p:spPr>
+          <a:xfrm>
+            <a:off x="9126542" y="2141356"/>
+            <a:ext cx="893868" cy="0"/>
+          </a:xfrm>
+          <a:prstGeom prst="line">
+            <a:avLst/>
+          </a:prstGeom>
+          <a:ln w="19050" cap="flat" cmpd="sng" algn="ctr">
+            <a:solidFill>
+              <a:schemeClr val="accent3"/>
+            </a:solidFill>
+            <a:prstDash val="dash"/>
+            <a:round/>
+            <a:headEnd type="none" w="med" len="med"/>
+            <a:tailEnd type="none" w="med" len="med"/>
+          </a:ln>
+        </p:spPr>
+        <p:style>
+          <a:lnRef idx="0">
+            <a:scrgbClr r="0" g="0" b="0"/>
+          </a:lnRef>
+          <a:fillRef idx="0">
+            <a:scrgbClr r="0" g="0" b="0"/>
+          </a:fillRef>
+          <a:effectRef idx="0">
+            <a:scrgbClr r="0" g="0" b="0"/>
+          </a:effectRef>
+          <a:fontRef idx="minor">
+            <a:schemeClr val="tx1"/>
+          </a:fontRef>
+        </p:style>
+      </p:cxnSp>
+      <p:cxnSp>
+        <p:nvCxnSpPr>
+          <p:cNvPr id="34" name="直接连接符 33">
+            <a:extLst>
+              <a:ext uri="{FF2B5EF4-FFF2-40B4-BE49-F238E27FC236}">
+                <a16:creationId xmlns:a16="http://schemas.microsoft.com/office/drawing/2014/main" id="{4733E079-7F67-4278-BE58-2EE7CB2F22D4}"/>
+              </a:ext>
+            </a:extLst>
+          </p:cNvPr>
+          <p:cNvCxnSpPr>
+            <a:cxnSpLocks/>
+          </p:cNvCxnSpPr>
+          <p:nvPr/>
+        </p:nvCxnSpPr>
+        <p:spPr>
+          <a:xfrm>
+            <a:off x="9127610" y="2844812"/>
+            <a:ext cx="873673" cy="6847"/>
+          </a:xfrm>
+          <a:prstGeom prst="line">
+            <a:avLst/>
+          </a:prstGeom>
+          <a:ln w="19050" cap="flat" cmpd="sng" algn="ctr">
+            <a:solidFill>
+              <a:schemeClr val="accent3"/>
+            </a:solidFill>
+            <a:prstDash val="dash"/>
+            <a:round/>
+            <a:headEnd type="none" w="med" len="med"/>
+            <a:tailEnd type="none" w="med" len="med"/>
+          </a:ln>
+        </p:spPr>
+        <p:style>
+          <a:lnRef idx="0">
+            <a:scrgbClr r="0" g="0" b="0"/>
+          </a:lnRef>
+          <a:fillRef idx="0">
+            <a:scrgbClr r="0" g="0" b="0"/>
+          </a:fillRef>
+          <a:effectRef idx="0">
+            <a:scrgbClr r="0" g="0" b="0"/>
+          </a:effectRef>
+          <a:fontRef idx="minor">
+            <a:schemeClr val="tx1"/>
+          </a:fontRef>
+        </p:style>
+      </p:cxnSp>
+      <p:cxnSp>
+        <p:nvCxnSpPr>
+          <p:cNvPr id="35" name="直接连接符 34">
+            <a:extLst>
+              <a:ext uri="{FF2B5EF4-FFF2-40B4-BE49-F238E27FC236}">
+                <a16:creationId xmlns:a16="http://schemas.microsoft.com/office/drawing/2014/main" id="{8B0A8158-2D8B-4562-A288-C8018E2471FB}"/>
+              </a:ext>
+            </a:extLst>
+          </p:cNvPr>
+          <p:cNvCxnSpPr>
+            <a:cxnSpLocks/>
+            <a:endCxn id="113" idx="1"/>
+          </p:cNvCxnSpPr>
+          <p:nvPr/>
+        </p:nvCxnSpPr>
+        <p:spPr>
+          <a:xfrm>
+            <a:off x="9108786" y="2607516"/>
+            <a:ext cx="1310692" cy="11952"/>
+          </a:xfrm>
+          <a:prstGeom prst="line">
+            <a:avLst/>
+          </a:prstGeom>
+          <a:ln w="19050" cap="flat" cmpd="sng" algn="ctr">
+            <a:solidFill>
+              <a:schemeClr val="accent3"/>
+            </a:solidFill>
+            <a:prstDash val="dash"/>
+            <a:round/>
+            <a:headEnd type="none" w="med" len="med"/>
+            <a:tailEnd type="none" w="med" len="med"/>
+          </a:ln>
+        </p:spPr>
+        <p:style>
+          <a:lnRef idx="0">
+            <a:scrgbClr r="0" g="0" b="0"/>
+          </a:lnRef>
+          <a:fillRef idx="0">
+            <a:scrgbClr r="0" g="0" b="0"/>
+          </a:fillRef>
+          <a:effectRef idx="0">
+            <a:scrgbClr r="0" g="0" b="0"/>
+          </a:effectRef>
+          <a:fontRef idx="minor">
+            <a:schemeClr val="tx1"/>
+          </a:fontRef>
+        </p:style>
+      </p:cxnSp>
+      <p:cxnSp>
+        <p:nvCxnSpPr>
+          <p:cNvPr id="36" name="直接连接符 35">
+            <a:extLst>
+              <a:ext uri="{FF2B5EF4-FFF2-40B4-BE49-F238E27FC236}">
+                <a16:creationId xmlns:a16="http://schemas.microsoft.com/office/drawing/2014/main" id="{265CD237-1597-43F1-8324-2241F8584BAE}"/>
+              </a:ext>
+            </a:extLst>
+          </p:cNvPr>
+          <p:cNvCxnSpPr>
+            <a:cxnSpLocks/>
+          </p:cNvCxnSpPr>
+          <p:nvPr/>
+        </p:nvCxnSpPr>
+        <p:spPr>
+          <a:xfrm flipV="1">
+            <a:off x="9112039" y="2388754"/>
+            <a:ext cx="908371" cy="1"/>
+          </a:xfrm>
+          <a:prstGeom prst="line">
+            <a:avLst/>
+          </a:prstGeom>
+          <a:ln w="19050" cap="flat" cmpd="sng" algn="ctr">
+            <a:solidFill>
+              <a:schemeClr val="accent3"/>
+            </a:solidFill>
+            <a:prstDash val="dash"/>
+            <a:round/>
+            <a:headEnd type="none" w="med" len="med"/>
+            <a:tailEnd type="none" w="med" len="med"/>
+          </a:ln>
+        </p:spPr>
+        <p:style>
+          <a:lnRef idx="0">
+            <a:scrgbClr r="0" g="0" b="0"/>
+          </a:lnRef>
+          <a:fillRef idx="0">
+            <a:scrgbClr r="0" g="0" b="0"/>
+          </a:fillRef>
+          <a:effectRef idx="0">
+            <a:scrgbClr r="0" g="0" b="0"/>
+          </a:effectRef>
+          <a:fontRef idx="minor">
+            <a:schemeClr val="tx1"/>
+          </a:fontRef>
+        </p:style>
+      </p:cxnSp>
+      <p:cxnSp>
+        <p:nvCxnSpPr>
+          <p:cNvPr id="37" name="直接连接符 36">
+            <a:extLst>
+              <a:ext uri="{FF2B5EF4-FFF2-40B4-BE49-F238E27FC236}">
+                <a16:creationId xmlns:a16="http://schemas.microsoft.com/office/drawing/2014/main" id="{4BE76FF0-72D2-4A6C-A8A5-2718A92FF884}"/>
+              </a:ext>
+            </a:extLst>
+          </p:cNvPr>
+          <p:cNvCxnSpPr>
+            <a:cxnSpLocks/>
+          </p:cNvCxnSpPr>
+          <p:nvPr/>
+        </p:nvCxnSpPr>
+        <p:spPr>
+          <a:xfrm>
+            <a:off x="9121267" y="3082756"/>
+            <a:ext cx="899143" cy="0"/>
+          </a:xfrm>
+          <a:prstGeom prst="line">
+            <a:avLst/>
+          </a:prstGeom>
+          <a:ln w="19050" cap="flat" cmpd="sng" algn="ctr">
+            <a:solidFill>
+              <a:schemeClr val="accent3"/>
+            </a:solidFill>
+            <a:prstDash val="dash"/>
+            <a:round/>
+            <a:headEnd type="none" w="med" len="med"/>
+            <a:tailEnd type="none" w="med" len="med"/>
+          </a:ln>
+        </p:spPr>
+        <p:style>
+          <a:lnRef idx="0">
+            <a:scrgbClr r="0" g="0" b="0"/>
+          </a:lnRef>
+          <a:fillRef idx="0">
+            <a:scrgbClr r="0" g="0" b="0"/>
+          </a:fillRef>
+          <a:effectRef idx="0">
+            <a:scrgbClr r="0" g="0" b="0"/>
+          </a:effectRef>
+          <a:fontRef idx="minor">
+            <a:schemeClr val="tx1"/>
+          </a:fontRef>
+        </p:style>
+      </p:cxnSp>
+      <p:cxnSp>
+        <p:nvCxnSpPr>
+          <p:cNvPr id="74" name="直接连接符 73">
+            <a:extLst>
+              <a:ext uri="{FF2B5EF4-FFF2-40B4-BE49-F238E27FC236}">
+                <a16:creationId xmlns:a16="http://schemas.microsoft.com/office/drawing/2014/main" id="{DF493CA5-D42C-44C9-B08E-675AB419F2DC}"/>
+              </a:ext>
+            </a:extLst>
+          </p:cNvPr>
+          <p:cNvCxnSpPr>
+            <a:cxnSpLocks/>
+          </p:cNvCxnSpPr>
+          <p:nvPr/>
+        </p:nvCxnSpPr>
+        <p:spPr>
+          <a:xfrm flipV="1">
+            <a:off x="10016189" y="1769600"/>
+            <a:ext cx="480471" cy="371756"/>
+          </a:xfrm>
+          <a:prstGeom prst="line">
+            <a:avLst/>
+          </a:prstGeom>
+          <a:ln w="19050">
+            <a:solidFill>
+              <a:schemeClr val="bg1">
+                <a:lumMod val="65000"/>
+              </a:schemeClr>
+            </a:solidFill>
+            <a:prstDash val="dash"/>
+          </a:ln>
+        </p:spPr>
+        <p:style>
+          <a:lnRef idx="1">
+            <a:schemeClr val="accent1"/>
+          </a:lnRef>
+          <a:fillRef idx="0">
+            <a:schemeClr val="accent1"/>
+          </a:fillRef>
+          <a:effectRef idx="0">
+            <a:schemeClr val="accent1"/>
+          </a:effectRef>
+          <a:fontRef idx="minor">
+            <a:schemeClr val="tx1"/>
+          </a:fontRef>
+        </p:style>
+      </p:cxnSp>
+      <p:cxnSp>
+        <p:nvCxnSpPr>
+          <p:cNvPr id="82" name="直接连接符 81">
+            <a:extLst>
+              <a:ext uri="{FF2B5EF4-FFF2-40B4-BE49-F238E27FC236}">
+                <a16:creationId xmlns:a16="http://schemas.microsoft.com/office/drawing/2014/main" id="{E14DF0F1-F716-4D4A-BAB9-404B535ECF82}"/>
+              </a:ext>
+            </a:extLst>
+          </p:cNvPr>
+          <p:cNvCxnSpPr>
+            <a:cxnSpLocks/>
+          </p:cNvCxnSpPr>
+          <p:nvPr/>
+        </p:nvCxnSpPr>
+        <p:spPr>
+          <a:xfrm>
+            <a:off x="10016138" y="3082756"/>
+            <a:ext cx="472059" cy="330296"/>
+          </a:xfrm>
+          <a:prstGeom prst="line">
+            <a:avLst/>
+          </a:prstGeom>
+          <a:ln w="19050">
+            <a:solidFill>
+              <a:schemeClr val="bg1">
+                <a:lumMod val="65000"/>
+              </a:schemeClr>
+            </a:solidFill>
+            <a:prstDash val="dash"/>
+          </a:ln>
+        </p:spPr>
+        <p:style>
+          <a:lnRef idx="1">
+            <a:schemeClr val="accent1"/>
+          </a:lnRef>
+          <a:fillRef idx="0">
+            <a:schemeClr val="accent1"/>
+          </a:fillRef>
+          <a:effectRef idx="0">
+            <a:schemeClr val="accent1"/>
+          </a:effectRef>
+          <a:fontRef idx="minor">
+            <a:schemeClr val="tx1"/>
+          </a:fontRef>
+        </p:style>
+      </p:cxnSp>
+      <p:cxnSp>
+        <p:nvCxnSpPr>
+          <p:cNvPr id="106" name="直接连接符 105">
+            <a:extLst>
+              <a:ext uri="{FF2B5EF4-FFF2-40B4-BE49-F238E27FC236}">
+                <a16:creationId xmlns:a16="http://schemas.microsoft.com/office/drawing/2014/main" id="{17456D15-F86F-4A54-B6FE-8CFE47809A09}"/>
+              </a:ext>
+            </a:extLst>
+          </p:cNvPr>
+          <p:cNvCxnSpPr>
+            <a:cxnSpLocks/>
+          </p:cNvCxnSpPr>
+          <p:nvPr/>
+        </p:nvCxnSpPr>
+        <p:spPr>
+          <a:xfrm flipV="1">
+            <a:off x="9117050" y="1092051"/>
+            <a:ext cx="0" cy="664809"/>
+          </a:xfrm>
+          <a:prstGeom prst="line">
+            <a:avLst/>
+          </a:prstGeom>
+          <a:ln w="19050">
+            <a:solidFill>
+              <a:schemeClr val="bg1">
+                <a:lumMod val="65000"/>
+              </a:schemeClr>
+            </a:solidFill>
+            <a:prstDash val="dash"/>
+          </a:ln>
+        </p:spPr>
+        <p:style>
+          <a:lnRef idx="1">
+            <a:schemeClr val="accent1"/>
+          </a:lnRef>
+          <a:fillRef idx="0">
+            <a:schemeClr val="accent1"/>
+          </a:fillRef>
+          <a:effectRef idx="0">
+            <a:schemeClr val="accent1"/>
+          </a:effectRef>
+          <a:fontRef idx="minor">
+            <a:schemeClr val="tx1"/>
+          </a:fontRef>
+        </p:style>
+      </p:cxnSp>
+      <p:pic>
+        <p:nvPicPr>
+          <p:cNvPr id="110" name="图片 109">
+            <a:extLst>
+              <a:ext uri="{FF2B5EF4-FFF2-40B4-BE49-F238E27FC236}">
+                <a16:creationId xmlns:a16="http://schemas.microsoft.com/office/drawing/2014/main" id="{892F3B78-61C5-46C8-9D22-714A38ED3209}"/>
+              </a:ext>
+            </a:extLst>
+          </p:cNvPr>
+          <p:cNvPicPr>
+            <a:picLocks noChangeAspect="1"/>
+          </p:cNvPicPr>
+          <p:nvPr/>
+        </p:nvPicPr>
+        <p:blipFill>
+          <a:blip r:embed="rId8">
+            <a:extLst>
+              <a:ext uri="{28A0092B-C50C-407E-A947-70E740481C1C}">
+                <a14:useLocalDpi xmlns:a14="http://schemas.microsoft.com/office/drawing/2010/main" val="0"/>
+              </a:ext>
+            </a:extLst>
+          </a:blip>
+          <a:stretch>
+            <a:fillRect/>
+          </a:stretch>
+        </p:blipFill>
+        <p:spPr>
+          <a:xfrm>
+            <a:off x="8885272" y="679301"/>
+            <a:ext cx="476250" cy="476250"/>
+          </a:xfrm>
+          <a:prstGeom prst="rect">
+            <a:avLst/>
+          </a:prstGeom>
+        </p:spPr>
+      </p:pic>
+      <p:pic>
+        <p:nvPicPr>
+          <p:cNvPr id="111" name="图片 110">
+            <a:extLst>
+              <a:ext uri="{FF2B5EF4-FFF2-40B4-BE49-F238E27FC236}">
+                <a16:creationId xmlns:a16="http://schemas.microsoft.com/office/drawing/2014/main" id="{FCE94641-0F46-4ADC-BD2B-3EF682780A35}"/>
+              </a:ext>
+            </a:extLst>
+          </p:cNvPr>
+          <p:cNvPicPr>
+            <a:picLocks noChangeAspect="1"/>
+          </p:cNvPicPr>
+          <p:nvPr/>
+        </p:nvPicPr>
+        <p:blipFill>
+          <a:blip r:embed="rId9">
+            <a:extLst>
+              <a:ext uri="{28A0092B-C50C-407E-A947-70E740481C1C}">
+                <a14:useLocalDpi xmlns:a14="http://schemas.microsoft.com/office/drawing/2010/main" val="0"/>
+              </a:ext>
+            </a:extLst>
+          </a:blip>
+          <a:stretch>
+            <a:fillRect/>
+          </a:stretch>
+        </p:blipFill>
+        <p:spPr>
+          <a:xfrm>
+            <a:off x="10419478" y="1436577"/>
+            <a:ext cx="476250" cy="476250"/>
+          </a:xfrm>
+          <a:prstGeom prst="rect">
+            <a:avLst/>
+          </a:prstGeom>
+        </p:spPr>
+      </p:pic>
+      <p:pic>
+        <p:nvPicPr>
+          <p:cNvPr id="112" name="图片 111">
+            <a:extLst>
+              <a:ext uri="{FF2B5EF4-FFF2-40B4-BE49-F238E27FC236}">
+                <a16:creationId xmlns:a16="http://schemas.microsoft.com/office/drawing/2014/main" id="{9801E0D1-2B86-4C7E-BA4F-F4431277DEC7}"/>
+              </a:ext>
+            </a:extLst>
+          </p:cNvPr>
+          <p:cNvPicPr>
+            <a:picLocks noChangeAspect="1"/>
+          </p:cNvPicPr>
+          <p:nvPr/>
+        </p:nvPicPr>
+        <p:blipFill>
+          <a:blip r:embed="rId10">
+            <a:extLst>
+              <a:ext uri="{28A0092B-C50C-407E-A947-70E740481C1C}">
+                <a14:useLocalDpi xmlns:a14="http://schemas.microsoft.com/office/drawing/2010/main" val="0"/>
+              </a:ext>
+            </a:extLst>
+          </a:blip>
+          <a:stretch>
+            <a:fillRect/>
+          </a:stretch>
+        </p:blipFill>
+        <p:spPr>
+          <a:xfrm>
+            <a:off x="10419478" y="1912103"/>
+            <a:ext cx="472059" cy="472059"/>
+          </a:xfrm>
+          <a:prstGeom prst="rect">
+            <a:avLst/>
+          </a:prstGeom>
+        </p:spPr>
+      </p:pic>
+      <p:pic>
+        <p:nvPicPr>
+          <p:cNvPr id="113" name="图片 112">
+            <a:extLst>
+              <a:ext uri="{FF2B5EF4-FFF2-40B4-BE49-F238E27FC236}">
+                <a16:creationId xmlns:a16="http://schemas.microsoft.com/office/drawing/2014/main" id="{E46502B5-8657-405F-9A01-6613C9CF3B9C}"/>
+              </a:ext>
+            </a:extLst>
+          </p:cNvPr>
+          <p:cNvPicPr>
+            <a:picLocks noChangeAspect="1"/>
+          </p:cNvPicPr>
+          <p:nvPr/>
+        </p:nvPicPr>
+        <p:blipFill>
+          <a:blip r:embed="rId11">
+            <a:extLst>
+              <a:ext uri="{28A0092B-C50C-407E-A947-70E740481C1C}">
+                <a14:useLocalDpi xmlns:a14="http://schemas.microsoft.com/office/drawing/2010/main" val="0"/>
+              </a:ext>
+            </a:extLst>
+          </a:blip>
+          <a:stretch>
+            <a:fillRect/>
+          </a:stretch>
+        </p:blipFill>
+        <p:spPr>
+          <a:xfrm>
+            <a:off x="10419478" y="2383438"/>
+            <a:ext cx="472059" cy="472059"/>
+          </a:xfrm>
+          <a:prstGeom prst="rect">
+            <a:avLst/>
+          </a:prstGeom>
+        </p:spPr>
+      </p:pic>
+      <p:pic>
+        <p:nvPicPr>
+          <p:cNvPr id="114" name="图片 113">
+            <a:extLst>
+              <a:ext uri="{FF2B5EF4-FFF2-40B4-BE49-F238E27FC236}">
+                <a16:creationId xmlns:a16="http://schemas.microsoft.com/office/drawing/2014/main" id="{14C6825C-C6A2-495E-97E2-BE5732F76E3D}"/>
+              </a:ext>
+            </a:extLst>
+          </p:cNvPr>
+          <p:cNvPicPr>
+            <a:picLocks noChangeAspect="1"/>
+          </p:cNvPicPr>
+          <p:nvPr/>
+        </p:nvPicPr>
+        <p:blipFill>
+          <a:blip r:embed="rId12">
+            <a:extLst>
+              <a:ext uri="{28A0092B-C50C-407E-A947-70E740481C1C}">
+                <a14:useLocalDpi xmlns:a14="http://schemas.microsoft.com/office/drawing/2010/main" val="0"/>
+              </a:ext>
+            </a:extLst>
+          </a:blip>
+          <a:stretch>
+            <a:fillRect/>
+          </a:stretch>
+        </p:blipFill>
+        <p:spPr>
+          <a:xfrm>
+            <a:off x="10419478" y="2854773"/>
+            <a:ext cx="472059" cy="472059"/>
+          </a:xfrm>
+          <a:prstGeom prst="rect">
+            <a:avLst/>
+          </a:prstGeom>
+        </p:spPr>
+      </p:pic>
+      <p:pic>
+        <p:nvPicPr>
+          <p:cNvPr id="115" name="图片 114">
+            <a:extLst>
+              <a:ext uri="{FF2B5EF4-FFF2-40B4-BE49-F238E27FC236}">
+                <a16:creationId xmlns:a16="http://schemas.microsoft.com/office/drawing/2014/main" id="{678D3342-860C-4B07-84DF-8F141240BD35}"/>
+              </a:ext>
+            </a:extLst>
+          </p:cNvPr>
+          <p:cNvPicPr>
+            <a:picLocks noChangeAspect="1"/>
+          </p:cNvPicPr>
+          <p:nvPr/>
+        </p:nvPicPr>
+        <p:blipFill>
+          <a:blip r:embed="rId13">
+            <a:extLst>
+              <a:ext uri="{28A0092B-C50C-407E-A947-70E740481C1C}">
+                <a14:useLocalDpi xmlns:a14="http://schemas.microsoft.com/office/drawing/2010/main" val="0"/>
+              </a:ext>
+            </a:extLst>
+          </a:blip>
+          <a:stretch>
+            <a:fillRect/>
+          </a:stretch>
+        </p:blipFill>
+        <p:spPr>
+          <a:xfrm>
+            <a:off x="10419478" y="3326108"/>
+            <a:ext cx="472059" cy="472059"/>
+          </a:xfrm>
+          <a:prstGeom prst="rect">
+            <a:avLst/>
+          </a:prstGeom>
+        </p:spPr>
+      </p:pic>
+      <p:cxnSp>
+        <p:nvCxnSpPr>
+          <p:cNvPr id="135" name="直接连接符 134">
+            <a:extLst>
+              <a:ext uri="{FF2B5EF4-FFF2-40B4-BE49-F238E27FC236}">
+                <a16:creationId xmlns:a16="http://schemas.microsoft.com/office/drawing/2014/main" id="{D459DF84-D6E0-4BB9-92B0-C23CAA9D2A1E}"/>
+              </a:ext>
+            </a:extLst>
+          </p:cNvPr>
+          <p:cNvCxnSpPr>
+            <a:cxnSpLocks/>
+            <a:endCxn id="112" idx="1"/>
+          </p:cNvCxnSpPr>
+          <p:nvPr/>
+        </p:nvCxnSpPr>
+        <p:spPr>
+          <a:xfrm flipV="1">
+            <a:off x="10016189" y="2148133"/>
+            <a:ext cx="403289" cy="235305"/>
+          </a:xfrm>
+          <a:prstGeom prst="line">
+            <a:avLst/>
+          </a:prstGeom>
+          <a:ln w="19050">
+            <a:solidFill>
+              <a:schemeClr val="bg1">
+                <a:lumMod val="65000"/>
+              </a:schemeClr>
+            </a:solidFill>
+            <a:prstDash val="dash"/>
+          </a:ln>
+        </p:spPr>
+        <p:style>
+          <a:lnRef idx="1">
+            <a:schemeClr val="accent1"/>
+          </a:lnRef>
+          <a:fillRef idx="0">
+            <a:schemeClr val="accent1"/>
+          </a:fillRef>
+          <a:effectRef idx="0">
+            <a:schemeClr val="accent1"/>
+          </a:effectRef>
+          <a:fontRef idx="minor">
+            <a:schemeClr val="tx1"/>
+          </a:fontRef>
+        </p:style>
+      </p:cxnSp>
+      <p:pic>
+        <p:nvPicPr>
+          <p:cNvPr id="147" name="图片 146">
+            <a:extLst>
+              <a:ext uri="{FF2B5EF4-FFF2-40B4-BE49-F238E27FC236}">
+                <a16:creationId xmlns:a16="http://schemas.microsoft.com/office/drawing/2014/main" id="{64A6AF5D-DB9E-4FB8-86AF-4995998A238C}"/>
+              </a:ext>
+            </a:extLst>
+          </p:cNvPr>
+          <p:cNvPicPr>
+            <a:picLocks noChangeAspect="1"/>
+          </p:cNvPicPr>
+          <p:nvPr/>
+        </p:nvPicPr>
+        <p:blipFill>
+          <a:blip r:embed="rId11">
+            <a:extLst>
+              <a:ext uri="{28A0092B-C50C-407E-A947-70E740481C1C}">
+                <a14:useLocalDpi xmlns:a14="http://schemas.microsoft.com/office/drawing/2010/main" val="0"/>
+              </a:ext>
+            </a:extLst>
+          </a:blip>
+          <a:stretch>
+            <a:fillRect/>
+          </a:stretch>
+        </p:blipFill>
+        <p:spPr>
+          <a:xfrm>
+            <a:off x="5961236" y="5039127"/>
+            <a:ext cx="308783" cy="266700"/>
+          </a:xfrm>
+          <a:prstGeom prst="rect">
+            <a:avLst/>
+          </a:prstGeom>
+        </p:spPr>
+      </p:pic>
+      <p:pic>
+        <p:nvPicPr>
+          <p:cNvPr id="148" name="图片 147">
+            <a:extLst>
+              <a:ext uri="{FF2B5EF4-FFF2-40B4-BE49-F238E27FC236}">
+                <a16:creationId xmlns:a16="http://schemas.microsoft.com/office/drawing/2014/main" id="{7EE8D1DF-C432-402D-B496-0381C9D58FEC}"/>
+              </a:ext>
+            </a:extLst>
+          </p:cNvPr>
+          <p:cNvPicPr>
+            <a:picLocks noChangeAspect="1"/>
+          </p:cNvPicPr>
+          <p:nvPr/>
+        </p:nvPicPr>
+        <p:blipFill>
+          <a:blip r:embed="rId12">
+            <a:extLst>
+              <a:ext uri="{28A0092B-C50C-407E-A947-70E740481C1C}">
+                <a14:useLocalDpi xmlns:a14="http://schemas.microsoft.com/office/drawing/2010/main" val="0"/>
+              </a:ext>
+            </a:extLst>
+          </a:blip>
+          <a:stretch>
+            <a:fillRect/>
+          </a:stretch>
+        </p:blipFill>
+        <p:spPr>
+          <a:xfrm>
+            <a:off x="5961236" y="5346192"/>
+            <a:ext cx="308783" cy="266700"/>
+          </a:xfrm>
+          <a:prstGeom prst="rect">
+            <a:avLst/>
+          </a:prstGeom>
+        </p:spPr>
+      </p:pic>
+      <p:pic>
+        <p:nvPicPr>
+          <p:cNvPr id="149" name="图片 148">
+            <a:extLst>
+              <a:ext uri="{FF2B5EF4-FFF2-40B4-BE49-F238E27FC236}">
+                <a16:creationId xmlns:a16="http://schemas.microsoft.com/office/drawing/2014/main" id="{4A0BEBD9-4EAF-4EE9-9842-35D9F6A4068E}"/>
+              </a:ext>
+            </a:extLst>
+          </p:cNvPr>
+          <p:cNvPicPr>
+            <a:picLocks noChangeAspect="1"/>
+          </p:cNvPicPr>
+          <p:nvPr/>
+        </p:nvPicPr>
+        <p:blipFill>
+          <a:blip r:embed="rId13">
+            <a:extLst>
+              <a:ext uri="{28A0092B-C50C-407E-A947-70E740481C1C}">
+                <a14:useLocalDpi xmlns:a14="http://schemas.microsoft.com/office/drawing/2010/main" val="0"/>
+              </a:ext>
+            </a:extLst>
+          </a:blip>
+          <a:stretch>
+            <a:fillRect/>
+          </a:stretch>
+        </p:blipFill>
+        <p:spPr>
+          <a:xfrm>
+            <a:off x="5961236" y="5653256"/>
+            <a:ext cx="308783" cy="266700"/>
+          </a:xfrm>
+          <a:prstGeom prst="rect">
+            <a:avLst/>
+          </a:prstGeom>
+        </p:spPr>
+      </p:pic>
+      <p:pic>
+        <p:nvPicPr>
+          <p:cNvPr id="150" name="图片 149">
+            <a:extLst>
+              <a:ext uri="{FF2B5EF4-FFF2-40B4-BE49-F238E27FC236}">
+                <a16:creationId xmlns:a16="http://schemas.microsoft.com/office/drawing/2014/main" id="{ACEAE7A3-5D59-4194-B325-F3BFA84AD433}"/>
+              </a:ext>
+            </a:extLst>
+          </p:cNvPr>
+          <p:cNvPicPr>
+            <a:picLocks noChangeAspect="1"/>
+          </p:cNvPicPr>
+          <p:nvPr/>
+        </p:nvPicPr>
+        <p:blipFill>
+          <a:blip r:embed="rId10">
+            <a:extLst>
+              <a:ext uri="{28A0092B-C50C-407E-A947-70E740481C1C}">
+                <a14:useLocalDpi xmlns:a14="http://schemas.microsoft.com/office/drawing/2010/main" val="0"/>
+              </a:ext>
+            </a:extLst>
+          </a:blip>
+          <a:stretch>
+            <a:fillRect/>
+          </a:stretch>
+        </p:blipFill>
+        <p:spPr>
+          <a:xfrm>
+            <a:off x="5961236" y="4732062"/>
+            <a:ext cx="308783" cy="266700"/>
+          </a:xfrm>
+          <a:prstGeom prst="rect">
+            <a:avLst/>
+          </a:prstGeom>
+        </p:spPr>
+      </p:pic>
+      <p:pic>
+        <p:nvPicPr>
+          <p:cNvPr id="153" name="图片 152">
+            <a:extLst>
+              <a:ext uri="{FF2B5EF4-FFF2-40B4-BE49-F238E27FC236}">
+                <a16:creationId xmlns:a16="http://schemas.microsoft.com/office/drawing/2014/main" id="{1F834364-31C8-4667-A4FA-93020D798A2D}"/>
+              </a:ext>
+            </a:extLst>
+          </p:cNvPr>
+          <p:cNvPicPr>
+            <a:picLocks noChangeAspect="1"/>
+          </p:cNvPicPr>
+          <p:nvPr/>
+        </p:nvPicPr>
+        <p:blipFill>
+          <a:blip r:embed="rId8">
+            <a:extLst>
+              <a:ext uri="{28A0092B-C50C-407E-A947-70E740481C1C}">
+                <a14:useLocalDpi xmlns:a14="http://schemas.microsoft.com/office/drawing/2010/main" val="0"/>
+              </a:ext>
+            </a:extLst>
+          </a:blip>
+          <a:stretch>
+            <a:fillRect/>
+          </a:stretch>
+        </p:blipFill>
+        <p:spPr>
+          <a:xfrm>
+            <a:off x="5961236" y="5960320"/>
+            <a:ext cx="308783" cy="266700"/>
+          </a:xfrm>
+          <a:prstGeom prst="rect">
+            <a:avLst/>
+          </a:prstGeom>
+        </p:spPr>
+      </p:pic>
+      <p:pic>
+        <p:nvPicPr>
+          <p:cNvPr id="154" name="图片 153">
+            <a:extLst>
+              <a:ext uri="{FF2B5EF4-FFF2-40B4-BE49-F238E27FC236}">
+                <a16:creationId xmlns:a16="http://schemas.microsoft.com/office/drawing/2014/main" id="{BD705542-8DB5-4D91-BF14-1284ABD1FB55}"/>
+              </a:ext>
+            </a:extLst>
+          </p:cNvPr>
+          <p:cNvPicPr>
+            <a:picLocks noChangeAspect="1"/>
+          </p:cNvPicPr>
+          <p:nvPr/>
+        </p:nvPicPr>
+        <p:blipFill>
+          <a:blip r:embed="rId9">
+            <a:extLst>
+              <a:ext uri="{28A0092B-C50C-407E-A947-70E740481C1C}">
+                <a14:useLocalDpi xmlns:a14="http://schemas.microsoft.com/office/drawing/2010/main" val="0"/>
+              </a:ext>
+            </a:extLst>
+          </a:blip>
+          <a:stretch>
+            <a:fillRect/>
+          </a:stretch>
+        </p:blipFill>
+        <p:spPr>
+          <a:xfrm>
+            <a:off x="5961236" y="4424997"/>
+            <a:ext cx="308783" cy="266700"/>
+          </a:xfrm>
+          <a:prstGeom prst="rect">
+            <a:avLst/>
+          </a:prstGeom>
+        </p:spPr>
+      </p:pic>
+      <p:sp>
+        <p:nvSpPr>
+          <p:cNvPr id="42" name="椭圆 41">
+            <a:extLst>
+              <a:ext uri="{FF2B5EF4-FFF2-40B4-BE49-F238E27FC236}">
+                <a16:creationId xmlns:a16="http://schemas.microsoft.com/office/drawing/2014/main" id="{2E6FA61A-010C-4ACE-B0DF-A8658D11FAE6}"/>
+              </a:ext>
+            </a:extLst>
+          </p:cNvPr>
+          <p:cNvSpPr>
+            <a:spLocks noChangeAspect="1"/>
+          </p:cNvSpPr>
+          <p:nvPr/>
+        </p:nvSpPr>
+        <p:spPr>
+          <a:xfrm>
+            <a:off x="4023393" y="2196961"/>
+            <a:ext cx="103124" cy="103124"/>
+          </a:xfrm>
+          <a:prstGeom prst="ellipse">
+            <a:avLst/>
+          </a:prstGeom>
+          <a:solidFill>
+            <a:srgbClr val="FFC000"/>
+          </a:solidFill>
+          <a:ln w="25400">
+            <a:solidFill>
+              <a:schemeClr val="bg1"/>
+            </a:solidFill>
+          </a:ln>
+        </p:spPr>
+        <p:style>
+          <a:lnRef idx="2">
+            <a:schemeClr val="accent1">
+              <a:shade val="50000"/>
+            </a:schemeClr>
+          </a:lnRef>
+          <a:fillRef idx="1">
+            <a:schemeClr val="accent1"/>
+          </a:fillRef>
+          <a:effectRef idx="0">
+            <a:schemeClr val="accent1"/>
+          </a:effectRef>
+          <a:fontRef idx="minor">
+            <a:schemeClr val="lt1"/>
+          </a:fontRef>
+        </p:style>
+        <p:txBody>
+          <a:bodyPr rtlCol="0" anchor="ctr"/>
+          <a:lstStyle/>
+          <a:p>
+            <a:pPr algn="ctr"/>
+            <a:endParaRPr lang="en-US">
+              <a:cs typeface="+mn-ea"/>
+            </a:endParaRPr>
+          </a:p>
+        </p:txBody>
+      </p:sp>
+      <p:sp>
+        <p:nvSpPr>
+          <p:cNvPr id="43" name="椭圆 42">
+            <a:extLst>
+              <a:ext uri="{FF2B5EF4-FFF2-40B4-BE49-F238E27FC236}">
+                <a16:creationId xmlns:a16="http://schemas.microsoft.com/office/drawing/2014/main" id="{BE399315-0AF8-42EE-8539-09AC75079214}"/>
+              </a:ext>
+            </a:extLst>
+          </p:cNvPr>
+          <p:cNvSpPr>
+            <a:spLocks noChangeAspect="1"/>
+          </p:cNvSpPr>
+          <p:nvPr/>
+        </p:nvSpPr>
+        <p:spPr>
+          <a:xfrm>
+            <a:off x="4023393" y="2449515"/>
+            <a:ext cx="103124" cy="103124"/>
+          </a:xfrm>
+          <a:prstGeom prst="ellipse">
+            <a:avLst/>
+          </a:prstGeom>
+          <a:solidFill>
+            <a:srgbClr val="FFC000"/>
+          </a:solidFill>
+          <a:ln w="25400">
+            <a:solidFill>
+              <a:schemeClr val="bg1"/>
+            </a:solidFill>
+          </a:ln>
+        </p:spPr>
+        <p:style>
+          <a:lnRef idx="2">
+            <a:schemeClr val="accent1">
+              <a:shade val="50000"/>
+            </a:schemeClr>
+          </a:lnRef>
+          <a:fillRef idx="1">
+            <a:schemeClr val="accent1"/>
+          </a:fillRef>
+          <a:effectRef idx="0">
+            <a:schemeClr val="accent1"/>
+          </a:effectRef>
+          <a:fontRef idx="minor">
+            <a:schemeClr val="lt1"/>
+          </a:fontRef>
+        </p:style>
+        <p:txBody>
+          <a:bodyPr rtlCol="0" anchor="ctr"/>
+          <a:lstStyle/>
+          <a:p>
+            <a:pPr algn="ctr"/>
+            <a:endParaRPr lang="en-US">
+              <a:cs typeface="+mn-ea"/>
+            </a:endParaRPr>
+          </a:p>
+        </p:txBody>
+      </p:sp>
+      <p:sp>
+        <p:nvSpPr>
+          <p:cNvPr id="45" name="椭圆 44">
+            <a:extLst>
+              <a:ext uri="{FF2B5EF4-FFF2-40B4-BE49-F238E27FC236}">
+                <a16:creationId xmlns:a16="http://schemas.microsoft.com/office/drawing/2014/main" id="{8F22C2A8-F0B7-4586-AF69-405D81577DF3}"/>
+              </a:ext>
+            </a:extLst>
+          </p:cNvPr>
+          <p:cNvSpPr>
+            <a:spLocks noChangeAspect="1"/>
+          </p:cNvSpPr>
+          <p:nvPr/>
+        </p:nvSpPr>
+        <p:spPr>
+          <a:xfrm>
+            <a:off x="4023393" y="2673785"/>
+            <a:ext cx="103124" cy="103124"/>
+          </a:xfrm>
+          <a:prstGeom prst="ellipse">
+            <a:avLst/>
+          </a:prstGeom>
+          <a:solidFill>
+            <a:srgbClr val="FFC000"/>
+          </a:solidFill>
+          <a:ln w="25400">
+            <a:solidFill>
+              <a:schemeClr val="bg1"/>
+            </a:solidFill>
+          </a:ln>
+        </p:spPr>
+        <p:style>
+          <a:lnRef idx="2">
+            <a:schemeClr val="accent1">
+              <a:shade val="50000"/>
+            </a:schemeClr>
+          </a:lnRef>
+          <a:fillRef idx="1">
+            <a:schemeClr val="accent1"/>
+          </a:fillRef>
+          <a:effectRef idx="0">
+            <a:schemeClr val="accent1"/>
+          </a:effectRef>
+          <a:fontRef idx="minor">
+            <a:schemeClr val="lt1"/>
+          </a:fontRef>
+        </p:style>
+        <p:txBody>
+          <a:bodyPr rtlCol="0" anchor="ctr"/>
+          <a:lstStyle/>
+          <a:p>
+            <a:pPr algn="ctr"/>
+            <a:endParaRPr lang="en-US">
+              <a:cs typeface="+mn-ea"/>
+            </a:endParaRPr>
+          </a:p>
+        </p:txBody>
+      </p:sp>
+      <p:sp>
+        <p:nvSpPr>
+          <p:cNvPr id="46" name="椭圆 45">
+            <a:extLst>
+              <a:ext uri="{FF2B5EF4-FFF2-40B4-BE49-F238E27FC236}">
+                <a16:creationId xmlns:a16="http://schemas.microsoft.com/office/drawing/2014/main" id="{DCABCD7B-4EDD-4475-AFA7-40FA01F45B70}"/>
+              </a:ext>
+            </a:extLst>
+          </p:cNvPr>
+          <p:cNvSpPr>
+            <a:spLocks noChangeAspect="1"/>
+          </p:cNvSpPr>
+          <p:nvPr/>
+        </p:nvSpPr>
+        <p:spPr>
+          <a:xfrm>
+            <a:off x="4023393" y="2893038"/>
+            <a:ext cx="103124" cy="103124"/>
+          </a:xfrm>
+          <a:prstGeom prst="ellipse">
+            <a:avLst/>
+          </a:prstGeom>
+          <a:solidFill>
+            <a:srgbClr val="FFC000"/>
+          </a:solidFill>
+          <a:ln w="25400">
+            <a:solidFill>
+              <a:schemeClr val="bg1"/>
+            </a:solidFill>
+          </a:ln>
+        </p:spPr>
+        <p:style>
+          <a:lnRef idx="2">
+            <a:schemeClr val="accent1">
+              <a:shade val="50000"/>
+            </a:schemeClr>
+          </a:lnRef>
+          <a:fillRef idx="1">
+            <a:schemeClr val="accent1"/>
+          </a:fillRef>
+          <a:effectRef idx="0">
+            <a:schemeClr val="accent1"/>
+          </a:effectRef>
+          <a:fontRef idx="minor">
+            <a:schemeClr val="lt1"/>
+          </a:fontRef>
+        </p:style>
+        <p:txBody>
+          <a:bodyPr rtlCol="0" anchor="ctr"/>
+          <a:lstStyle/>
+          <a:p>
+            <a:pPr algn="ctr"/>
+            <a:endParaRPr lang="en-US">
+              <a:cs typeface="+mn-ea"/>
+            </a:endParaRPr>
+          </a:p>
+        </p:txBody>
+      </p:sp>
+      <p:sp>
+        <p:nvSpPr>
+          <p:cNvPr id="47" name="椭圆 46">
+            <a:extLst>
+              <a:ext uri="{FF2B5EF4-FFF2-40B4-BE49-F238E27FC236}">
+                <a16:creationId xmlns:a16="http://schemas.microsoft.com/office/drawing/2014/main" id="{785C7E14-931A-4FF6-B45F-95B858E02D66}"/>
+              </a:ext>
+            </a:extLst>
+          </p:cNvPr>
+          <p:cNvSpPr>
+            <a:spLocks noChangeAspect="1"/>
+          </p:cNvSpPr>
+          <p:nvPr/>
+        </p:nvSpPr>
+        <p:spPr>
+          <a:xfrm>
+            <a:off x="9163481" y="2112105"/>
+            <a:ext cx="99675" cy="99675"/>
+          </a:xfrm>
+          <a:prstGeom prst="ellipse">
+            <a:avLst/>
+          </a:prstGeom>
+          <a:solidFill>
+            <a:srgbClr val="FFC000"/>
+          </a:solidFill>
+          <a:ln w="25400">
+            <a:solidFill>
+              <a:schemeClr val="bg1"/>
+            </a:solidFill>
+          </a:ln>
+        </p:spPr>
+        <p:style>
+          <a:lnRef idx="2">
+            <a:schemeClr val="accent1">
+              <a:shade val="50000"/>
+            </a:schemeClr>
+          </a:lnRef>
+          <a:fillRef idx="1">
+            <a:schemeClr val="accent1"/>
+          </a:fillRef>
+          <a:effectRef idx="0">
+            <a:schemeClr val="accent1"/>
+          </a:effectRef>
+          <a:fontRef idx="minor">
+            <a:schemeClr val="lt1"/>
+          </a:fontRef>
+        </p:style>
+        <p:txBody>
+          <a:bodyPr rtlCol="0" anchor="ctr"/>
+          <a:lstStyle/>
+          <a:p>
+            <a:pPr algn="ctr"/>
+            <a:endParaRPr lang="en-US">
+              <a:cs typeface="+mn-ea"/>
+            </a:endParaRPr>
+          </a:p>
+        </p:txBody>
+      </p:sp>
+      <p:sp>
+        <p:nvSpPr>
+          <p:cNvPr id="49" name="椭圆 48">
+            <a:extLst>
+              <a:ext uri="{FF2B5EF4-FFF2-40B4-BE49-F238E27FC236}">
+                <a16:creationId xmlns:a16="http://schemas.microsoft.com/office/drawing/2014/main" id="{C873AD68-F5C1-4143-958D-A2CDA2F2D695}"/>
+              </a:ext>
+            </a:extLst>
+          </p:cNvPr>
+          <p:cNvSpPr>
+            <a:spLocks noChangeAspect="1"/>
+          </p:cNvSpPr>
+          <p:nvPr/>
+        </p:nvSpPr>
+        <p:spPr>
+          <a:xfrm>
+            <a:off x="9162407" y="2321128"/>
+            <a:ext cx="99675" cy="99675"/>
+          </a:xfrm>
+          <a:prstGeom prst="ellipse">
+            <a:avLst/>
+          </a:prstGeom>
+          <a:solidFill>
+            <a:srgbClr val="FFC000"/>
+          </a:solidFill>
+          <a:ln w="25400">
+            <a:solidFill>
+              <a:schemeClr val="bg1"/>
+            </a:solidFill>
+          </a:ln>
+        </p:spPr>
+        <p:style>
+          <a:lnRef idx="2">
+            <a:schemeClr val="accent1">
+              <a:shade val="50000"/>
+            </a:schemeClr>
+          </a:lnRef>
+          <a:fillRef idx="1">
+            <a:schemeClr val="accent1"/>
+          </a:fillRef>
+          <a:effectRef idx="0">
+            <a:schemeClr val="accent1"/>
+          </a:effectRef>
+          <a:fontRef idx="minor">
+            <a:schemeClr val="lt1"/>
+          </a:fontRef>
+        </p:style>
+        <p:txBody>
+          <a:bodyPr rtlCol="0" anchor="ctr"/>
+          <a:lstStyle/>
+          <a:p>
+            <a:pPr algn="ctr"/>
+            <a:endParaRPr lang="en-US">
+              <a:cs typeface="+mn-ea"/>
+            </a:endParaRPr>
+          </a:p>
+        </p:txBody>
+      </p:sp>
+      <p:sp>
+        <p:nvSpPr>
+          <p:cNvPr id="50" name="椭圆 49">
+            <a:extLst>
+              <a:ext uri="{FF2B5EF4-FFF2-40B4-BE49-F238E27FC236}">
+                <a16:creationId xmlns:a16="http://schemas.microsoft.com/office/drawing/2014/main" id="{C0C554EF-6E27-4B5F-A654-2D2CE4610067}"/>
+              </a:ext>
+            </a:extLst>
+          </p:cNvPr>
+          <p:cNvSpPr>
+            <a:spLocks noChangeAspect="1"/>
+          </p:cNvSpPr>
+          <p:nvPr/>
+        </p:nvSpPr>
+        <p:spPr>
+          <a:xfrm>
+            <a:off x="9167322" y="2559039"/>
+            <a:ext cx="99675" cy="99675"/>
+          </a:xfrm>
+          <a:prstGeom prst="ellipse">
+            <a:avLst/>
+          </a:prstGeom>
+          <a:solidFill>
+            <a:srgbClr val="FFC000"/>
+          </a:solidFill>
+          <a:ln w="25400">
+            <a:solidFill>
+              <a:schemeClr val="bg1"/>
+            </a:solidFill>
+          </a:ln>
+        </p:spPr>
+        <p:style>
+          <a:lnRef idx="2">
+            <a:schemeClr val="accent1">
+              <a:shade val="50000"/>
+            </a:schemeClr>
+          </a:lnRef>
+          <a:fillRef idx="1">
+            <a:schemeClr val="accent1"/>
+          </a:fillRef>
+          <a:effectRef idx="0">
+            <a:schemeClr val="accent1"/>
+          </a:effectRef>
+          <a:fontRef idx="minor">
+            <a:schemeClr val="lt1"/>
+          </a:fontRef>
+        </p:style>
+        <p:txBody>
+          <a:bodyPr rtlCol="0" anchor="ctr"/>
+          <a:lstStyle/>
+          <a:p>
+            <a:pPr algn="ctr"/>
+            <a:endParaRPr lang="en-US">
+              <a:cs typeface="+mn-ea"/>
+            </a:endParaRPr>
+          </a:p>
+        </p:txBody>
+      </p:sp>
+      <p:sp>
+        <p:nvSpPr>
+          <p:cNvPr id="52" name="椭圆 51">
+            <a:extLst>
+              <a:ext uri="{FF2B5EF4-FFF2-40B4-BE49-F238E27FC236}">
+                <a16:creationId xmlns:a16="http://schemas.microsoft.com/office/drawing/2014/main" id="{54BA1351-1F08-4518-8FEF-DB30F47360DD}"/>
+              </a:ext>
+            </a:extLst>
+          </p:cNvPr>
+          <p:cNvSpPr>
+            <a:spLocks noChangeAspect="1"/>
+          </p:cNvSpPr>
+          <p:nvPr/>
+        </p:nvSpPr>
+        <p:spPr>
+          <a:xfrm>
+            <a:off x="9158694" y="2773034"/>
+            <a:ext cx="99675" cy="99675"/>
+          </a:xfrm>
+          <a:prstGeom prst="ellipse">
+            <a:avLst/>
+          </a:prstGeom>
+          <a:solidFill>
+            <a:srgbClr val="FFC000"/>
+          </a:solidFill>
+          <a:ln w="25400">
+            <a:solidFill>
+              <a:schemeClr val="bg1"/>
+            </a:solidFill>
+          </a:ln>
+        </p:spPr>
+        <p:style>
+          <a:lnRef idx="2">
+            <a:schemeClr val="accent1">
+              <a:shade val="50000"/>
+            </a:schemeClr>
+          </a:lnRef>
+          <a:fillRef idx="1">
+            <a:schemeClr val="accent1"/>
+          </a:fillRef>
+          <a:effectRef idx="0">
+            <a:schemeClr val="accent1"/>
+          </a:effectRef>
+          <a:fontRef idx="minor">
+            <a:schemeClr val="lt1"/>
+          </a:fontRef>
+        </p:style>
+        <p:txBody>
+          <a:bodyPr rtlCol="0" anchor="ctr"/>
+          <a:lstStyle/>
+          <a:p>
+            <a:pPr algn="ctr"/>
+            <a:endParaRPr lang="en-US">
+              <a:cs typeface="+mn-ea"/>
+            </a:endParaRPr>
+          </a:p>
+        </p:txBody>
+      </p:sp>
+      <p:sp>
+        <p:nvSpPr>
+          <p:cNvPr id="54" name="椭圆 53">
+            <a:extLst>
+              <a:ext uri="{FF2B5EF4-FFF2-40B4-BE49-F238E27FC236}">
+                <a16:creationId xmlns:a16="http://schemas.microsoft.com/office/drawing/2014/main" id="{A6650E4C-3573-46B8-A815-AE2E2CB8DBF5}"/>
+              </a:ext>
+            </a:extLst>
+          </p:cNvPr>
+          <p:cNvSpPr>
+            <a:spLocks noChangeAspect="1"/>
+          </p:cNvSpPr>
+          <p:nvPr/>
+        </p:nvSpPr>
+        <p:spPr>
+          <a:xfrm>
+            <a:off x="9150068" y="3009324"/>
+            <a:ext cx="99675" cy="99675"/>
+          </a:xfrm>
+          <a:prstGeom prst="ellipse">
+            <a:avLst/>
+          </a:prstGeom>
+          <a:solidFill>
+            <a:srgbClr val="FFC000"/>
+          </a:solidFill>
+          <a:ln w="25400">
+            <a:solidFill>
+              <a:schemeClr val="bg1"/>
+            </a:solidFill>
+          </a:ln>
+        </p:spPr>
+        <p:style>
+          <a:lnRef idx="2">
+            <a:schemeClr val="accent1">
+              <a:shade val="50000"/>
+            </a:schemeClr>
+          </a:lnRef>
+          <a:fillRef idx="1">
+            <a:schemeClr val="accent1"/>
+          </a:fillRef>
+          <a:effectRef idx="0">
+            <a:schemeClr val="accent1"/>
+          </a:effectRef>
+          <a:fontRef idx="minor">
+            <a:schemeClr val="lt1"/>
+          </a:fontRef>
+        </p:style>
+        <p:txBody>
+          <a:bodyPr rtlCol="0" anchor="ctr"/>
+          <a:lstStyle/>
+          <a:p>
+            <a:pPr algn="ctr"/>
+            <a:endParaRPr lang="en-US">
+              <a:cs typeface="+mn-ea"/>
+            </a:endParaRPr>
+          </a:p>
+        </p:txBody>
+      </p:sp>
+      <p:sp>
+        <p:nvSpPr>
+          <p:cNvPr id="56" name="椭圆 55">
+            <a:extLst>
+              <a:ext uri="{FF2B5EF4-FFF2-40B4-BE49-F238E27FC236}">
+                <a16:creationId xmlns:a16="http://schemas.microsoft.com/office/drawing/2014/main" id="{8ACCA669-17FB-47B4-B942-046F12810037}"/>
+              </a:ext>
+            </a:extLst>
+          </p:cNvPr>
+          <p:cNvSpPr>
+            <a:spLocks noChangeAspect="1"/>
+          </p:cNvSpPr>
+          <p:nvPr/>
+        </p:nvSpPr>
+        <p:spPr>
+          <a:xfrm>
+            <a:off x="9063806" y="1717704"/>
+            <a:ext cx="99675" cy="99675"/>
+          </a:xfrm>
+          <a:prstGeom prst="ellipse">
+            <a:avLst/>
+          </a:prstGeom>
+          <a:solidFill>
+            <a:srgbClr val="FFC000"/>
+          </a:solidFill>
+          <a:ln w="25400">
+            <a:solidFill>
+              <a:schemeClr val="bg1"/>
+            </a:solidFill>
+          </a:ln>
+        </p:spPr>
+        <p:style>
+          <a:lnRef idx="2">
+            <a:schemeClr val="accent1">
+              <a:shade val="50000"/>
+            </a:schemeClr>
+          </a:lnRef>
+          <a:fillRef idx="1">
+            <a:schemeClr val="accent1"/>
+          </a:fillRef>
+          <a:effectRef idx="0">
+            <a:schemeClr val="accent1"/>
+          </a:effectRef>
+          <a:fontRef idx="minor">
+            <a:schemeClr val="lt1"/>
+          </a:fontRef>
+        </p:style>
+        <p:txBody>
+          <a:bodyPr rtlCol="0" anchor="ctr"/>
+          <a:lstStyle/>
+          <a:p>
+            <a:pPr algn="ctr"/>
+            <a:endParaRPr lang="en-US">
+              <a:cs typeface="+mn-ea"/>
+            </a:endParaRPr>
+          </a:p>
+        </p:txBody>
+      </p:sp>
+      <p:sp>
+        <p:nvSpPr>
+          <p:cNvPr id="57" name="文本框 56">
+            <a:extLst>
+              <a:ext uri="{FF2B5EF4-FFF2-40B4-BE49-F238E27FC236}">
+                <a16:creationId xmlns:a16="http://schemas.microsoft.com/office/drawing/2014/main" id="{F33A0F96-2E75-4485-904F-09AA149F6FAD}"/>
+              </a:ext>
+            </a:extLst>
+          </p:cNvPr>
+          <p:cNvSpPr txBox="1"/>
+          <p:nvPr/>
+        </p:nvSpPr>
+        <p:spPr>
+          <a:xfrm>
+            <a:off x="6182670" y="4331958"/>
+            <a:ext cx="6009329" cy="2477601"/>
+          </a:xfrm>
+          <a:prstGeom prst="rect">
+            <a:avLst/>
+          </a:prstGeom>
+          <a:noFill/>
+        </p:spPr>
+        <p:txBody>
+          <a:bodyPr wrap="square" rtlCol="0">
+            <a:spAutoFit/>
+          </a:bodyPr>
+          <a:lstStyle/>
+          <a:p>
+            <a:pPr>
+              <a:lnSpc>
+                <a:spcPts val="2500"/>
+              </a:lnSpc>
+            </a:pPr>
+            <a:r>
+              <a:rPr lang="en-US" sz="1600">
+                <a:latin typeface="Leelawadee UI" panose="020B0502040204020203" pitchFamily="34" charset="-34"/>
+                <a:ea typeface="Microsoft JhengHei Light" panose="020B0304030504040204" pitchFamily="34" charset="-120"/>
+                <a:cs typeface="Leelawadee UI" panose="020B0502040204020203" pitchFamily="34" charset="-34"/>
+              </a:rPr>
+              <a:t>VCC: </a:t>
+            </a:r>
+            <a:r>
+              <a:rPr lang="zh-CN" altLang="en-US" sz="1600">
+                <a:latin typeface="华文楷体" panose="02010600040101010101" pitchFamily="2" charset="-122"/>
+                <a:ea typeface="华文楷体" panose="02010600040101010101" pitchFamily="2" charset="-122"/>
+                <a:cs typeface="Leelawadee UI" panose="020B0502040204020203" pitchFamily="34" charset="-34"/>
+              </a:rPr>
+              <a:t>您可使用 </a:t>
+            </a:r>
+            <a:r>
+              <a:rPr lang="en-US" sz="1600">
+                <a:latin typeface="Leelawadee UI" panose="020B0502040204020203" pitchFamily="34" charset="-34"/>
+                <a:ea typeface="Microsoft JhengHei Light" panose="020B0304030504040204" pitchFamily="34" charset="-120"/>
+                <a:cs typeface="Leelawadee UI" panose="020B0502040204020203" pitchFamily="34" charset="-34"/>
+              </a:rPr>
+              <a:t>5V </a:t>
+            </a:r>
+            <a:r>
+              <a:rPr lang="zh-CN" altLang="en-US" sz="1600">
+                <a:latin typeface="华文楷体" panose="02010600040101010101" pitchFamily="2" charset="-122"/>
+                <a:ea typeface="华文楷体" panose="02010600040101010101" pitchFamily="2" charset="-122"/>
+                <a:cs typeface="Leelawadee UI" panose="020B0502040204020203" pitchFamily="34" charset="-34"/>
+              </a:rPr>
+              <a:t>或</a:t>
+            </a:r>
+            <a:r>
+              <a:rPr lang="en-US" sz="1600">
+                <a:latin typeface="Leelawadee UI" panose="020B0502040204020203" pitchFamily="34" charset="-34"/>
+                <a:ea typeface="Microsoft JhengHei Light" panose="020B0304030504040204" pitchFamily="34" charset="-120"/>
+                <a:cs typeface="Leelawadee UI" panose="020B0502040204020203" pitchFamily="34" charset="-34"/>
+              </a:rPr>
+              <a:t> 3.3V </a:t>
+            </a:r>
+            <a:r>
+              <a:rPr lang="zh-CN" altLang="en-US" sz="1600">
+                <a:latin typeface="华文楷体" panose="02010600040101010101" pitchFamily="2" charset="-122"/>
+                <a:ea typeface="华文楷体" panose="02010600040101010101" pitchFamily="2" charset="-122"/>
+                <a:cs typeface="Leelawadee UI" panose="020B0502040204020203" pitchFamily="34" charset="-34"/>
+              </a:rPr>
+              <a:t>电压</a:t>
+            </a:r>
+            <a:endParaRPr lang="en-US" altLang="zh-CN" sz="1600">
+              <a:latin typeface="华文楷体" panose="02010600040101010101" pitchFamily="2" charset="-122"/>
+              <a:ea typeface="华文楷体" panose="02010600040101010101" pitchFamily="2" charset="-122"/>
+              <a:cs typeface="Leelawadee UI" panose="020B0502040204020203" pitchFamily="34" charset="-34"/>
+            </a:endParaRPr>
+          </a:p>
+          <a:p>
+            <a:pPr>
+              <a:lnSpc>
+                <a:spcPts val="2500"/>
+              </a:lnSpc>
+            </a:pPr>
+            <a:r>
+              <a:rPr lang="en-US" sz="1600">
+                <a:latin typeface="Leelawadee UI" panose="020B0502040204020203" pitchFamily="34" charset="-34"/>
+                <a:ea typeface="Microsoft JhengHei Light" panose="020B0304030504040204" pitchFamily="34" charset="-120"/>
+                <a:cs typeface="Leelawadee UI" panose="020B0502040204020203" pitchFamily="34" charset="-34"/>
+              </a:rPr>
+              <a:t>GND: </a:t>
+            </a:r>
+            <a:r>
+              <a:rPr lang="zh-CN" altLang="en-US" sz="1600">
+                <a:latin typeface="华文楷体" panose="02010600040101010101" pitchFamily="2" charset="-122"/>
+                <a:ea typeface="华文楷体" panose="02010600040101010101" pitchFamily="2" charset="-122"/>
+                <a:cs typeface="Leelawadee UI" panose="020B0502040204020203" pitchFamily="34" charset="-34"/>
+              </a:rPr>
+              <a:t>将此模块连接到</a:t>
+            </a:r>
+            <a:r>
+              <a:rPr lang="en-US" sz="1600">
+                <a:latin typeface="华文楷体" panose="02010600040101010101" pitchFamily="2" charset="-122"/>
+                <a:ea typeface="华文楷体" panose="02010600040101010101" pitchFamily="2" charset="-122"/>
+                <a:cs typeface="Leelawadee UI" panose="020B0502040204020203" pitchFamily="34" charset="-34"/>
+              </a:rPr>
+              <a:t> </a:t>
+            </a:r>
+            <a:r>
+              <a:rPr lang="en-US" sz="1600">
+                <a:latin typeface="Leelawadee UI" panose="020B0502040204020203" pitchFamily="34" charset="-34"/>
+                <a:ea typeface="Microsoft JhengHei Light" panose="020B0304030504040204" pitchFamily="34" charset="-120"/>
+                <a:cs typeface="Leelawadee UI" panose="020B0502040204020203" pitchFamily="34" charset="-34"/>
+              </a:rPr>
+              <a:t>GND </a:t>
+            </a:r>
+          </a:p>
+          <a:p>
+            <a:pPr>
+              <a:lnSpc>
+                <a:spcPts val="2500"/>
+              </a:lnSpc>
+            </a:pPr>
+            <a:r>
+              <a:rPr lang="en-US" sz="1600">
+                <a:latin typeface="Leelawadee UI" panose="020B0502040204020203" pitchFamily="34" charset="-34"/>
+                <a:ea typeface="Microsoft JhengHei Light" panose="020B0304030504040204" pitchFamily="34" charset="-120"/>
+                <a:cs typeface="Leelawadee UI" panose="020B0502040204020203" pitchFamily="34" charset="-34"/>
+              </a:rPr>
+              <a:t>XPES: </a:t>
+            </a:r>
+            <a:r>
+              <a:rPr lang="zh-CN" altLang="en-US" sz="1600">
+                <a:latin typeface="华文楷体" panose="02010600040101010101" pitchFamily="2" charset="-122"/>
+                <a:ea typeface="华文楷体" panose="02010600040101010101" pitchFamily="2" charset="-122"/>
+                <a:cs typeface="Leelawadee UI" panose="020B0502040204020203" pitchFamily="34" charset="-34"/>
+              </a:rPr>
+              <a:t>连接到</a:t>
+            </a:r>
+            <a:r>
+              <a:rPr lang="zh-CN" altLang="en-US" sz="1600">
+                <a:latin typeface="Leelawadee UI" panose="020B0502040204020203" pitchFamily="34" charset="-34"/>
+                <a:ea typeface="Microsoft JhengHei Light" panose="020B0304030504040204" pitchFamily="34" charset="-120"/>
+                <a:cs typeface="Leelawadee UI" panose="020B0502040204020203" pitchFamily="34" charset="-34"/>
+              </a:rPr>
+              <a:t> </a:t>
+            </a:r>
+            <a:r>
+              <a:rPr lang="en-US" altLang="zh-CN" sz="1600">
+                <a:latin typeface="Leelawadee UI" panose="020B0502040204020203" pitchFamily="34" charset="-34"/>
+                <a:ea typeface="Microsoft JhengHei Light" panose="020B0304030504040204" pitchFamily="34" charset="-120"/>
+                <a:cs typeface="Leelawadee UI" panose="020B0502040204020203" pitchFamily="34" charset="-34"/>
+              </a:rPr>
+              <a:t>XRES </a:t>
+            </a:r>
+            <a:r>
+              <a:rPr lang="zh-CN" altLang="en-US" sz="1600">
+                <a:latin typeface="华文楷体" panose="02010600040101010101" pitchFamily="2" charset="-122"/>
+                <a:ea typeface="华文楷体" panose="02010600040101010101" pitchFamily="2" charset="-122"/>
+                <a:cs typeface="Leelawadee UI" panose="020B0502040204020203" pitchFamily="34" charset="-34"/>
+              </a:rPr>
+              <a:t>引脚，外部重置</a:t>
+            </a:r>
+            <a:r>
+              <a:rPr lang="pt-BR" sz="1600">
+                <a:latin typeface="Leelawadee UI" panose="020B0502040204020203" pitchFamily="34" charset="-34"/>
+                <a:ea typeface="Microsoft JhengHei Light" panose="020B0304030504040204" pitchFamily="34" charset="-120"/>
+                <a:cs typeface="Leelawadee UI" panose="020B0502040204020203" pitchFamily="34" charset="-34"/>
+              </a:rPr>
+              <a:t>I/O </a:t>
+            </a:r>
+            <a:r>
+              <a:rPr lang="zh-CN" altLang="en-US" sz="1600">
+                <a:latin typeface="华文楷体" panose="02010600040101010101" pitchFamily="2" charset="-122"/>
+                <a:ea typeface="华文楷体" panose="02010600040101010101" pitchFamily="2" charset="-122"/>
+                <a:cs typeface="Leelawadee UI" panose="020B0502040204020203" pitchFamily="34" charset="-34"/>
+              </a:rPr>
+              <a:t>引脚</a:t>
+            </a:r>
+            <a:endParaRPr lang="en-US" altLang="zh-CN" sz="1600">
+              <a:latin typeface="华文楷体" panose="02010600040101010101" pitchFamily="2" charset="-122"/>
+              <a:ea typeface="华文楷体" panose="02010600040101010101" pitchFamily="2" charset="-122"/>
+              <a:cs typeface="Leelawadee UI" panose="020B0502040204020203" pitchFamily="34" charset="-34"/>
+            </a:endParaRPr>
+          </a:p>
+          <a:p>
+            <a:pPr>
+              <a:lnSpc>
+                <a:spcPts val="2500"/>
+              </a:lnSpc>
+            </a:pPr>
+            <a:r>
+              <a:rPr lang="en-US" sz="1600">
+                <a:latin typeface="Leelawadee UI" panose="020B0502040204020203" pitchFamily="34" charset="-34"/>
+                <a:ea typeface="Microsoft JhengHei Light" panose="020B0304030504040204" pitchFamily="34" charset="-120"/>
+                <a:cs typeface="Leelawadee UI" panose="020B0502040204020203" pitchFamily="34" charset="-34"/>
+              </a:rPr>
+              <a:t>SCL: I</a:t>
+            </a:r>
+            <a:r>
+              <a:rPr lang="en-US" sz="1600" baseline="30000">
+                <a:latin typeface="Leelawadee UI" panose="020B0502040204020203" pitchFamily="34" charset="-34"/>
+                <a:ea typeface="Microsoft JhengHei Light" panose="020B0304030504040204" pitchFamily="34" charset="-120"/>
+                <a:cs typeface="Leelawadee UI" panose="020B0502040204020203" pitchFamily="34" charset="-34"/>
+              </a:rPr>
+              <a:t>2</a:t>
+            </a:r>
+            <a:r>
+              <a:rPr lang="en-US" sz="1600">
+                <a:latin typeface="Leelawadee UI" panose="020B0502040204020203" pitchFamily="34" charset="-34"/>
+                <a:ea typeface="Microsoft JhengHei Light" panose="020B0304030504040204" pitchFamily="34" charset="-120"/>
+                <a:cs typeface="Leelawadee UI" panose="020B0502040204020203" pitchFamily="34" charset="-34"/>
+              </a:rPr>
+              <a:t>C </a:t>
+            </a:r>
+            <a:r>
+              <a:rPr lang="zh-CN" altLang="en-US" sz="1600">
+                <a:latin typeface="华文楷体" panose="02010600040101010101" pitchFamily="2" charset="-122"/>
+                <a:ea typeface="华文楷体" panose="02010600040101010101" pitchFamily="2" charset="-122"/>
+                <a:cs typeface="Leelawadee UI" panose="020B0502040204020203" pitchFamily="34" charset="-34"/>
+              </a:rPr>
+              <a:t>串行时钟，烧写固件时作为 </a:t>
+            </a:r>
+            <a:r>
+              <a:rPr lang="en-US" sz="1600">
+                <a:latin typeface="Leelawadee UI" panose="020B0502040204020203" pitchFamily="34" charset="-34"/>
+                <a:ea typeface="Microsoft JhengHei Light" panose="020B0304030504040204" pitchFamily="34" charset="-120"/>
+                <a:cs typeface="Leelawadee UI" panose="020B0502040204020203" pitchFamily="34" charset="-34"/>
+              </a:rPr>
+              <a:t>SWDCLK</a:t>
+            </a:r>
+            <a:endParaRPr lang="en-US" sz="1600" dirty="0">
+              <a:latin typeface="Leelawadee UI" panose="020B0502040204020203" pitchFamily="34" charset="-34"/>
+              <a:ea typeface="Microsoft JhengHei Light" panose="020B0304030504040204" pitchFamily="34" charset="-120"/>
+              <a:cs typeface="Leelawadee UI" panose="020B0502040204020203" pitchFamily="34" charset="-34"/>
+            </a:endParaRPr>
+          </a:p>
+          <a:p>
+            <a:pPr>
+              <a:lnSpc>
+                <a:spcPts val="2500"/>
+              </a:lnSpc>
+            </a:pPr>
+            <a:r>
+              <a:rPr lang="en-US" sz="1600">
+                <a:latin typeface="Leelawadee UI" panose="020B0502040204020203" pitchFamily="34" charset="-34"/>
+                <a:ea typeface="Microsoft JhengHei Light" panose="020B0304030504040204" pitchFamily="34" charset="-120"/>
+                <a:cs typeface="Leelawadee UI" panose="020B0502040204020203" pitchFamily="34" charset="-34"/>
+              </a:rPr>
+              <a:t>SDA: I</a:t>
+            </a:r>
+            <a:r>
+              <a:rPr lang="en-US" sz="1600" baseline="30000">
+                <a:latin typeface="Leelawadee UI" panose="020B0502040204020203" pitchFamily="34" charset="-34"/>
+                <a:ea typeface="Microsoft JhengHei Light" panose="020B0304030504040204" pitchFamily="34" charset="-120"/>
+                <a:cs typeface="Leelawadee UI" panose="020B0502040204020203" pitchFamily="34" charset="-34"/>
+              </a:rPr>
+              <a:t>2</a:t>
+            </a:r>
+            <a:r>
+              <a:rPr lang="en-US" sz="1600">
+                <a:latin typeface="Leelawadee UI" panose="020B0502040204020203" pitchFamily="34" charset="-34"/>
+                <a:ea typeface="Microsoft JhengHei Light" panose="020B0304030504040204" pitchFamily="34" charset="-120"/>
+                <a:cs typeface="Leelawadee UI" panose="020B0502040204020203" pitchFamily="34" charset="-34"/>
+              </a:rPr>
+              <a:t>C</a:t>
+            </a:r>
+            <a:r>
+              <a:rPr lang="zh-CN" altLang="en-US" sz="1600">
+                <a:latin typeface="华文楷体" panose="02010600040101010101" pitchFamily="2" charset="-122"/>
+                <a:ea typeface="华文楷体" panose="02010600040101010101" pitchFamily="2" charset="-122"/>
+                <a:cs typeface="Leelawadee UI" panose="020B0502040204020203" pitchFamily="34" charset="-34"/>
+              </a:rPr>
+              <a:t>串行时钟，烧写固件时作为</a:t>
+            </a:r>
+            <a:r>
+              <a:rPr lang="en-US" altLang="zh-CN" sz="1600">
+                <a:latin typeface="华文楷体" panose="02010600040101010101" pitchFamily="2" charset="-122"/>
+                <a:ea typeface="华文楷体" panose="02010600040101010101" pitchFamily="2" charset="-122"/>
+                <a:cs typeface="Leelawadee UI" panose="020B0502040204020203" pitchFamily="34" charset="-34"/>
+              </a:rPr>
+              <a:t> </a:t>
+            </a:r>
+            <a:r>
+              <a:rPr lang="en-US" altLang="zh-CN" sz="1600">
+                <a:latin typeface="Leelawadee UI" panose="020B0502040204020203" pitchFamily="34" charset="-34"/>
+                <a:ea typeface="Microsoft JhengHei Light" panose="020B0304030504040204" pitchFamily="34" charset="-120"/>
+                <a:cs typeface="Leelawadee UI" panose="020B0502040204020203" pitchFamily="34" charset="-34"/>
+              </a:rPr>
+              <a:t>SWDDATA</a:t>
+            </a:r>
+            <a:endParaRPr lang="en-US" sz="1600" dirty="0">
+              <a:latin typeface="Leelawadee UI" panose="020B0502040204020203" pitchFamily="34" charset="-34"/>
+              <a:ea typeface="Microsoft JhengHei Light" panose="020B0304030504040204" pitchFamily="34" charset="-120"/>
+              <a:cs typeface="Leelawadee UI" panose="020B0502040204020203" pitchFamily="34" charset="-34"/>
+            </a:endParaRPr>
+          </a:p>
+          <a:p>
+            <a:pPr>
+              <a:lnSpc>
+                <a:spcPts val="2500"/>
+              </a:lnSpc>
+            </a:pPr>
+            <a:r>
+              <a:rPr lang="en-US" sz="1600">
+                <a:latin typeface="Leelawadee UI" panose="020B0502040204020203" pitchFamily="34" charset="-34"/>
+                <a:ea typeface="Microsoft JhengHei Light" panose="020B0304030504040204" pitchFamily="34" charset="-120"/>
+                <a:cs typeface="Leelawadee UI" panose="020B0502040204020203" pitchFamily="34" charset="-34"/>
+              </a:rPr>
+              <a:t>INT: </a:t>
+            </a:r>
+            <a:r>
+              <a:rPr lang="zh-CN" altLang="en-US" sz="1600">
+                <a:latin typeface="华文楷体" panose="02010600040101010101" pitchFamily="2" charset="-122"/>
+                <a:ea typeface="华文楷体" panose="02010600040101010101" pitchFamily="2" charset="-122"/>
+                <a:cs typeface="Leelawadee UI" panose="020B0502040204020203" pitchFamily="34" charset="-34"/>
+              </a:rPr>
+              <a:t>默认为高电平，当按钮或滑块被触发时变低</a:t>
+            </a:r>
+            <a:endParaRPr lang="en-US" sz="1600" dirty="0">
+              <a:latin typeface="华文楷体" panose="02010600040101010101" pitchFamily="2" charset="-122"/>
+              <a:ea typeface="华文楷体" panose="02010600040101010101" pitchFamily="2" charset="-122"/>
+              <a:cs typeface="Leelawadee UI" panose="020B0502040204020203" pitchFamily="34" charset="-34"/>
+            </a:endParaRPr>
+          </a:p>
+          <a:p>
+            <a:endParaRPr lang="en-US" sz="1200" dirty="0">
+              <a:latin typeface="Times New Roman" panose="02020603050405020304" pitchFamily="18" charset="0"/>
+              <a:cs typeface="Times New Roman" panose="02020603050405020304" pitchFamily="18" charset="0"/>
+            </a:endParaRPr>
+          </a:p>
+          <a:p>
+            <a:endParaRPr lang="en-US" dirty="0"/>
+          </a:p>
+        </p:txBody>
+      </p:sp>
+      <p:cxnSp>
+        <p:nvCxnSpPr>
+          <p:cNvPr id="11" name="直接连接符 10">
+            <a:extLst>
+              <a:ext uri="{FF2B5EF4-FFF2-40B4-BE49-F238E27FC236}">
+                <a16:creationId xmlns:a16="http://schemas.microsoft.com/office/drawing/2014/main" id="{BBCE8B29-4DEF-4C91-B082-1F142D9D4147}"/>
+              </a:ext>
+            </a:extLst>
+          </p:cNvPr>
+          <p:cNvCxnSpPr>
+            <a:cxnSpLocks/>
+          </p:cNvCxnSpPr>
+          <p:nvPr/>
+        </p:nvCxnSpPr>
+        <p:spPr>
+          <a:xfrm flipH="1" flipV="1">
+            <a:off x="10001284" y="2842415"/>
+            <a:ext cx="444281" cy="246365"/>
+          </a:xfrm>
+          <a:prstGeom prst="line">
+            <a:avLst/>
+          </a:prstGeom>
+          <a:ln w="19050" cap="flat" cmpd="sng" algn="ctr">
+            <a:solidFill>
+              <a:schemeClr val="accent3"/>
+            </a:solidFill>
+            <a:prstDash val="dash"/>
+            <a:round/>
+            <a:headEnd type="none" w="med" len="med"/>
+            <a:tailEnd type="none" w="med" len="med"/>
+          </a:ln>
+        </p:spPr>
+        <p:style>
+          <a:lnRef idx="0">
+            <a:scrgbClr r="0" g="0" b="0"/>
+          </a:lnRef>
+          <a:fillRef idx="0">
+            <a:scrgbClr r="0" g="0" b="0"/>
+          </a:fillRef>
+          <a:effectRef idx="0">
+            <a:scrgbClr r="0" g="0" b="0"/>
+          </a:effectRef>
+          <a:fontRef idx="minor">
+            <a:schemeClr val="tx1"/>
+          </a:fontRef>
+        </p:style>
+      </p:cxnSp>
+    </p:spTree>
+    <p:extLst>
+      <p:ext uri="{BB962C8B-B14F-4D97-AF65-F5344CB8AC3E}">
+        <p14:creationId xmlns:p14="http://schemas.microsoft.com/office/powerpoint/2010/main" val="1363819797"/>
+      </p:ext>
+    </p:extLst>
+  </p:cSld>
+  <p:clrMapOvr>
+    <a:masterClrMapping/>
+  </p:clrMapOvr>
+</p:sld>
+</file>
+
+<file path=ppt/slides/slide4.xml><?xml version="1.0" encoding="utf-8"?>
+<p:sld xmlns:a="http://schemas.openxmlformats.org/drawingml/2006/main" xmlns:r="http://schemas.openxmlformats.org/officeDocument/2006/relationships" xmlns:p="http://schemas.openxmlformats.org/presentationml/2006/main">
+  <p:cSld>
+    <p:spTree>
+      <p:nvGrpSpPr>
+        <p:cNvPr id="1" name=""/>
+        <p:cNvGrpSpPr/>
+        <p:nvPr/>
+      </p:nvGrpSpPr>
+      <p:grpSpPr>
+        <a:xfrm>
+          <a:off x="0" y="0"/>
+          <a:ext cx="0" cy="0"/>
+          <a:chOff x="0" y="0"/>
+          <a:chExt cx="0" cy="0"/>
+        </a:xfrm>
+      </p:grpSpPr>
+      <p:pic>
+        <p:nvPicPr>
+          <p:cNvPr id="3" name="图片 2">
+            <a:extLst>
+              <a:ext uri="{FF2B5EF4-FFF2-40B4-BE49-F238E27FC236}">
+                <a16:creationId xmlns:a16="http://schemas.microsoft.com/office/drawing/2014/main" id="{001323E3-60FC-48E8-A2AD-1957464B7FA3}"/>
+              </a:ext>
+            </a:extLst>
+          </p:cNvPr>
+          <p:cNvPicPr>
+            <a:picLocks noChangeAspect="1"/>
+          </p:cNvPicPr>
+          <p:nvPr/>
+        </p:nvPicPr>
+        <p:blipFill>
+          <a:blip r:embed="rId3">
+            <a:extLst>
+              <a:ext uri="{28A0092B-C50C-407E-A947-70E740481C1C}">
+                <a14:useLocalDpi xmlns:a14="http://schemas.microsoft.com/office/drawing/2010/main" val="0"/>
+              </a:ext>
+            </a:extLst>
+          </a:blip>
+          <a:stretch>
+            <a:fillRect/>
+          </a:stretch>
+        </p:blipFill>
+        <p:spPr>
+          <a:xfrm rot="10800000">
+            <a:off x="2530123" y="1122457"/>
+            <a:ext cx="7309393" cy="5482045"/>
+          </a:xfrm>
+          <a:prstGeom prst="rect">
+            <a:avLst/>
+          </a:prstGeom>
+        </p:spPr>
+      </p:pic>
+      <p:cxnSp>
+        <p:nvCxnSpPr>
+          <p:cNvPr id="12" name="直接连接符 11">
+            <a:extLst>
+              <a:ext uri="{FF2B5EF4-FFF2-40B4-BE49-F238E27FC236}">
+                <a16:creationId xmlns:a16="http://schemas.microsoft.com/office/drawing/2014/main" id="{ECA0621C-6516-42C3-8A8F-C1499CB3B548}"/>
+              </a:ext>
+            </a:extLst>
+          </p:cNvPr>
+          <p:cNvCxnSpPr>
+            <a:cxnSpLocks/>
+          </p:cNvCxnSpPr>
+          <p:nvPr/>
+        </p:nvCxnSpPr>
+        <p:spPr>
+          <a:xfrm flipV="1">
+            <a:off x="3874882" y="2462542"/>
+            <a:ext cx="0" cy="1611519"/>
+          </a:xfrm>
+          <a:prstGeom prst="line">
+            <a:avLst/>
+          </a:prstGeom>
+          <a:ln w="19050">
+            <a:solidFill>
+              <a:schemeClr val="bg1">
+                <a:lumMod val="65000"/>
+              </a:schemeClr>
+            </a:solidFill>
+            <a:prstDash val="dash"/>
+          </a:ln>
+        </p:spPr>
+        <p:style>
+          <a:lnRef idx="1">
+            <a:schemeClr val="accent1"/>
+          </a:lnRef>
+          <a:fillRef idx="0">
+            <a:schemeClr val="accent1"/>
+          </a:fillRef>
+          <a:effectRef idx="0">
+            <a:schemeClr val="accent1"/>
+          </a:effectRef>
+          <a:fontRef idx="minor">
+            <a:schemeClr val="tx1"/>
+          </a:fontRef>
+        </p:style>
+      </p:cxnSp>
+      <p:cxnSp>
+        <p:nvCxnSpPr>
+          <p:cNvPr id="51" name="直接连接符 50">
+            <a:extLst>
+              <a:ext uri="{FF2B5EF4-FFF2-40B4-BE49-F238E27FC236}">
+                <a16:creationId xmlns:a16="http://schemas.microsoft.com/office/drawing/2014/main" id="{97BF8E02-692E-4472-A11E-DD55E80F8CD0}"/>
+              </a:ext>
+            </a:extLst>
+          </p:cNvPr>
+          <p:cNvCxnSpPr>
+            <a:cxnSpLocks/>
+          </p:cNvCxnSpPr>
+          <p:nvPr/>
+        </p:nvCxnSpPr>
+        <p:spPr>
+          <a:xfrm flipV="1">
+            <a:off x="8418213" y="2462542"/>
+            <a:ext cx="0" cy="1611520"/>
+          </a:xfrm>
+          <a:prstGeom prst="line">
+            <a:avLst/>
+          </a:prstGeom>
+          <a:ln w="19050">
+            <a:solidFill>
+              <a:schemeClr val="bg1">
+                <a:lumMod val="65000"/>
+              </a:schemeClr>
+            </a:solidFill>
+            <a:prstDash val="dash"/>
+          </a:ln>
+        </p:spPr>
+        <p:style>
+          <a:lnRef idx="1">
+            <a:schemeClr val="accent1"/>
+          </a:lnRef>
+          <a:fillRef idx="0">
+            <a:schemeClr val="accent1"/>
+          </a:fillRef>
+          <a:effectRef idx="0">
+            <a:schemeClr val="accent1"/>
+          </a:effectRef>
+          <a:fontRef idx="minor">
+            <a:schemeClr val="tx1"/>
+          </a:fontRef>
+        </p:style>
+      </p:cxnSp>
+      <p:cxnSp>
+        <p:nvCxnSpPr>
+          <p:cNvPr id="17" name="直接连接符 16">
+            <a:extLst>
+              <a:ext uri="{FF2B5EF4-FFF2-40B4-BE49-F238E27FC236}">
+                <a16:creationId xmlns:a16="http://schemas.microsoft.com/office/drawing/2014/main" id="{3FF36EEF-4C06-4C80-BF5A-8D497227EC45}"/>
+              </a:ext>
+            </a:extLst>
+          </p:cNvPr>
+          <p:cNvCxnSpPr>
+            <a:cxnSpLocks/>
+          </p:cNvCxnSpPr>
+          <p:nvPr/>
+        </p:nvCxnSpPr>
+        <p:spPr>
+          <a:xfrm flipV="1">
+            <a:off x="6189764" y="2462542"/>
+            <a:ext cx="0" cy="1611520"/>
+          </a:xfrm>
+          <a:prstGeom prst="line">
+            <a:avLst/>
+          </a:prstGeom>
+          <a:ln w="19050">
+            <a:solidFill>
+              <a:schemeClr val="bg1">
+                <a:lumMod val="65000"/>
+              </a:schemeClr>
+            </a:solidFill>
+            <a:prstDash val="dash"/>
+          </a:ln>
+        </p:spPr>
+        <p:style>
+          <a:lnRef idx="1">
+            <a:schemeClr val="accent1"/>
+          </a:lnRef>
+          <a:fillRef idx="0">
+            <a:schemeClr val="accent1"/>
+          </a:fillRef>
+          <a:effectRef idx="0">
+            <a:schemeClr val="accent1"/>
+          </a:effectRef>
+          <a:fontRef idx="minor">
+            <a:schemeClr val="tx1"/>
+          </a:fontRef>
+        </p:style>
+      </p:cxnSp>
+      <p:sp>
+        <p:nvSpPr>
+          <p:cNvPr id="27" name="文本框 26">
+            <a:extLst>
+              <a:ext uri="{FF2B5EF4-FFF2-40B4-BE49-F238E27FC236}">
+                <a16:creationId xmlns:a16="http://schemas.microsoft.com/office/drawing/2014/main" id="{7432F7DD-9E72-49E1-BD02-9A435CEACEFF}"/>
+              </a:ext>
+            </a:extLst>
+          </p:cNvPr>
+          <p:cNvSpPr txBox="1"/>
+          <p:nvPr/>
+        </p:nvSpPr>
+        <p:spPr>
+          <a:xfrm>
+            <a:off x="3475517" y="1214027"/>
+            <a:ext cx="697627" cy="400110"/>
+          </a:xfrm>
+          <a:prstGeom prst="rect">
+            <a:avLst/>
+          </a:prstGeom>
+          <a:noFill/>
+        </p:spPr>
+        <p:txBody>
+          <a:bodyPr wrap="none" rtlCol="0">
+            <a:spAutoFit/>
+          </a:bodyPr>
+          <a:lstStyle/>
+          <a:p>
+            <a:r>
+              <a:rPr lang="zh-CN" altLang="en-US" sz="2000" b="1">
+                <a:solidFill>
+                  <a:schemeClr val="bg1">
+                    <a:lumMod val="65000"/>
+                  </a:schemeClr>
+                </a:solidFill>
+                <a:latin typeface="微软雅黑" panose="020B0503020204020204" pitchFamily="34" charset="-122"/>
+                <a:ea typeface="微软雅黑" panose="020B0503020204020204" pitchFamily="34" charset="-122"/>
+              </a:rPr>
+              <a:t>按钮</a:t>
+            </a:r>
+            <a:endParaRPr lang="zh-CN" altLang="en-US" sz="2000" b="1" dirty="0">
+              <a:solidFill>
+                <a:schemeClr val="bg1">
+                  <a:lumMod val="65000"/>
+                </a:schemeClr>
+              </a:solidFill>
+              <a:latin typeface="微软雅黑" panose="020B0503020204020204" pitchFamily="34" charset="-122"/>
+              <a:ea typeface="微软雅黑" panose="020B0503020204020204" pitchFamily="34" charset="-122"/>
+            </a:endParaRPr>
+          </a:p>
+        </p:txBody>
+      </p:sp>
+      <p:sp>
+        <p:nvSpPr>
+          <p:cNvPr id="28" name="椭圆 27">
+            <a:extLst>
+              <a:ext uri="{FF2B5EF4-FFF2-40B4-BE49-F238E27FC236}">
+                <a16:creationId xmlns:a16="http://schemas.microsoft.com/office/drawing/2014/main" id="{9130931F-6220-4CFF-A71F-E0BE0E719542}"/>
+              </a:ext>
+            </a:extLst>
+          </p:cNvPr>
+          <p:cNvSpPr/>
+          <p:nvPr/>
+        </p:nvSpPr>
+        <p:spPr>
+          <a:xfrm>
+            <a:off x="3552007" y="1755957"/>
+            <a:ext cx="645750" cy="645750"/>
+          </a:xfrm>
+          <a:prstGeom prst="ellipse">
+            <a:avLst/>
+          </a:prstGeom>
+          <a:solidFill>
+            <a:srgbClr val="FFD700"/>
+          </a:solidFill>
+          <a:ln>
+            <a:noFill/>
+          </a:ln>
+        </p:spPr>
+        <p:style>
+          <a:lnRef idx="2">
+            <a:schemeClr val="accent1">
+              <a:shade val="50000"/>
+            </a:schemeClr>
+          </a:lnRef>
+          <a:fillRef idx="1">
+            <a:schemeClr val="accent1"/>
+          </a:fillRef>
+          <a:effectRef idx="0">
+            <a:schemeClr val="accent1"/>
+          </a:effectRef>
+          <a:fontRef idx="minor">
+            <a:schemeClr val="lt1"/>
+          </a:fontRef>
+        </p:style>
+        <p:txBody>
+          <a:bodyPr rtlCol="0" anchor="ctr"/>
+          <a:lstStyle/>
+          <a:p>
+            <a:pPr algn="ctr"/>
+            <a:endParaRPr lang="zh-CN" altLang="en-US"/>
+          </a:p>
+        </p:txBody>
+      </p:sp>
+      <p:sp>
+        <p:nvSpPr>
+          <p:cNvPr id="84" name="椭圆 83">
+            <a:extLst>
+              <a:ext uri="{FF2B5EF4-FFF2-40B4-BE49-F238E27FC236}">
+                <a16:creationId xmlns:a16="http://schemas.microsoft.com/office/drawing/2014/main" id="{5503BC79-2AD5-4AC9-B2A7-E4DF78450216}"/>
+              </a:ext>
+            </a:extLst>
+          </p:cNvPr>
+          <p:cNvSpPr/>
+          <p:nvPr/>
+        </p:nvSpPr>
+        <p:spPr>
+          <a:xfrm>
+            <a:off x="8095338" y="1755957"/>
+            <a:ext cx="645750" cy="645750"/>
+          </a:xfrm>
+          <a:prstGeom prst="ellipse">
+            <a:avLst/>
+          </a:prstGeom>
+          <a:solidFill>
+            <a:srgbClr val="D81E06"/>
+          </a:solidFill>
+          <a:ln>
+            <a:noFill/>
+          </a:ln>
+        </p:spPr>
+        <p:style>
+          <a:lnRef idx="2">
+            <a:schemeClr val="accent1">
+              <a:shade val="50000"/>
+            </a:schemeClr>
+          </a:lnRef>
+          <a:fillRef idx="1">
+            <a:schemeClr val="accent1"/>
+          </a:fillRef>
+          <a:effectRef idx="0">
+            <a:schemeClr val="accent1"/>
+          </a:effectRef>
+          <a:fontRef idx="minor">
+            <a:schemeClr val="lt1"/>
+          </a:fontRef>
+        </p:style>
+        <p:txBody>
+          <a:bodyPr rtlCol="0" anchor="ctr"/>
+          <a:lstStyle/>
+          <a:p>
+            <a:pPr algn="ctr"/>
+            <a:endParaRPr lang="zh-CN" altLang="en-US"/>
+          </a:p>
+        </p:txBody>
+      </p:sp>
+      <p:sp>
+        <p:nvSpPr>
+          <p:cNvPr id="85" name="文本框 84">
+            <a:extLst>
+              <a:ext uri="{FF2B5EF4-FFF2-40B4-BE49-F238E27FC236}">
+                <a16:creationId xmlns:a16="http://schemas.microsoft.com/office/drawing/2014/main" id="{9E929D9D-1A67-4664-8E87-7B9D376C4BAD}"/>
+              </a:ext>
+            </a:extLst>
+          </p:cNvPr>
+          <p:cNvSpPr txBox="1"/>
+          <p:nvPr/>
+        </p:nvSpPr>
+        <p:spPr>
+          <a:xfrm>
+            <a:off x="5790399" y="1214027"/>
+            <a:ext cx="697627" cy="400110"/>
+          </a:xfrm>
+          <a:prstGeom prst="rect">
+            <a:avLst/>
+          </a:prstGeom>
+          <a:noFill/>
+        </p:spPr>
+        <p:txBody>
+          <a:bodyPr wrap="none" rtlCol="0">
+            <a:spAutoFit/>
+          </a:bodyPr>
+          <a:lstStyle/>
+          <a:p>
+            <a:r>
+              <a:rPr lang="zh-CN" altLang="en-US" sz="2000" b="1">
+                <a:solidFill>
+                  <a:schemeClr val="bg1">
+                    <a:lumMod val="65000"/>
+                  </a:schemeClr>
+                </a:solidFill>
+                <a:latin typeface="微软雅黑" panose="020B0503020204020204" pitchFamily="34" charset="-122"/>
+                <a:ea typeface="微软雅黑" panose="020B0503020204020204" pitchFamily="34" charset="-122"/>
+              </a:rPr>
+              <a:t>滑块</a:t>
+            </a:r>
+            <a:endParaRPr lang="zh-CN" altLang="en-US" sz="2000" b="1" dirty="0">
+              <a:solidFill>
+                <a:schemeClr val="bg1">
+                  <a:lumMod val="65000"/>
+                </a:schemeClr>
+              </a:solidFill>
+              <a:latin typeface="微软雅黑" panose="020B0503020204020204" pitchFamily="34" charset="-122"/>
+              <a:ea typeface="微软雅黑" panose="020B0503020204020204" pitchFamily="34" charset="-122"/>
+            </a:endParaRPr>
+          </a:p>
+        </p:txBody>
+      </p:sp>
+      <p:sp>
+        <p:nvSpPr>
+          <p:cNvPr id="87" name="文本框 86">
+            <a:extLst>
+              <a:ext uri="{FF2B5EF4-FFF2-40B4-BE49-F238E27FC236}">
+                <a16:creationId xmlns:a16="http://schemas.microsoft.com/office/drawing/2014/main" id="{66CC93BB-3DA0-4352-A3AB-570A3CCC92D3}"/>
+              </a:ext>
+            </a:extLst>
+          </p:cNvPr>
+          <p:cNvSpPr txBox="1"/>
+          <p:nvPr/>
+        </p:nvSpPr>
+        <p:spPr>
+          <a:xfrm>
+            <a:off x="8018848" y="1214027"/>
+            <a:ext cx="697627" cy="400110"/>
+          </a:xfrm>
+          <a:prstGeom prst="rect">
+            <a:avLst/>
+          </a:prstGeom>
+          <a:noFill/>
+        </p:spPr>
+        <p:txBody>
+          <a:bodyPr wrap="none" rtlCol="0">
+            <a:spAutoFit/>
+          </a:bodyPr>
+          <a:lstStyle/>
+          <a:p>
+            <a:r>
+              <a:rPr lang="zh-CN" altLang="en-US" sz="2000" b="1">
+                <a:solidFill>
+                  <a:schemeClr val="bg1">
+                    <a:lumMod val="65000"/>
+                  </a:schemeClr>
+                </a:solidFill>
+                <a:latin typeface="微软雅黑" panose="020B0503020204020204" pitchFamily="34" charset="-122"/>
+                <a:ea typeface="微软雅黑" panose="020B0503020204020204" pitchFamily="34" charset="-122"/>
+              </a:rPr>
+              <a:t>按钮</a:t>
+            </a:r>
+            <a:endParaRPr lang="zh-CN" altLang="en-US" sz="2000" b="1" dirty="0">
+              <a:solidFill>
+                <a:schemeClr val="bg1">
+                  <a:lumMod val="65000"/>
+                </a:schemeClr>
+              </a:solidFill>
+              <a:latin typeface="微软雅黑" panose="020B0503020204020204" pitchFamily="34" charset="-122"/>
+              <a:ea typeface="微软雅黑" panose="020B0503020204020204" pitchFamily="34" charset="-122"/>
+            </a:endParaRPr>
+          </a:p>
+        </p:txBody>
+      </p:sp>
+      <p:grpSp>
+        <p:nvGrpSpPr>
+          <p:cNvPr id="2" name="组合 1">
+            <a:extLst>
+              <a:ext uri="{FF2B5EF4-FFF2-40B4-BE49-F238E27FC236}">
+                <a16:creationId xmlns:a16="http://schemas.microsoft.com/office/drawing/2014/main" id="{AB16A382-FDED-4E98-9DD0-0AB9C7B3B269}"/>
+              </a:ext>
+            </a:extLst>
+          </p:cNvPr>
+          <p:cNvGrpSpPr/>
+          <p:nvPr/>
+        </p:nvGrpSpPr>
+        <p:grpSpPr>
+          <a:xfrm>
+            <a:off x="5326263" y="1566755"/>
+            <a:ext cx="1727003" cy="1024155"/>
+            <a:chOff x="5326263" y="1566755"/>
+            <a:chExt cx="1727003" cy="1024155"/>
+          </a:xfrm>
+        </p:grpSpPr>
+        <p:grpSp>
+          <p:nvGrpSpPr>
+            <p:cNvPr id="31" name="组合 30">
+              <a:extLst>
+                <a:ext uri="{FF2B5EF4-FFF2-40B4-BE49-F238E27FC236}">
+                  <a16:creationId xmlns:a16="http://schemas.microsoft.com/office/drawing/2014/main" id="{A3A99E47-3340-43BD-B380-C53BB196D0DC}"/>
+                </a:ext>
+              </a:extLst>
+            </p:cNvPr>
+            <p:cNvGrpSpPr/>
+            <p:nvPr/>
+          </p:nvGrpSpPr>
+          <p:grpSpPr>
+            <a:xfrm>
+              <a:off x="5326263" y="1566755"/>
+              <a:ext cx="348311" cy="1024155"/>
+              <a:chOff x="4874187" y="1062525"/>
+              <a:chExt cx="718518" cy="2112693"/>
+            </a:xfrm>
+          </p:grpSpPr>
+          <p:sp>
+            <p:nvSpPr>
+              <p:cNvPr id="29" name="矩形 28">
+                <a:extLst>
+                  <a:ext uri="{FF2B5EF4-FFF2-40B4-BE49-F238E27FC236}">
+                    <a16:creationId xmlns:a16="http://schemas.microsoft.com/office/drawing/2014/main" id="{C8C4A0A0-A179-43C6-B7B8-BCC9059A27E9}"/>
+                  </a:ext>
+                </a:extLst>
+              </p:cNvPr>
+              <p:cNvSpPr/>
+              <p:nvPr/>
+            </p:nvSpPr>
+            <p:spPr>
+              <a:xfrm>
+                <a:off x="4874189" y="1445802"/>
+                <a:ext cx="697114" cy="1369337"/>
+              </a:xfrm>
+              <a:prstGeom prst="rect">
+                <a:avLst/>
+              </a:prstGeom>
+              <a:solidFill>
+                <a:schemeClr val="bg1">
+                  <a:lumMod val="65000"/>
+                </a:schemeClr>
+              </a:solidFill>
+              <a:ln>
+                <a:noFill/>
+              </a:ln>
+            </p:spPr>
+            <p:style>
+              <a:lnRef idx="2">
+                <a:schemeClr val="accent1">
+                  <a:shade val="50000"/>
+                </a:schemeClr>
+              </a:lnRef>
+              <a:fillRef idx="1">
+                <a:schemeClr val="accent1"/>
+              </a:fillRef>
+              <a:effectRef idx="0">
+                <a:schemeClr val="accent1"/>
+              </a:effectRef>
+              <a:fontRef idx="minor">
+                <a:schemeClr val="lt1"/>
+              </a:fontRef>
+            </p:style>
+            <p:txBody>
+              <a:bodyPr rtlCol="0" anchor="ctr"/>
+              <a:lstStyle/>
+              <a:p>
+                <a:pPr algn="ctr"/>
+                <a:endParaRPr lang="zh-CN" altLang="en-US"/>
+              </a:p>
+            </p:txBody>
+          </p:sp>
+          <p:sp>
+            <p:nvSpPr>
+              <p:cNvPr id="30" name="等腰三角形 29">
+                <a:extLst>
+                  <a:ext uri="{FF2B5EF4-FFF2-40B4-BE49-F238E27FC236}">
+                    <a16:creationId xmlns:a16="http://schemas.microsoft.com/office/drawing/2014/main" id="{17843849-9A7C-4FED-A07E-CE0C605CF898}"/>
+                  </a:ext>
+                </a:extLst>
+              </p:cNvPr>
+              <p:cNvSpPr/>
+              <p:nvPr/>
+            </p:nvSpPr>
+            <p:spPr>
+              <a:xfrm rot="5400000">
+                <a:off x="4693887" y="2294397"/>
+                <a:ext cx="701045" cy="340442"/>
+              </a:xfrm>
+              <a:prstGeom prst="triangle">
+                <a:avLst>
+                  <a:gd name="adj" fmla="val 47430"/>
+                </a:avLst>
+              </a:prstGeom>
+              <a:solidFill>
+                <a:schemeClr val="bg1"/>
+              </a:solidFill>
+              <a:ln>
+                <a:noFill/>
+              </a:ln>
+            </p:spPr>
+            <p:style>
+              <a:lnRef idx="2">
+                <a:schemeClr val="accent1">
+                  <a:shade val="50000"/>
+                </a:schemeClr>
+              </a:lnRef>
+              <a:fillRef idx="1">
+                <a:schemeClr val="accent1"/>
+              </a:fillRef>
+              <a:effectRef idx="0">
+                <a:schemeClr val="accent1"/>
+              </a:effectRef>
+              <a:fontRef idx="minor">
+                <a:schemeClr val="lt1"/>
+              </a:fontRef>
+            </p:style>
+            <p:txBody>
+              <a:bodyPr rtlCol="0" anchor="ctr"/>
+              <a:lstStyle/>
+              <a:p>
+                <a:pPr algn="ctr"/>
+                <a:endParaRPr lang="zh-CN" altLang="en-US"/>
+              </a:p>
+            </p:txBody>
+          </p:sp>
+          <p:sp>
+            <p:nvSpPr>
+              <p:cNvPr id="88" name="等腰三角形 87">
+                <a:extLst>
+                  <a:ext uri="{FF2B5EF4-FFF2-40B4-BE49-F238E27FC236}">
+                    <a16:creationId xmlns:a16="http://schemas.microsoft.com/office/drawing/2014/main" id="{0B5CF16C-9A49-49C1-820C-ED79EBFCBCFB}"/>
+                  </a:ext>
+                </a:extLst>
+              </p:cNvPr>
+              <p:cNvSpPr/>
+              <p:nvPr/>
+            </p:nvSpPr>
+            <p:spPr>
+              <a:xfrm rot="5400000">
+                <a:off x="4693884" y="1626106"/>
+                <a:ext cx="701050" cy="340444"/>
+              </a:xfrm>
+              <a:prstGeom prst="triangle">
+                <a:avLst>
+                  <a:gd name="adj" fmla="val 47430"/>
+                </a:avLst>
+              </a:prstGeom>
+              <a:solidFill>
+                <a:schemeClr val="bg1"/>
+              </a:solidFill>
+              <a:ln>
+                <a:noFill/>
+              </a:ln>
+            </p:spPr>
+            <p:style>
+              <a:lnRef idx="2">
+                <a:schemeClr val="accent1">
+                  <a:shade val="50000"/>
+                </a:schemeClr>
+              </a:lnRef>
+              <a:fillRef idx="1">
+                <a:schemeClr val="accent1"/>
+              </a:fillRef>
+              <a:effectRef idx="0">
+                <a:schemeClr val="accent1"/>
+              </a:effectRef>
+              <a:fontRef idx="minor">
+                <a:schemeClr val="lt1"/>
+              </a:fontRef>
+            </p:style>
+            <p:txBody>
+              <a:bodyPr rtlCol="0" anchor="ctr"/>
+              <a:lstStyle/>
+              <a:p>
+                <a:pPr algn="ctr"/>
+                <a:endParaRPr lang="zh-CN" altLang="en-US"/>
+              </a:p>
+            </p:txBody>
+          </p:sp>
+          <p:sp>
+            <p:nvSpPr>
+              <p:cNvPr id="89" name="等腰三角形 88">
+                <a:extLst>
+                  <a:ext uri="{FF2B5EF4-FFF2-40B4-BE49-F238E27FC236}">
+                    <a16:creationId xmlns:a16="http://schemas.microsoft.com/office/drawing/2014/main" id="{AC8CD51A-0134-4408-8CB0-ACF1A75A7DAC}"/>
+                  </a:ext>
+                </a:extLst>
+              </p:cNvPr>
+              <p:cNvSpPr/>
+              <p:nvPr/>
+            </p:nvSpPr>
+            <p:spPr>
+              <a:xfrm rot="16200000">
+                <a:off x="5055731" y="1943873"/>
+                <a:ext cx="701045" cy="340442"/>
+              </a:xfrm>
+              <a:prstGeom prst="triangle">
+                <a:avLst>
+                  <a:gd name="adj" fmla="val 47430"/>
+                </a:avLst>
+              </a:prstGeom>
+              <a:solidFill>
+                <a:schemeClr val="bg1"/>
+              </a:solidFill>
+              <a:ln>
+                <a:noFill/>
+              </a:ln>
+            </p:spPr>
+            <p:style>
+              <a:lnRef idx="2">
+                <a:schemeClr val="accent1">
+                  <a:shade val="50000"/>
+                </a:schemeClr>
+              </a:lnRef>
+              <a:fillRef idx="1">
+                <a:schemeClr val="accent1"/>
+              </a:fillRef>
+              <a:effectRef idx="0">
+                <a:schemeClr val="accent1"/>
+              </a:effectRef>
+              <a:fontRef idx="minor">
+                <a:schemeClr val="lt1"/>
+              </a:fontRef>
+            </p:style>
+            <p:txBody>
+              <a:bodyPr rtlCol="0" anchor="ctr"/>
+              <a:lstStyle/>
+              <a:p>
+                <a:pPr algn="ctr"/>
+                <a:endParaRPr lang="zh-CN" altLang="en-US"/>
+              </a:p>
+            </p:txBody>
+          </p:sp>
+          <p:sp>
+            <p:nvSpPr>
+              <p:cNvPr id="90" name="等腰三角形 89">
+                <a:extLst>
+                  <a:ext uri="{FF2B5EF4-FFF2-40B4-BE49-F238E27FC236}">
+                    <a16:creationId xmlns:a16="http://schemas.microsoft.com/office/drawing/2014/main" id="{6F940B72-D15F-490E-8EAB-12F6FA0EB653}"/>
+                  </a:ext>
+                </a:extLst>
+              </p:cNvPr>
+              <p:cNvSpPr/>
+              <p:nvPr/>
+            </p:nvSpPr>
+            <p:spPr>
+              <a:xfrm rot="16200000">
+                <a:off x="5059596" y="2654475"/>
+                <a:ext cx="701045" cy="340442"/>
+              </a:xfrm>
+              <a:prstGeom prst="triangle">
+                <a:avLst>
+                  <a:gd name="adj" fmla="val 47430"/>
+                </a:avLst>
+              </a:prstGeom>
+              <a:solidFill>
+                <a:schemeClr val="bg1"/>
+              </a:solidFill>
+              <a:ln>
+                <a:noFill/>
+              </a:ln>
+            </p:spPr>
+            <p:style>
+              <a:lnRef idx="2">
+                <a:schemeClr val="accent1">
+                  <a:shade val="50000"/>
+                </a:schemeClr>
+              </a:lnRef>
+              <a:fillRef idx="1">
+                <a:schemeClr val="accent1"/>
+              </a:fillRef>
+              <a:effectRef idx="0">
+                <a:schemeClr val="accent1"/>
+              </a:effectRef>
+              <a:fontRef idx="minor">
+                <a:schemeClr val="lt1"/>
+              </a:fontRef>
+            </p:style>
+            <p:txBody>
+              <a:bodyPr rtlCol="0" anchor="ctr"/>
+              <a:lstStyle/>
+              <a:p>
+                <a:pPr algn="ctr"/>
+                <a:endParaRPr lang="zh-CN" altLang="en-US"/>
+              </a:p>
+            </p:txBody>
+          </p:sp>
+          <p:sp>
+            <p:nvSpPr>
+              <p:cNvPr id="91" name="等腰三角形 90">
+                <a:extLst>
+                  <a:ext uri="{FF2B5EF4-FFF2-40B4-BE49-F238E27FC236}">
+                    <a16:creationId xmlns:a16="http://schemas.microsoft.com/office/drawing/2014/main" id="{98B62A5F-B9DF-4B7F-8E0E-F9260244CBDF}"/>
+                  </a:ext>
+                </a:extLst>
+              </p:cNvPr>
+              <p:cNvSpPr/>
+              <p:nvPr/>
+            </p:nvSpPr>
+            <p:spPr>
+              <a:xfrm rot="16200000">
+                <a:off x="5071961" y="1242827"/>
+                <a:ext cx="701045" cy="340442"/>
+              </a:xfrm>
+              <a:prstGeom prst="triangle">
+                <a:avLst>
+                  <a:gd name="adj" fmla="val 47430"/>
+                </a:avLst>
+              </a:prstGeom>
+              <a:solidFill>
+                <a:schemeClr val="bg1"/>
+              </a:solidFill>
+              <a:ln>
+                <a:noFill/>
+              </a:ln>
+            </p:spPr>
+            <p:style>
+              <a:lnRef idx="2">
+                <a:schemeClr val="accent1">
+                  <a:shade val="50000"/>
+                </a:schemeClr>
+              </a:lnRef>
+              <a:fillRef idx="1">
+                <a:schemeClr val="accent1"/>
+              </a:fillRef>
+              <a:effectRef idx="0">
+                <a:schemeClr val="accent1"/>
+              </a:effectRef>
+              <a:fontRef idx="minor">
+                <a:schemeClr val="lt1"/>
+              </a:fontRef>
+            </p:style>
+            <p:txBody>
+              <a:bodyPr rtlCol="0" anchor="ctr"/>
+              <a:lstStyle/>
+              <a:p>
+                <a:pPr algn="ctr"/>
+                <a:endParaRPr lang="zh-CN" altLang="en-US"/>
+              </a:p>
+            </p:txBody>
+          </p:sp>
+        </p:grpSp>
+        <p:grpSp>
+          <p:nvGrpSpPr>
+            <p:cNvPr id="92" name="组合 91">
+              <a:extLst>
+                <a:ext uri="{FF2B5EF4-FFF2-40B4-BE49-F238E27FC236}">
+                  <a16:creationId xmlns:a16="http://schemas.microsoft.com/office/drawing/2014/main" id="{79A98044-7264-4416-9E93-BA7ED2C0755C}"/>
+                </a:ext>
+              </a:extLst>
+            </p:cNvPr>
+            <p:cNvGrpSpPr/>
+            <p:nvPr/>
+          </p:nvGrpSpPr>
+          <p:grpSpPr>
+            <a:xfrm>
+              <a:off x="5674573" y="1566755"/>
+              <a:ext cx="348311" cy="1024155"/>
+              <a:chOff x="4874187" y="1062525"/>
+              <a:chExt cx="718518" cy="2112693"/>
+            </a:xfrm>
+          </p:grpSpPr>
+          <p:sp>
+            <p:nvSpPr>
+              <p:cNvPr id="93" name="矩形 92">
+                <a:extLst>
+                  <a:ext uri="{FF2B5EF4-FFF2-40B4-BE49-F238E27FC236}">
+                    <a16:creationId xmlns:a16="http://schemas.microsoft.com/office/drawing/2014/main" id="{4BB294F6-A101-4F25-AC02-4024AC5554E4}"/>
+                  </a:ext>
+                </a:extLst>
+              </p:cNvPr>
+              <p:cNvSpPr/>
+              <p:nvPr/>
+            </p:nvSpPr>
+            <p:spPr>
+              <a:xfrm>
+                <a:off x="4874189" y="1445802"/>
+                <a:ext cx="697114" cy="1369337"/>
+              </a:xfrm>
+              <a:prstGeom prst="rect">
+                <a:avLst/>
+              </a:prstGeom>
+              <a:solidFill>
+                <a:schemeClr val="bg1">
+                  <a:lumMod val="65000"/>
+                </a:schemeClr>
+              </a:solidFill>
+              <a:ln>
+                <a:noFill/>
+              </a:ln>
+            </p:spPr>
+            <p:style>
+              <a:lnRef idx="2">
+                <a:schemeClr val="accent1">
+                  <a:shade val="50000"/>
+                </a:schemeClr>
+              </a:lnRef>
+              <a:fillRef idx="1">
+                <a:schemeClr val="accent1"/>
+              </a:fillRef>
+              <a:effectRef idx="0">
+                <a:schemeClr val="accent1"/>
+              </a:effectRef>
+              <a:fontRef idx="minor">
+                <a:schemeClr val="lt1"/>
+              </a:fontRef>
+            </p:style>
+            <p:txBody>
+              <a:bodyPr rtlCol="0" anchor="ctr"/>
+              <a:lstStyle/>
+              <a:p>
+                <a:pPr algn="ctr"/>
+                <a:endParaRPr lang="zh-CN" altLang="en-US"/>
+              </a:p>
+            </p:txBody>
+          </p:sp>
+          <p:sp>
+            <p:nvSpPr>
+              <p:cNvPr id="94" name="等腰三角形 93">
+                <a:extLst>
+                  <a:ext uri="{FF2B5EF4-FFF2-40B4-BE49-F238E27FC236}">
+                    <a16:creationId xmlns:a16="http://schemas.microsoft.com/office/drawing/2014/main" id="{FA136FF4-29C7-4B80-92B8-202DE122E30A}"/>
+                  </a:ext>
+                </a:extLst>
+              </p:cNvPr>
+              <p:cNvSpPr/>
+              <p:nvPr/>
+            </p:nvSpPr>
+            <p:spPr>
+              <a:xfrm rot="5400000">
+                <a:off x="4693887" y="2294397"/>
+                <a:ext cx="701045" cy="340442"/>
+              </a:xfrm>
+              <a:prstGeom prst="triangle">
+                <a:avLst>
+                  <a:gd name="adj" fmla="val 47430"/>
+                </a:avLst>
+              </a:prstGeom>
+              <a:solidFill>
+                <a:schemeClr val="bg1"/>
+              </a:solidFill>
+              <a:ln>
+                <a:noFill/>
+              </a:ln>
+            </p:spPr>
+            <p:style>
+              <a:lnRef idx="2">
+                <a:schemeClr val="accent1">
+                  <a:shade val="50000"/>
+                </a:schemeClr>
+              </a:lnRef>
+              <a:fillRef idx="1">
+                <a:schemeClr val="accent1"/>
+              </a:fillRef>
+              <a:effectRef idx="0">
+                <a:schemeClr val="accent1"/>
+              </a:effectRef>
+              <a:fontRef idx="minor">
+                <a:schemeClr val="lt1"/>
+              </a:fontRef>
+            </p:style>
+            <p:txBody>
+              <a:bodyPr rtlCol="0" anchor="ctr"/>
+              <a:lstStyle/>
+              <a:p>
+                <a:pPr algn="ctr"/>
+                <a:endParaRPr lang="zh-CN" altLang="en-US"/>
+              </a:p>
+            </p:txBody>
+          </p:sp>
+          <p:sp>
+            <p:nvSpPr>
+              <p:cNvPr id="95" name="等腰三角形 94">
+                <a:extLst>
+                  <a:ext uri="{FF2B5EF4-FFF2-40B4-BE49-F238E27FC236}">
+                    <a16:creationId xmlns:a16="http://schemas.microsoft.com/office/drawing/2014/main" id="{8D65743B-0047-4189-8FF1-D285DD052AB9}"/>
+                  </a:ext>
+                </a:extLst>
+              </p:cNvPr>
+              <p:cNvSpPr/>
+              <p:nvPr/>
+            </p:nvSpPr>
+            <p:spPr>
+              <a:xfrm rot="5400000">
+                <a:off x="4693884" y="1626106"/>
+                <a:ext cx="701050" cy="340444"/>
+              </a:xfrm>
+              <a:prstGeom prst="triangle">
+                <a:avLst>
+                  <a:gd name="adj" fmla="val 47430"/>
+                </a:avLst>
+              </a:prstGeom>
+              <a:solidFill>
+                <a:schemeClr val="bg1"/>
+              </a:solidFill>
+              <a:ln>
+                <a:noFill/>
+              </a:ln>
+            </p:spPr>
+            <p:style>
+              <a:lnRef idx="2">
+                <a:schemeClr val="accent1">
+                  <a:shade val="50000"/>
+                </a:schemeClr>
+              </a:lnRef>
+              <a:fillRef idx="1">
+                <a:schemeClr val="accent1"/>
+              </a:fillRef>
+              <a:effectRef idx="0">
+                <a:schemeClr val="accent1"/>
+              </a:effectRef>
+              <a:fontRef idx="minor">
+                <a:schemeClr val="lt1"/>
+              </a:fontRef>
+            </p:style>
+            <p:txBody>
+              <a:bodyPr rtlCol="0" anchor="ctr"/>
+              <a:lstStyle/>
+              <a:p>
+                <a:pPr algn="ctr"/>
+                <a:endParaRPr lang="zh-CN" altLang="en-US"/>
+              </a:p>
+            </p:txBody>
+          </p:sp>
+          <p:sp>
+            <p:nvSpPr>
+              <p:cNvPr id="96" name="等腰三角形 95">
+                <a:extLst>
+                  <a:ext uri="{FF2B5EF4-FFF2-40B4-BE49-F238E27FC236}">
+                    <a16:creationId xmlns:a16="http://schemas.microsoft.com/office/drawing/2014/main" id="{D31A4CC7-54C7-4DF6-9AF0-90B1B071A008}"/>
+                  </a:ext>
+                </a:extLst>
+              </p:cNvPr>
+              <p:cNvSpPr/>
+              <p:nvPr/>
+            </p:nvSpPr>
+            <p:spPr>
+              <a:xfrm rot="16200000">
+                <a:off x="5055731" y="1943873"/>
+                <a:ext cx="701045" cy="340442"/>
+              </a:xfrm>
+              <a:prstGeom prst="triangle">
+                <a:avLst>
+                  <a:gd name="adj" fmla="val 47430"/>
+                </a:avLst>
+              </a:prstGeom>
+              <a:solidFill>
+                <a:schemeClr val="bg1"/>
+              </a:solidFill>
+              <a:ln>
+                <a:noFill/>
+              </a:ln>
+            </p:spPr>
+            <p:style>
+              <a:lnRef idx="2">
+                <a:schemeClr val="accent1">
+                  <a:shade val="50000"/>
+                </a:schemeClr>
+              </a:lnRef>
+              <a:fillRef idx="1">
+                <a:schemeClr val="accent1"/>
+              </a:fillRef>
+              <a:effectRef idx="0">
+                <a:schemeClr val="accent1"/>
+              </a:effectRef>
+              <a:fontRef idx="minor">
+                <a:schemeClr val="lt1"/>
+              </a:fontRef>
+            </p:style>
+            <p:txBody>
+              <a:bodyPr rtlCol="0" anchor="ctr"/>
+              <a:lstStyle/>
+              <a:p>
+                <a:pPr algn="ctr"/>
+                <a:endParaRPr lang="zh-CN" altLang="en-US"/>
+              </a:p>
+            </p:txBody>
+          </p:sp>
+          <p:sp>
+            <p:nvSpPr>
+              <p:cNvPr id="97" name="等腰三角形 96">
+                <a:extLst>
+                  <a:ext uri="{FF2B5EF4-FFF2-40B4-BE49-F238E27FC236}">
+                    <a16:creationId xmlns:a16="http://schemas.microsoft.com/office/drawing/2014/main" id="{9AAF87E8-6345-4CA0-A8E9-172E0F2F4962}"/>
+                  </a:ext>
+                </a:extLst>
+              </p:cNvPr>
+              <p:cNvSpPr/>
+              <p:nvPr/>
+            </p:nvSpPr>
+            <p:spPr>
+              <a:xfrm rot="16200000">
+                <a:off x="5059596" y="2654475"/>
+                <a:ext cx="701045" cy="340442"/>
+              </a:xfrm>
+              <a:prstGeom prst="triangle">
+                <a:avLst>
+                  <a:gd name="adj" fmla="val 47430"/>
+                </a:avLst>
+              </a:prstGeom>
+              <a:solidFill>
+                <a:schemeClr val="bg1"/>
+              </a:solidFill>
+              <a:ln>
+                <a:noFill/>
+              </a:ln>
+            </p:spPr>
+            <p:style>
+              <a:lnRef idx="2">
+                <a:schemeClr val="accent1">
+                  <a:shade val="50000"/>
+                </a:schemeClr>
+              </a:lnRef>
+              <a:fillRef idx="1">
+                <a:schemeClr val="accent1"/>
+              </a:fillRef>
+              <a:effectRef idx="0">
+                <a:schemeClr val="accent1"/>
+              </a:effectRef>
+              <a:fontRef idx="minor">
+                <a:schemeClr val="lt1"/>
+              </a:fontRef>
+            </p:style>
+            <p:txBody>
+              <a:bodyPr rtlCol="0" anchor="ctr"/>
+              <a:lstStyle/>
+              <a:p>
+                <a:pPr algn="ctr"/>
+                <a:endParaRPr lang="zh-CN" altLang="en-US"/>
+              </a:p>
+            </p:txBody>
+          </p:sp>
+          <p:sp>
+            <p:nvSpPr>
+              <p:cNvPr id="98" name="等腰三角形 97">
+                <a:extLst>
+                  <a:ext uri="{FF2B5EF4-FFF2-40B4-BE49-F238E27FC236}">
+                    <a16:creationId xmlns:a16="http://schemas.microsoft.com/office/drawing/2014/main" id="{0013176D-BC41-4B0E-8814-3F911CC88F7D}"/>
+                  </a:ext>
+                </a:extLst>
+              </p:cNvPr>
+              <p:cNvSpPr/>
+              <p:nvPr/>
+            </p:nvSpPr>
+            <p:spPr>
+              <a:xfrm rot="16200000">
+                <a:off x="5071961" y="1242827"/>
+                <a:ext cx="701045" cy="340442"/>
+              </a:xfrm>
+              <a:prstGeom prst="triangle">
+                <a:avLst>
+                  <a:gd name="adj" fmla="val 47430"/>
+                </a:avLst>
+              </a:prstGeom>
+              <a:solidFill>
+                <a:schemeClr val="bg1"/>
+              </a:solidFill>
+              <a:ln>
+                <a:noFill/>
+              </a:ln>
+            </p:spPr>
+            <p:style>
+              <a:lnRef idx="2">
+                <a:schemeClr val="accent1">
+                  <a:shade val="50000"/>
+                </a:schemeClr>
+              </a:lnRef>
+              <a:fillRef idx="1">
+                <a:schemeClr val="accent1"/>
+              </a:fillRef>
+              <a:effectRef idx="0">
+                <a:schemeClr val="accent1"/>
+              </a:effectRef>
+              <a:fontRef idx="minor">
+                <a:schemeClr val="lt1"/>
+              </a:fontRef>
+            </p:style>
+            <p:txBody>
+              <a:bodyPr rtlCol="0" anchor="ctr"/>
+              <a:lstStyle/>
+              <a:p>
+                <a:pPr algn="ctr"/>
+                <a:endParaRPr lang="zh-CN" altLang="en-US"/>
+              </a:p>
+            </p:txBody>
+          </p:sp>
+        </p:grpSp>
+        <p:grpSp>
+          <p:nvGrpSpPr>
+            <p:cNvPr id="99" name="组合 98">
+              <a:extLst>
+                <a:ext uri="{FF2B5EF4-FFF2-40B4-BE49-F238E27FC236}">
+                  <a16:creationId xmlns:a16="http://schemas.microsoft.com/office/drawing/2014/main" id="{7E0506AD-7EE6-42C6-B0F9-22AD60CAB49C}"/>
+                </a:ext>
+              </a:extLst>
+            </p:cNvPr>
+            <p:cNvGrpSpPr/>
+            <p:nvPr/>
+          </p:nvGrpSpPr>
+          <p:grpSpPr>
+            <a:xfrm>
+              <a:off x="6018464" y="1566755"/>
+              <a:ext cx="348311" cy="1024155"/>
+              <a:chOff x="4874187" y="1062525"/>
+              <a:chExt cx="718518" cy="2112693"/>
+            </a:xfrm>
+          </p:grpSpPr>
+          <p:sp>
+            <p:nvSpPr>
+              <p:cNvPr id="100" name="矩形 99">
+                <a:extLst>
+                  <a:ext uri="{FF2B5EF4-FFF2-40B4-BE49-F238E27FC236}">
+                    <a16:creationId xmlns:a16="http://schemas.microsoft.com/office/drawing/2014/main" id="{FF28879D-A771-4BB0-9589-74CFE2B0D315}"/>
+                  </a:ext>
+                </a:extLst>
+              </p:cNvPr>
+              <p:cNvSpPr/>
+              <p:nvPr/>
+            </p:nvSpPr>
+            <p:spPr>
+              <a:xfrm>
+                <a:off x="4874189" y="1445802"/>
+                <a:ext cx="697114" cy="1369337"/>
+              </a:xfrm>
+              <a:prstGeom prst="rect">
+                <a:avLst/>
+              </a:prstGeom>
+              <a:solidFill>
+                <a:schemeClr val="bg1">
+                  <a:lumMod val="65000"/>
+                </a:schemeClr>
+              </a:solidFill>
+              <a:ln>
+                <a:noFill/>
+              </a:ln>
+            </p:spPr>
+            <p:style>
+              <a:lnRef idx="2">
+                <a:schemeClr val="accent1">
+                  <a:shade val="50000"/>
+                </a:schemeClr>
+              </a:lnRef>
+              <a:fillRef idx="1">
+                <a:schemeClr val="accent1"/>
+              </a:fillRef>
+              <a:effectRef idx="0">
+                <a:schemeClr val="accent1"/>
+              </a:effectRef>
+              <a:fontRef idx="minor">
+                <a:schemeClr val="lt1"/>
+              </a:fontRef>
+            </p:style>
+            <p:txBody>
+              <a:bodyPr rtlCol="0" anchor="ctr"/>
+              <a:lstStyle/>
+              <a:p>
+                <a:pPr algn="ctr"/>
+                <a:endParaRPr lang="zh-CN" altLang="en-US"/>
+              </a:p>
+            </p:txBody>
+          </p:sp>
+          <p:sp>
+            <p:nvSpPr>
+              <p:cNvPr id="101" name="等腰三角形 100">
+                <a:extLst>
+                  <a:ext uri="{FF2B5EF4-FFF2-40B4-BE49-F238E27FC236}">
+                    <a16:creationId xmlns:a16="http://schemas.microsoft.com/office/drawing/2014/main" id="{2FE70C5A-F688-496E-A33F-4DC5A6ADBCAA}"/>
+                  </a:ext>
+                </a:extLst>
+              </p:cNvPr>
+              <p:cNvSpPr/>
+              <p:nvPr/>
+            </p:nvSpPr>
+            <p:spPr>
+              <a:xfrm rot="5400000">
+                <a:off x="4693887" y="2294397"/>
+                <a:ext cx="701045" cy="340442"/>
+              </a:xfrm>
+              <a:prstGeom prst="triangle">
+                <a:avLst>
+                  <a:gd name="adj" fmla="val 47430"/>
+                </a:avLst>
+              </a:prstGeom>
+              <a:solidFill>
+                <a:schemeClr val="bg1"/>
+              </a:solidFill>
+              <a:ln>
+                <a:noFill/>
+              </a:ln>
+            </p:spPr>
+            <p:style>
+              <a:lnRef idx="2">
+                <a:schemeClr val="accent1">
+                  <a:shade val="50000"/>
+                </a:schemeClr>
+              </a:lnRef>
+              <a:fillRef idx="1">
+                <a:schemeClr val="accent1"/>
+              </a:fillRef>
+              <a:effectRef idx="0">
+                <a:schemeClr val="accent1"/>
+              </a:effectRef>
+              <a:fontRef idx="minor">
+                <a:schemeClr val="lt1"/>
+              </a:fontRef>
+            </p:style>
+            <p:txBody>
+              <a:bodyPr rtlCol="0" anchor="ctr"/>
+              <a:lstStyle/>
+              <a:p>
+                <a:pPr algn="ctr"/>
+                <a:endParaRPr lang="zh-CN" altLang="en-US"/>
+              </a:p>
+            </p:txBody>
+          </p:sp>
+          <p:sp>
+            <p:nvSpPr>
+              <p:cNvPr id="102" name="等腰三角形 101">
+                <a:extLst>
+                  <a:ext uri="{FF2B5EF4-FFF2-40B4-BE49-F238E27FC236}">
+                    <a16:creationId xmlns:a16="http://schemas.microsoft.com/office/drawing/2014/main" id="{AC0B556C-2BF6-41E9-B5B7-A7326C43A2D4}"/>
+                  </a:ext>
+                </a:extLst>
+              </p:cNvPr>
+              <p:cNvSpPr/>
+              <p:nvPr/>
+            </p:nvSpPr>
+            <p:spPr>
+              <a:xfrm rot="5400000">
+                <a:off x="4693884" y="1626106"/>
+                <a:ext cx="701050" cy="340444"/>
+              </a:xfrm>
+              <a:prstGeom prst="triangle">
+                <a:avLst>
+                  <a:gd name="adj" fmla="val 47430"/>
+                </a:avLst>
+              </a:prstGeom>
+              <a:solidFill>
+                <a:schemeClr val="bg1"/>
+              </a:solidFill>
+              <a:ln>
+                <a:noFill/>
+              </a:ln>
+            </p:spPr>
+            <p:style>
+              <a:lnRef idx="2">
+                <a:schemeClr val="accent1">
+                  <a:shade val="50000"/>
+                </a:schemeClr>
+              </a:lnRef>
+              <a:fillRef idx="1">
+                <a:schemeClr val="accent1"/>
+              </a:fillRef>
+              <a:effectRef idx="0">
+                <a:schemeClr val="accent1"/>
+              </a:effectRef>
+              <a:fontRef idx="minor">
+                <a:schemeClr val="lt1"/>
+              </a:fontRef>
+            </p:style>
+            <p:txBody>
+              <a:bodyPr rtlCol="0" anchor="ctr"/>
+              <a:lstStyle/>
+              <a:p>
+                <a:pPr algn="ctr"/>
+                <a:endParaRPr lang="zh-CN" altLang="en-US"/>
+              </a:p>
+            </p:txBody>
+          </p:sp>
+          <p:sp>
+            <p:nvSpPr>
+              <p:cNvPr id="103" name="等腰三角形 102">
+                <a:extLst>
+                  <a:ext uri="{FF2B5EF4-FFF2-40B4-BE49-F238E27FC236}">
+                    <a16:creationId xmlns:a16="http://schemas.microsoft.com/office/drawing/2014/main" id="{64B3CEBE-4297-4E13-B14B-C324B64EE07D}"/>
+                  </a:ext>
+                </a:extLst>
+              </p:cNvPr>
+              <p:cNvSpPr/>
+              <p:nvPr/>
+            </p:nvSpPr>
+            <p:spPr>
+              <a:xfrm rot="16200000">
+                <a:off x="5055731" y="1943873"/>
+                <a:ext cx="701045" cy="340442"/>
+              </a:xfrm>
+              <a:prstGeom prst="triangle">
+                <a:avLst>
+                  <a:gd name="adj" fmla="val 47430"/>
+                </a:avLst>
+              </a:prstGeom>
+              <a:solidFill>
+                <a:schemeClr val="bg1"/>
+              </a:solidFill>
+              <a:ln>
+                <a:noFill/>
+              </a:ln>
+            </p:spPr>
+            <p:style>
+              <a:lnRef idx="2">
+                <a:schemeClr val="accent1">
+                  <a:shade val="50000"/>
+                </a:schemeClr>
+              </a:lnRef>
+              <a:fillRef idx="1">
+                <a:schemeClr val="accent1"/>
+              </a:fillRef>
+              <a:effectRef idx="0">
+                <a:schemeClr val="accent1"/>
+              </a:effectRef>
+              <a:fontRef idx="minor">
+                <a:schemeClr val="lt1"/>
+              </a:fontRef>
+            </p:style>
+            <p:txBody>
+              <a:bodyPr rtlCol="0" anchor="ctr"/>
+              <a:lstStyle/>
+              <a:p>
+                <a:pPr algn="ctr"/>
+                <a:endParaRPr lang="zh-CN" altLang="en-US"/>
+              </a:p>
+            </p:txBody>
+          </p:sp>
+          <p:sp>
+            <p:nvSpPr>
+              <p:cNvPr id="104" name="等腰三角形 103">
+                <a:extLst>
+                  <a:ext uri="{FF2B5EF4-FFF2-40B4-BE49-F238E27FC236}">
+                    <a16:creationId xmlns:a16="http://schemas.microsoft.com/office/drawing/2014/main" id="{5944EE7D-F503-4CB1-ADE7-752C1C96E60F}"/>
+                  </a:ext>
+                </a:extLst>
+              </p:cNvPr>
+              <p:cNvSpPr/>
+              <p:nvPr/>
+            </p:nvSpPr>
+            <p:spPr>
+              <a:xfrm rot="16200000">
+                <a:off x="5059596" y="2654475"/>
+                <a:ext cx="701045" cy="340442"/>
+              </a:xfrm>
+              <a:prstGeom prst="triangle">
+                <a:avLst>
+                  <a:gd name="adj" fmla="val 47430"/>
+                </a:avLst>
+              </a:prstGeom>
+              <a:solidFill>
+                <a:schemeClr val="bg1"/>
+              </a:solidFill>
+              <a:ln>
+                <a:noFill/>
+              </a:ln>
+            </p:spPr>
+            <p:style>
+              <a:lnRef idx="2">
+                <a:schemeClr val="accent1">
+                  <a:shade val="50000"/>
+                </a:schemeClr>
+              </a:lnRef>
+              <a:fillRef idx="1">
+                <a:schemeClr val="accent1"/>
+              </a:fillRef>
+              <a:effectRef idx="0">
+                <a:schemeClr val="accent1"/>
+              </a:effectRef>
+              <a:fontRef idx="minor">
+                <a:schemeClr val="lt1"/>
+              </a:fontRef>
+            </p:style>
+            <p:txBody>
+              <a:bodyPr rtlCol="0" anchor="ctr"/>
+              <a:lstStyle/>
+              <a:p>
+                <a:pPr algn="ctr"/>
+                <a:endParaRPr lang="zh-CN" altLang="en-US"/>
+              </a:p>
+            </p:txBody>
+          </p:sp>
+          <p:sp>
+            <p:nvSpPr>
+              <p:cNvPr id="105" name="等腰三角形 104">
+                <a:extLst>
+                  <a:ext uri="{FF2B5EF4-FFF2-40B4-BE49-F238E27FC236}">
+                    <a16:creationId xmlns:a16="http://schemas.microsoft.com/office/drawing/2014/main" id="{291DA644-9241-49A4-BC71-4987F13A8A04}"/>
+                  </a:ext>
+                </a:extLst>
+              </p:cNvPr>
+              <p:cNvSpPr/>
+              <p:nvPr/>
+            </p:nvSpPr>
+            <p:spPr>
+              <a:xfrm rot="16200000">
+                <a:off x="5071961" y="1242827"/>
+                <a:ext cx="701045" cy="340442"/>
+              </a:xfrm>
+              <a:prstGeom prst="triangle">
+                <a:avLst>
+                  <a:gd name="adj" fmla="val 47430"/>
+                </a:avLst>
+              </a:prstGeom>
+              <a:solidFill>
+                <a:schemeClr val="bg1"/>
+              </a:solidFill>
+              <a:ln>
+                <a:noFill/>
+              </a:ln>
+            </p:spPr>
+            <p:style>
+              <a:lnRef idx="2">
+                <a:schemeClr val="accent1">
+                  <a:shade val="50000"/>
+                </a:schemeClr>
+              </a:lnRef>
+              <a:fillRef idx="1">
+                <a:schemeClr val="accent1"/>
+              </a:fillRef>
+              <a:effectRef idx="0">
+                <a:schemeClr val="accent1"/>
+              </a:effectRef>
+              <a:fontRef idx="minor">
+                <a:schemeClr val="lt1"/>
+              </a:fontRef>
+            </p:style>
+            <p:txBody>
+              <a:bodyPr rtlCol="0" anchor="ctr"/>
+              <a:lstStyle/>
+              <a:p>
+                <a:pPr algn="ctr"/>
+                <a:endParaRPr lang="zh-CN" altLang="en-US"/>
+              </a:p>
+            </p:txBody>
+          </p:sp>
+        </p:grpSp>
+        <p:grpSp>
+          <p:nvGrpSpPr>
+            <p:cNvPr id="106" name="组合 105">
+              <a:extLst>
+                <a:ext uri="{FF2B5EF4-FFF2-40B4-BE49-F238E27FC236}">
+                  <a16:creationId xmlns:a16="http://schemas.microsoft.com/office/drawing/2014/main" id="{654BBF24-59CC-4F14-9761-9EC6F379609E}"/>
+                </a:ext>
+              </a:extLst>
+            </p:cNvPr>
+            <p:cNvGrpSpPr/>
+            <p:nvPr/>
+          </p:nvGrpSpPr>
+          <p:grpSpPr>
+            <a:xfrm>
+              <a:off x="6366774" y="1566755"/>
+              <a:ext cx="348311" cy="1024155"/>
+              <a:chOff x="4874187" y="1062525"/>
+              <a:chExt cx="718518" cy="2112693"/>
+            </a:xfrm>
+          </p:grpSpPr>
+          <p:sp>
+            <p:nvSpPr>
+              <p:cNvPr id="107" name="矩形 106">
+                <a:extLst>
+                  <a:ext uri="{FF2B5EF4-FFF2-40B4-BE49-F238E27FC236}">
+                    <a16:creationId xmlns:a16="http://schemas.microsoft.com/office/drawing/2014/main" id="{A96C057D-A2F6-465A-B519-01D02EC15E41}"/>
+                  </a:ext>
+                </a:extLst>
+              </p:cNvPr>
+              <p:cNvSpPr/>
+              <p:nvPr/>
+            </p:nvSpPr>
+            <p:spPr>
+              <a:xfrm>
+                <a:off x="4874189" y="1445802"/>
+                <a:ext cx="697114" cy="1369337"/>
+              </a:xfrm>
+              <a:prstGeom prst="rect">
+                <a:avLst/>
+              </a:prstGeom>
+              <a:solidFill>
+                <a:schemeClr val="bg1">
+                  <a:lumMod val="65000"/>
+                </a:schemeClr>
+              </a:solidFill>
+              <a:ln>
+                <a:noFill/>
+              </a:ln>
+            </p:spPr>
+            <p:style>
+              <a:lnRef idx="2">
+                <a:schemeClr val="accent1">
+                  <a:shade val="50000"/>
+                </a:schemeClr>
+              </a:lnRef>
+              <a:fillRef idx="1">
+                <a:schemeClr val="accent1"/>
+              </a:fillRef>
+              <a:effectRef idx="0">
+                <a:schemeClr val="accent1"/>
+              </a:effectRef>
+              <a:fontRef idx="minor">
+                <a:schemeClr val="lt1"/>
+              </a:fontRef>
+            </p:style>
+            <p:txBody>
+              <a:bodyPr rtlCol="0" anchor="ctr"/>
+              <a:lstStyle/>
+              <a:p>
+                <a:pPr algn="ctr"/>
+                <a:endParaRPr lang="zh-CN" altLang="en-US"/>
+              </a:p>
+            </p:txBody>
+          </p:sp>
+          <p:sp>
+            <p:nvSpPr>
+              <p:cNvPr id="108" name="等腰三角形 107">
+                <a:extLst>
+                  <a:ext uri="{FF2B5EF4-FFF2-40B4-BE49-F238E27FC236}">
+                    <a16:creationId xmlns:a16="http://schemas.microsoft.com/office/drawing/2014/main" id="{107B2B18-405D-423D-89A3-A5013F1C9C5E}"/>
+                  </a:ext>
+                </a:extLst>
+              </p:cNvPr>
+              <p:cNvSpPr/>
+              <p:nvPr/>
+            </p:nvSpPr>
+            <p:spPr>
+              <a:xfrm rot="5400000">
+                <a:off x="4693887" y="2294397"/>
+                <a:ext cx="701045" cy="340442"/>
+              </a:xfrm>
+              <a:prstGeom prst="triangle">
+                <a:avLst>
+                  <a:gd name="adj" fmla="val 47430"/>
+                </a:avLst>
+              </a:prstGeom>
+              <a:solidFill>
+                <a:schemeClr val="bg1"/>
+              </a:solidFill>
+              <a:ln>
+                <a:noFill/>
+              </a:ln>
+            </p:spPr>
+            <p:style>
+              <a:lnRef idx="2">
+                <a:schemeClr val="accent1">
+                  <a:shade val="50000"/>
+                </a:schemeClr>
+              </a:lnRef>
+              <a:fillRef idx="1">
+                <a:schemeClr val="accent1"/>
+              </a:fillRef>
+              <a:effectRef idx="0">
+                <a:schemeClr val="accent1"/>
+              </a:effectRef>
+              <a:fontRef idx="minor">
+                <a:schemeClr val="lt1"/>
+              </a:fontRef>
+            </p:style>
+            <p:txBody>
+              <a:bodyPr rtlCol="0" anchor="ctr"/>
+              <a:lstStyle/>
+              <a:p>
+                <a:pPr algn="ctr"/>
+                <a:endParaRPr lang="zh-CN" altLang="en-US"/>
+              </a:p>
+            </p:txBody>
+          </p:sp>
+          <p:sp>
+            <p:nvSpPr>
+              <p:cNvPr id="109" name="等腰三角形 108">
+                <a:extLst>
+                  <a:ext uri="{FF2B5EF4-FFF2-40B4-BE49-F238E27FC236}">
+                    <a16:creationId xmlns:a16="http://schemas.microsoft.com/office/drawing/2014/main" id="{EBEC2C37-3B98-4784-8B2D-965DA12887BE}"/>
+                  </a:ext>
+                </a:extLst>
+              </p:cNvPr>
+              <p:cNvSpPr/>
+              <p:nvPr/>
+            </p:nvSpPr>
+            <p:spPr>
+              <a:xfrm rot="5400000">
+                <a:off x="4693884" y="1626106"/>
+                <a:ext cx="701050" cy="340444"/>
+              </a:xfrm>
+              <a:prstGeom prst="triangle">
+                <a:avLst>
+                  <a:gd name="adj" fmla="val 47430"/>
+                </a:avLst>
+              </a:prstGeom>
+              <a:solidFill>
+                <a:schemeClr val="bg1"/>
+              </a:solidFill>
+              <a:ln>
+                <a:noFill/>
+              </a:ln>
+            </p:spPr>
+            <p:style>
+              <a:lnRef idx="2">
+                <a:schemeClr val="accent1">
+                  <a:shade val="50000"/>
+                </a:schemeClr>
+              </a:lnRef>
+              <a:fillRef idx="1">
+                <a:schemeClr val="accent1"/>
+              </a:fillRef>
+              <a:effectRef idx="0">
+                <a:schemeClr val="accent1"/>
+              </a:effectRef>
+              <a:fontRef idx="minor">
+                <a:schemeClr val="lt1"/>
+              </a:fontRef>
+            </p:style>
+            <p:txBody>
+              <a:bodyPr rtlCol="0" anchor="ctr"/>
+              <a:lstStyle/>
+              <a:p>
+                <a:pPr algn="ctr"/>
+                <a:endParaRPr lang="zh-CN" altLang="en-US"/>
+              </a:p>
+            </p:txBody>
+          </p:sp>
+          <p:sp>
+            <p:nvSpPr>
+              <p:cNvPr id="110" name="等腰三角形 109">
+                <a:extLst>
+                  <a:ext uri="{FF2B5EF4-FFF2-40B4-BE49-F238E27FC236}">
+                    <a16:creationId xmlns:a16="http://schemas.microsoft.com/office/drawing/2014/main" id="{F2AB8E1A-F097-45FA-9EB7-6AD63864D948}"/>
+                  </a:ext>
+                </a:extLst>
+              </p:cNvPr>
+              <p:cNvSpPr/>
+              <p:nvPr/>
+            </p:nvSpPr>
+            <p:spPr>
+              <a:xfrm rot="16200000">
+                <a:off x="5055731" y="1943873"/>
+                <a:ext cx="701045" cy="340442"/>
+              </a:xfrm>
+              <a:prstGeom prst="triangle">
+                <a:avLst>
+                  <a:gd name="adj" fmla="val 47430"/>
+                </a:avLst>
+              </a:prstGeom>
+              <a:solidFill>
+                <a:schemeClr val="bg1"/>
+              </a:solidFill>
+              <a:ln>
+                <a:noFill/>
+              </a:ln>
+            </p:spPr>
+            <p:style>
+              <a:lnRef idx="2">
+                <a:schemeClr val="accent1">
+                  <a:shade val="50000"/>
+                </a:schemeClr>
+              </a:lnRef>
+              <a:fillRef idx="1">
+                <a:schemeClr val="accent1"/>
+              </a:fillRef>
+              <a:effectRef idx="0">
+                <a:schemeClr val="accent1"/>
+              </a:effectRef>
+              <a:fontRef idx="minor">
+                <a:schemeClr val="lt1"/>
+              </a:fontRef>
+            </p:style>
+            <p:txBody>
+              <a:bodyPr rtlCol="0" anchor="ctr"/>
+              <a:lstStyle/>
+              <a:p>
+                <a:pPr algn="ctr"/>
+                <a:endParaRPr lang="zh-CN" altLang="en-US"/>
+              </a:p>
+            </p:txBody>
+          </p:sp>
+          <p:sp>
+            <p:nvSpPr>
+              <p:cNvPr id="111" name="等腰三角形 110">
+                <a:extLst>
+                  <a:ext uri="{FF2B5EF4-FFF2-40B4-BE49-F238E27FC236}">
+                    <a16:creationId xmlns:a16="http://schemas.microsoft.com/office/drawing/2014/main" id="{0CD06283-6F48-4950-A3F1-85076903EEB6}"/>
+                  </a:ext>
+                </a:extLst>
+              </p:cNvPr>
+              <p:cNvSpPr/>
+              <p:nvPr/>
+            </p:nvSpPr>
+            <p:spPr>
+              <a:xfrm rot="16200000">
+                <a:off x="5059596" y="2654475"/>
+                <a:ext cx="701045" cy="340442"/>
+              </a:xfrm>
+              <a:prstGeom prst="triangle">
+                <a:avLst>
+                  <a:gd name="adj" fmla="val 47430"/>
+                </a:avLst>
+              </a:prstGeom>
+              <a:solidFill>
+                <a:schemeClr val="bg1"/>
+              </a:solidFill>
+              <a:ln>
+                <a:noFill/>
+              </a:ln>
+            </p:spPr>
+            <p:style>
+              <a:lnRef idx="2">
+                <a:schemeClr val="accent1">
+                  <a:shade val="50000"/>
+                </a:schemeClr>
+              </a:lnRef>
+              <a:fillRef idx="1">
+                <a:schemeClr val="accent1"/>
+              </a:fillRef>
+              <a:effectRef idx="0">
+                <a:schemeClr val="accent1"/>
+              </a:effectRef>
+              <a:fontRef idx="minor">
+                <a:schemeClr val="lt1"/>
+              </a:fontRef>
+            </p:style>
+            <p:txBody>
+              <a:bodyPr rtlCol="0" anchor="ctr"/>
+              <a:lstStyle/>
+              <a:p>
+                <a:pPr algn="ctr"/>
+                <a:endParaRPr lang="zh-CN" altLang="en-US"/>
+              </a:p>
+            </p:txBody>
+          </p:sp>
+          <p:sp>
+            <p:nvSpPr>
+              <p:cNvPr id="112" name="等腰三角形 111">
+                <a:extLst>
+                  <a:ext uri="{FF2B5EF4-FFF2-40B4-BE49-F238E27FC236}">
+                    <a16:creationId xmlns:a16="http://schemas.microsoft.com/office/drawing/2014/main" id="{543F0BD6-5DBD-4231-A1C7-3293A87F953E}"/>
+                  </a:ext>
+                </a:extLst>
+              </p:cNvPr>
+              <p:cNvSpPr/>
+              <p:nvPr/>
+            </p:nvSpPr>
+            <p:spPr>
+              <a:xfrm rot="16200000">
+                <a:off x="5071961" y="1242827"/>
+                <a:ext cx="701045" cy="340442"/>
+              </a:xfrm>
+              <a:prstGeom prst="triangle">
+                <a:avLst>
+                  <a:gd name="adj" fmla="val 47430"/>
+                </a:avLst>
+              </a:prstGeom>
+              <a:solidFill>
+                <a:schemeClr val="bg1"/>
+              </a:solidFill>
+              <a:ln>
+                <a:noFill/>
+              </a:ln>
+            </p:spPr>
+            <p:style>
+              <a:lnRef idx="2">
+                <a:schemeClr val="accent1">
+                  <a:shade val="50000"/>
+                </a:schemeClr>
+              </a:lnRef>
+              <a:fillRef idx="1">
+                <a:schemeClr val="accent1"/>
+              </a:fillRef>
+              <a:effectRef idx="0">
+                <a:schemeClr val="accent1"/>
+              </a:effectRef>
+              <a:fontRef idx="minor">
+                <a:schemeClr val="lt1"/>
+              </a:fontRef>
+            </p:style>
+            <p:txBody>
+              <a:bodyPr rtlCol="0" anchor="ctr"/>
+              <a:lstStyle/>
+              <a:p>
+                <a:pPr algn="ctr"/>
+                <a:endParaRPr lang="zh-CN" altLang="en-US"/>
+              </a:p>
+            </p:txBody>
+          </p:sp>
+        </p:grpSp>
+        <p:grpSp>
+          <p:nvGrpSpPr>
+            <p:cNvPr id="113" name="组合 112">
+              <a:extLst>
+                <a:ext uri="{FF2B5EF4-FFF2-40B4-BE49-F238E27FC236}">
+                  <a16:creationId xmlns:a16="http://schemas.microsoft.com/office/drawing/2014/main" id="{30ECEA4D-EF3D-4191-9F34-277AE6B6E2CA}"/>
+                </a:ext>
+              </a:extLst>
+            </p:cNvPr>
+            <p:cNvGrpSpPr/>
+            <p:nvPr/>
+          </p:nvGrpSpPr>
+          <p:grpSpPr>
+            <a:xfrm>
+              <a:off x="6704955" y="1566755"/>
+              <a:ext cx="348311" cy="1024155"/>
+              <a:chOff x="4874187" y="1062525"/>
+              <a:chExt cx="718518" cy="2112693"/>
+            </a:xfrm>
+          </p:grpSpPr>
+          <p:sp>
+            <p:nvSpPr>
+              <p:cNvPr id="114" name="矩形 113">
+                <a:extLst>
+                  <a:ext uri="{FF2B5EF4-FFF2-40B4-BE49-F238E27FC236}">
+                    <a16:creationId xmlns:a16="http://schemas.microsoft.com/office/drawing/2014/main" id="{3775BEF7-0B48-499F-A928-FD254263B024}"/>
+                  </a:ext>
+                </a:extLst>
+              </p:cNvPr>
+              <p:cNvSpPr/>
+              <p:nvPr/>
+            </p:nvSpPr>
+            <p:spPr>
+              <a:xfrm>
+                <a:off x="4874189" y="1445802"/>
+                <a:ext cx="697114" cy="1369337"/>
+              </a:xfrm>
+              <a:prstGeom prst="rect">
+                <a:avLst/>
+              </a:prstGeom>
+              <a:solidFill>
+                <a:schemeClr val="bg1">
+                  <a:lumMod val="65000"/>
+                </a:schemeClr>
+              </a:solidFill>
+              <a:ln>
+                <a:noFill/>
+              </a:ln>
+            </p:spPr>
+            <p:style>
+              <a:lnRef idx="2">
+                <a:schemeClr val="accent1">
+                  <a:shade val="50000"/>
+                </a:schemeClr>
+              </a:lnRef>
+              <a:fillRef idx="1">
+                <a:schemeClr val="accent1"/>
+              </a:fillRef>
+              <a:effectRef idx="0">
+                <a:schemeClr val="accent1"/>
+              </a:effectRef>
+              <a:fontRef idx="minor">
+                <a:schemeClr val="lt1"/>
+              </a:fontRef>
+            </p:style>
+            <p:txBody>
+              <a:bodyPr rtlCol="0" anchor="ctr"/>
+              <a:lstStyle/>
+              <a:p>
+                <a:pPr algn="ctr"/>
+                <a:endParaRPr lang="zh-CN" altLang="en-US"/>
+              </a:p>
+            </p:txBody>
+          </p:sp>
+          <p:sp>
+            <p:nvSpPr>
+              <p:cNvPr id="115" name="等腰三角形 114">
+                <a:extLst>
+                  <a:ext uri="{FF2B5EF4-FFF2-40B4-BE49-F238E27FC236}">
+                    <a16:creationId xmlns:a16="http://schemas.microsoft.com/office/drawing/2014/main" id="{AD8D5753-01AA-4D4A-9C2F-B5D5C52ABBFA}"/>
+                  </a:ext>
+                </a:extLst>
+              </p:cNvPr>
+              <p:cNvSpPr/>
+              <p:nvPr/>
+            </p:nvSpPr>
+            <p:spPr>
+              <a:xfrm rot="5400000">
+                <a:off x="4693887" y="2294397"/>
+                <a:ext cx="701045" cy="340442"/>
+              </a:xfrm>
+              <a:prstGeom prst="triangle">
+                <a:avLst>
+                  <a:gd name="adj" fmla="val 47430"/>
+                </a:avLst>
+              </a:prstGeom>
+              <a:solidFill>
+                <a:schemeClr val="bg1"/>
+              </a:solidFill>
+              <a:ln>
+                <a:noFill/>
+              </a:ln>
+            </p:spPr>
+            <p:style>
+              <a:lnRef idx="2">
+                <a:schemeClr val="accent1">
+                  <a:shade val="50000"/>
+                </a:schemeClr>
+              </a:lnRef>
+              <a:fillRef idx="1">
+                <a:schemeClr val="accent1"/>
+              </a:fillRef>
+              <a:effectRef idx="0">
+                <a:schemeClr val="accent1"/>
+              </a:effectRef>
+              <a:fontRef idx="minor">
+                <a:schemeClr val="lt1"/>
+              </a:fontRef>
+            </p:style>
+            <p:txBody>
+              <a:bodyPr rtlCol="0" anchor="ctr"/>
+              <a:lstStyle/>
+              <a:p>
+                <a:pPr algn="ctr"/>
+                <a:endParaRPr lang="zh-CN" altLang="en-US"/>
+              </a:p>
+            </p:txBody>
+          </p:sp>
+          <p:sp>
+            <p:nvSpPr>
+              <p:cNvPr id="116" name="等腰三角形 115">
+                <a:extLst>
+                  <a:ext uri="{FF2B5EF4-FFF2-40B4-BE49-F238E27FC236}">
+                    <a16:creationId xmlns:a16="http://schemas.microsoft.com/office/drawing/2014/main" id="{900758A9-2DF4-4025-9E86-2D4A24C54154}"/>
+                  </a:ext>
+                </a:extLst>
+              </p:cNvPr>
+              <p:cNvSpPr/>
+              <p:nvPr/>
+            </p:nvSpPr>
+            <p:spPr>
+              <a:xfrm rot="5400000">
+                <a:off x="4693884" y="1626106"/>
+                <a:ext cx="701050" cy="340444"/>
+              </a:xfrm>
+              <a:prstGeom prst="triangle">
+                <a:avLst>
+                  <a:gd name="adj" fmla="val 47430"/>
+                </a:avLst>
+              </a:prstGeom>
+              <a:solidFill>
+                <a:schemeClr val="bg1"/>
+              </a:solidFill>
+              <a:ln>
+                <a:noFill/>
+              </a:ln>
+            </p:spPr>
+            <p:style>
+              <a:lnRef idx="2">
+                <a:schemeClr val="accent1">
+                  <a:shade val="50000"/>
+                </a:schemeClr>
+              </a:lnRef>
+              <a:fillRef idx="1">
+                <a:schemeClr val="accent1"/>
+              </a:fillRef>
+              <a:effectRef idx="0">
+                <a:schemeClr val="accent1"/>
+              </a:effectRef>
+              <a:fontRef idx="minor">
+                <a:schemeClr val="lt1"/>
+              </a:fontRef>
+            </p:style>
+            <p:txBody>
+              <a:bodyPr rtlCol="0" anchor="ctr"/>
+              <a:lstStyle/>
+              <a:p>
+                <a:pPr algn="ctr"/>
+                <a:endParaRPr lang="zh-CN" altLang="en-US"/>
+              </a:p>
+            </p:txBody>
+          </p:sp>
+          <p:sp>
+            <p:nvSpPr>
+              <p:cNvPr id="117" name="等腰三角形 116">
+                <a:extLst>
+                  <a:ext uri="{FF2B5EF4-FFF2-40B4-BE49-F238E27FC236}">
+                    <a16:creationId xmlns:a16="http://schemas.microsoft.com/office/drawing/2014/main" id="{726112CC-D093-4B56-A94C-D4814B44DCA1}"/>
+                  </a:ext>
+                </a:extLst>
+              </p:cNvPr>
+              <p:cNvSpPr/>
+              <p:nvPr/>
+            </p:nvSpPr>
+            <p:spPr>
+              <a:xfrm rot="16200000">
+                <a:off x="5055731" y="1943873"/>
+                <a:ext cx="701045" cy="340442"/>
+              </a:xfrm>
+              <a:prstGeom prst="triangle">
+                <a:avLst>
+                  <a:gd name="adj" fmla="val 47430"/>
+                </a:avLst>
+              </a:prstGeom>
+              <a:solidFill>
+                <a:schemeClr val="bg1"/>
+              </a:solidFill>
+              <a:ln>
+                <a:noFill/>
+              </a:ln>
+            </p:spPr>
+            <p:style>
+              <a:lnRef idx="2">
+                <a:schemeClr val="accent1">
+                  <a:shade val="50000"/>
+                </a:schemeClr>
+              </a:lnRef>
+              <a:fillRef idx="1">
+                <a:schemeClr val="accent1"/>
+              </a:fillRef>
+              <a:effectRef idx="0">
+                <a:schemeClr val="accent1"/>
+              </a:effectRef>
+              <a:fontRef idx="minor">
+                <a:schemeClr val="lt1"/>
+              </a:fontRef>
+            </p:style>
+            <p:txBody>
+              <a:bodyPr rtlCol="0" anchor="ctr"/>
+              <a:lstStyle/>
+              <a:p>
+                <a:pPr algn="ctr"/>
+                <a:endParaRPr lang="zh-CN" altLang="en-US"/>
+              </a:p>
+            </p:txBody>
+          </p:sp>
+          <p:sp>
+            <p:nvSpPr>
+              <p:cNvPr id="118" name="等腰三角形 117">
+                <a:extLst>
+                  <a:ext uri="{FF2B5EF4-FFF2-40B4-BE49-F238E27FC236}">
+                    <a16:creationId xmlns:a16="http://schemas.microsoft.com/office/drawing/2014/main" id="{4D899654-3E7B-43CB-B579-E070CE9EA87A}"/>
+                  </a:ext>
+                </a:extLst>
+              </p:cNvPr>
+              <p:cNvSpPr/>
+              <p:nvPr/>
+            </p:nvSpPr>
+            <p:spPr>
+              <a:xfrm rot="16200000">
+                <a:off x="5059596" y="2654475"/>
+                <a:ext cx="701045" cy="340442"/>
+              </a:xfrm>
+              <a:prstGeom prst="triangle">
+                <a:avLst>
+                  <a:gd name="adj" fmla="val 47430"/>
+                </a:avLst>
+              </a:prstGeom>
+              <a:solidFill>
+                <a:schemeClr val="bg1"/>
+              </a:solidFill>
+              <a:ln>
+                <a:noFill/>
+              </a:ln>
+            </p:spPr>
+            <p:style>
+              <a:lnRef idx="2">
+                <a:schemeClr val="accent1">
+                  <a:shade val="50000"/>
+                </a:schemeClr>
+              </a:lnRef>
+              <a:fillRef idx="1">
+                <a:schemeClr val="accent1"/>
+              </a:fillRef>
+              <a:effectRef idx="0">
+                <a:schemeClr val="accent1"/>
+              </a:effectRef>
+              <a:fontRef idx="minor">
+                <a:schemeClr val="lt1"/>
+              </a:fontRef>
+            </p:style>
+            <p:txBody>
+              <a:bodyPr rtlCol="0" anchor="ctr"/>
+              <a:lstStyle/>
+              <a:p>
+                <a:pPr algn="ctr"/>
+                <a:endParaRPr lang="zh-CN" altLang="en-US"/>
+              </a:p>
+            </p:txBody>
+          </p:sp>
+          <p:sp>
+            <p:nvSpPr>
+              <p:cNvPr id="119" name="等腰三角形 118">
+                <a:extLst>
+                  <a:ext uri="{FF2B5EF4-FFF2-40B4-BE49-F238E27FC236}">
+                    <a16:creationId xmlns:a16="http://schemas.microsoft.com/office/drawing/2014/main" id="{2FB006F4-1D3A-49C1-8DE0-BC509395DC2C}"/>
+                  </a:ext>
+                </a:extLst>
+              </p:cNvPr>
+              <p:cNvSpPr/>
+              <p:nvPr/>
+            </p:nvSpPr>
+            <p:spPr>
+              <a:xfrm rot="16200000">
+                <a:off x="5071961" y="1242827"/>
+                <a:ext cx="701045" cy="340442"/>
+              </a:xfrm>
+              <a:prstGeom prst="triangle">
+                <a:avLst>
+                  <a:gd name="adj" fmla="val 47430"/>
+                </a:avLst>
+              </a:prstGeom>
+              <a:solidFill>
+                <a:schemeClr val="bg1"/>
+              </a:solidFill>
+              <a:ln>
+                <a:noFill/>
+              </a:ln>
+            </p:spPr>
+            <p:style>
+              <a:lnRef idx="2">
+                <a:schemeClr val="accent1">
+                  <a:shade val="50000"/>
+                </a:schemeClr>
+              </a:lnRef>
+              <a:fillRef idx="1">
+                <a:schemeClr val="accent1"/>
+              </a:fillRef>
+              <a:effectRef idx="0">
+                <a:schemeClr val="accent1"/>
+              </a:effectRef>
+              <a:fontRef idx="minor">
+                <a:schemeClr val="lt1"/>
+              </a:fontRef>
+            </p:style>
+            <p:txBody>
+              <a:bodyPr rtlCol="0" anchor="ctr"/>
+              <a:lstStyle/>
+              <a:p>
+                <a:pPr algn="ctr"/>
+                <a:endParaRPr lang="zh-CN" altLang="en-US"/>
+              </a:p>
+            </p:txBody>
+          </p:sp>
+        </p:grpSp>
+      </p:grpSp>
+      <p:sp>
+        <p:nvSpPr>
+          <p:cNvPr id="49" name="椭圆 48">
+            <a:extLst>
+              <a:ext uri="{FF2B5EF4-FFF2-40B4-BE49-F238E27FC236}">
+                <a16:creationId xmlns:a16="http://schemas.microsoft.com/office/drawing/2014/main" id="{8CD37977-A059-4D6F-ACD2-FFE8A2FA25E5}"/>
+              </a:ext>
+            </a:extLst>
+          </p:cNvPr>
+          <p:cNvSpPr>
+            <a:spLocks noChangeAspect="1"/>
+          </p:cNvSpPr>
+          <p:nvPr/>
+        </p:nvSpPr>
+        <p:spPr>
+          <a:xfrm>
+            <a:off x="3781150" y="3979288"/>
+            <a:ext cx="189545" cy="189545"/>
+          </a:xfrm>
+          <a:prstGeom prst="ellipse">
+            <a:avLst/>
+          </a:prstGeom>
+          <a:solidFill>
+            <a:srgbClr val="FFC000"/>
+          </a:solidFill>
+          <a:ln w="25400">
+            <a:solidFill>
+              <a:schemeClr val="bg1"/>
+            </a:solidFill>
+          </a:ln>
+        </p:spPr>
+        <p:style>
+          <a:lnRef idx="2">
+            <a:schemeClr val="accent1">
+              <a:shade val="50000"/>
+            </a:schemeClr>
+          </a:lnRef>
+          <a:fillRef idx="1">
+            <a:schemeClr val="accent1"/>
+          </a:fillRef>
+          <a:effectRef idx="0">
+            <a:schemeClr val="accent1"/>
+          </a:effectRef>
+          <a:fontRef idx="minor">
+            <a:schemeClr val="lt1"/>
+          </a:fontRef>
+        </p:style>
+        <p:txBody>
+          <a:bodyPr rtlCol="0" anchor="ctr"/>
+          <a:lstStyle/>
+          <a:p>
+            <a:pPr algn="ctr"/>
+            <a:endParaRPr lang="en-US" dirty="0">
+              <a:cs typeface="+mn-ea"/>
+            </a:endParaRPr>
+          </a:p>
+        </p:txBody>
+      </p:sp>
+      <p:sp>
+        <p:nvSpPr>
+          <p:cNvPr id="50" name="椭圆 49">
+            <a:extLst>
+              <a:ext uri="{FF2B5EF4-FFF2-40B4-BE49-F238E27FC236}">
+                <a16:creationId xmlns:a16="http://schemas.microsoft.com/office/drawing/2014/main" id="{6C64912A-1C29-4F27-8C11-51EC6C1E4288}"/>
+              </a:ext>
+            </a:extLst>
+          </p:cNvPr>
+          <p:cNvSpPr>
+            <a:spLocks noChangeAspect="1"/>
+          </p:cNvSpPr>
+          <p:nvPr/>
+        </p:nvSpPr>
+        <p:spPr>
+          <a:xfrm>
+            <a:off x="6073654" y="3979287"/>
+            <a:ext cx="189545" cy="189545"/>
+          </a:xfrm>
+          <a:prstGeom prst="ellipse">
+            <a:avLst/>
+          </a:prstGeom>
+          <a:solidFill>
+            <a:srgbClr val="FFC000"/>
+          </a:solidFill>
+          <a:ln w="25400">
+            <a:solidFill>
+              <a:schemeClr val="bg1"/>
+            </a:solidFill>
+          </a:ln>
+        </p:spPr>
+        <p:style>
+          <a:lnRef idx="2">
+            <a:schemeClr val="accent1">
+              <a:shade val="50000"/>
+            </a:schemeClr>
+          </a:lnRef>
+          <a:fillRef idx="1">
+            <a:schemeClr val="accent1"/>
+          </a:fillRef>
+          <a:effectRef idx="0">
+            <a:schemeClr val="accent1"/>
+          </a:effectRef>
+          <a:fontRef idx="minor">
+            <a:schemeClr val="lt1"/>
+          </a:fontRef>
+        </p:style>
+        <p:txBody>
+          <a:bodyPr rtlCol="0" anchor="ctr"/>
+          <a:lstStyle/>
+          <a:p>
+            <a:pPr algn="ctr"/>
+            <a:endParaRPr lang="en-US" dirty="0">
+              <a:cs typeface="+mn-ea"/>
+            </a:endParaRPr>
+          </a:p>
+        </p:txBody>
+      </p:sp>
+      <p:sp>
+        <p:nvSpPr>
+          <p:cNvPr id="52" name="椭圆 51">
+            <a:extLst>
+              <a:ext uri="{FF2B5EF4-FFF2-40B4-BE49-F238E27FC236}">
+                <a16:creationId xmlns:a16="http://schemas.microsoft.com/office/drawing/2014/main" id="{DC569A3D-6E40-449B-8517-400DFBA29919}"/>
+              </a:ext>
+            </a:extLst>
+          </p:cNvPr>
+          <p:cNvSpPr>
+            <a:spLocks noChangeAspect="1"/>
+          </p:cNvSpPr>
+          <p:nvPr/>
+        </p:nvSpPr>
+        <p:spPr>
+          <a:xfrm>
+            <a:off x="8328986" y="3979287"/>
+            <a:ext cx="189545" cy="189545"/>
+          </a:xfrm>
+          <a:prstGeom prst="ellipse">
+            <a:avLst/>
+          </a:prstGeom>
+          <a:solidFill>
+            <a:srgbClr val="FFC000"/>
+          </a:solidFill>
+          <a:ln w="25400">
+            <a:solidFill>
+              <a:schemeClr val="bg1"/>
+            </a:solidFill>
+          </a:ln>
+        </p:spPr>
+        <p:style>
+          <a:lnRef idx="2">
+            <a:schemeClr val="accent1">
+              <a:shade val="50000"/>
+            </a:schemeClr>
+          </a:lnRef>
+          <a:fillRef idx="1">
+            <a:schemeClr val="accent1"/>
+          </a:fillRef>
+          <a:effectRef idx="0">
+            <a:schemeClr val="accent1"/>
+          </a:effectRef>
+          <a:fontRef idx="minor">
+            <a:schemeClr val="lt1"/>
+          </a:fontRef>
+        </p:style>
+        <p:txBody>
+          <a:bodyPr rtlCol="0" anchor="ctr"/>
+          <a:lstStyle/>
+          <a:p>
+            <a:pPr algn="ctr"/>
+            <a:endParaRPr lang="en-US" dirty="0">
+              <a:cs typeface="+mn-ea"/>
+            </a:endParaRPr>
+          </a:p>
+        </p:txBody>
+      </p:sp>
+    </p:spTree>
+    <p:extLst>
+      <p:ext uri="{BB962C8B-B14F-4D97-AF65-F5344CB8AC3E}">
+        <p14:creationId xmlns:p14="http://schemas.microsoft.com/office/powerpoint/2010/main" val="3821645235"/>
+      </p:ext>
+    </p:extLst>
+  </p:cSld>
+  <p:clrMapOvr>
+    <a:masterClrMapping/>
+  </p:clrMapOvr>
+</p:sld>
+</file>
+
 <file path=ppt/theme/theme1.xml><?xml version="1.0" encoding="utf-8"?>
 <a:theme xmlns:a="http://schemas.openxmlformats.org/drawingml/2006/main" name="Office 主题​​">
   <a:themeElements>
